--- a/OOP-Programming.pptx
+++ b/OOP-Programming.pptx
@@ -4,6 +4,9 @@
   <p:sldMasterIdLst>
     <p:sldMasterId id="2147483648" r:id="rId1"/>
   </p:sldMasterIdLst>
+  <p:notesMasterIdLst>
+    <p:notesMasterId r:id="rId14"/>
+  </p:notesMasterIdLst>
   <p:sldIdLst>
     <p:sldId id="256" r:id="rId2"/>
     <p:sldId id="260" r:id="rId3"/>
@@ -14,6 +17,9 @@
     <p:sldId id="261" r:id="rId8"/>
     <p:sldId id="262" r:id="rId9"/>
     <p:sldId id="265" r:id="rId10"/>
+    <p:sldId id="267" r:id="rId11"/>
+    <p:sldId id="266" r:id="rId12"/>
+    <p:sldId id="268" r:id="rId13"/>
   </p:sldIdLst>
   <p:sldSz cx="12192000" cy="6858000"/>
   <p:notesSz cx="6858000" cy="9144000"/>
@@ -120,6 +126,442 @@
 </p:presentation>
 </file>
 
+<file path=ppt/notesMasters/notesMaster1.xml><?xml version="1.0" encoding="utf-8"?>
+<p:notesMaster xmlns:a="http://schemas.openxmlformats.org/drawingml/2006/main" xmlns:r="http://schemas.openxmlformats.org/officeDocument/2006/relationships" xmlns:p="http://schemas.openxmlformats.org/presentationml/2006/main">
+  <p:cSld>
+    <p:bg>
+      <p:bgRef idx="1001">
+        <a:schemeClr val="bg1"/>
+      </p:bgRef>
+    </p:bg>
+    <p:spTree>
+      <p:nvGrpSpPr>
+        <p:cNvPr id="1" name=""/>
+        <p:cNvGrpSpPr/>
+        <p:nvPr/>
+      </p:nvGrpSpPr>
+      <p:grpSpPr>
+        <a:xfrm>
+          <a:off x="0" y="0"/>
+          <a:ext cx="0" cy="0"/>
+          <a:chOff x="0" y="0"/>
+          <a:chExt cx="0" cy="0"/>
+        </a:xfrm>
+      </p:grpSpPr>
+      <p:sp>
+        <p:nvSpPr>
+          <p:cNvPr id="2" name="Espace réservé de l'en-tête 1"/>
+          <p:cNvSpPr>
+            <a:spLocks noGrp="1"/>
+          </p:cNvSpPr>
+          <p:nvPr>
+            <p:ph type="hdr" sz="quarter"/>
+          </p:nvPr>
+        </p:nvSpPr>
+        <p:spPr>
+          <a:xfrm>
+            <a:off x="0" y="0"/>
+            <a:ext cx="2971800" cy="458788"/>
+          </a:xfrm>
+          <a:prstGeom prst="rect">
+            <a:avLst/>
+          </a:prstGeom>
+        </p:spPr>
+        <p:txBody>
+          <a:bodyPr vert="horz" lIns="91440" tIns="45720" rIns="91440" bIns="45720" rtlCol="0"/>
+          <a:lstStyle>
+            <a:lvl1pPr algn="l">
+              <a:defRPr sz="1200"/>
+            </a:lvl1pPr>
+          </a:lstStyle>
+          <a:p>
+            <a:endParaRPr lang="fr-FR"/>
+          </a:p>
+        </p:txBody>
+      </p:sp>
+      <p:sp>
+        <p:nvSpPr>
+          <p:cNvPr id="3" name="Espace réservé de la date 2"/>
+          <p:cNvSpPr>
+            <a:spLocks noGrp="1"/>
+          </p:cNvSpPr>
+          <p:nvPr>
+            <p:ph type="dt" idx="1"/>
+          </p:nvPr>
+        </p:nvSpPr>
+        <p:spPr>
+          <a:xfrm>
+            <a:off x="3884613" y="0"/>
+            <a:ext cx="2971800" cy="458788"/>
+          </a:xfrm>
+          <a:prstGeom prst="rect">
+            <a:avLst/>
+          </a:prstGeom>
+        </p:spPr>
+        <p:txBody>
+          <a:bodyPr vert="horz" lIns="91440" tIns="45720" rIns="91440" bIns="45720" rtlCol="0"/>
+          <a:lstStyle>
+            <a:lvl1pPr algn="r">
+              <a:defRPr sz="1200"/>
+            </a:lvl1pPr>
+          </a:lstStyle>
+          <a:p>
+            <a:fld id="{C421BF89-7C0A-455E-9C8A-AFAFD68EF091}" type="datetimeFigureOut">
+              <a:rPr lang="fr-FR" smtClean="0"/>
+              <a:t>15/05/2025</a:t>
+            </a:fld>
+            <a:endParaRPr lang="fr-FR"/>
+          </a:p>
+        </p:txBody>
+      </p:sp>
+      <p:sp>
+        <p:nvSpPr>
+          <p:cNvPr id="4" name="Espace réservé de l'image des diapositives 3"/>
+          <p:cNvSpPr>
+            <a:spLocks noGrp="1" noRot="1" noChangeAspect="1"/>
+          </p:cNvSpPr>
+          <p:nvPr>
+            <p:ph type="sldImg" idx="2"/>
+          </p:nvPr>
+        </p:nvSpPr>
+        <p:spPr>
+          <a:xfrm>
+            <a:off x="685800" y="1143000"/>
+            <a:ext cx="5486400" cy="3086100"/>
+          </a:xfrm>
+          <a:prstGeom prst="rect">
+            <a:avLst/>
+          </a:prstGeom>
+          <a:noFill/>
+          <a:ln w="12700">
+            <a:solidFill>
+              <a:prstClr val="black"/>
+            </a:solidFill>
+          </a:ln>
+        </p:spPr>
+        <p:txBody>
+          <a:bodyPr vert="horz" lIns="91440" tIns="45720" rIns="91440" bIns="45720" rtlCol="0" anchor="ctr"/>
+          <a:lstStyle/>
+          <a:p>
+            <a:endParaRPr lang="fr-FR"/>
+          </a:p>
+        </p:txBody>
+      </p:sp>
+      <p:sp>
+        <p:nvSpPr>
+          <p:cNvPr id="5" name="Espace réservé des notes 4"/>
+          <p:cNvSpPr>
+            <a:spLocks noGrp="1"/>
+          </p:cNvSpPr>
+          <p:nvPr>
+            <p:ph type="body" sz="quarter" idx="3"/>
+          </p:nvPr>
+        </p:nvSpPr>
+        <p:spPr>
+          <a:xfrm>
+            <a:off x="685800" y="4400550"/>
+            <a:ext cx="5486400" cy="3600450"/>
+          </a:xfrm>
+          <a:prstGeom prst="rect">
+            <a:avLst/>
+          </a:prstGeom>
+        </p:spPr>
+        <p:txBody>
+          <a:bodyPr vert="horz" lIns="91440" tIns="45720" rIns="91440" bIns="45720" rtlCol="0"/>
+          <a:lstStyle/>
+          <a:p>
+            <a:pPr lvl="0"/>
+            <a:r>
+              <a:rPr lang="fr-FR"/>
+              <a:t>Cliquez pour modifier les styles du texte du masque</a:t>
+            </a:r>
+          </a:p>
+          <a:p>
+            <a:pPr lvl="1"/>
+            <a:r>
+              <a:rPr lang="fr-FR"/>
+              <a:t>Deuxième niveau</a:t>
+            </a:r>
+          </a:p>
+          <a:p>
+            <a:pPr lvl="2"/>
+            <a:r>
+              <a:rPr lang="fr-FR"/>
+              <a:t>Troisième niveau</a:t>
+            </a:r>
+          </a:p>
+          <a:p>
+            <a:pPr lvl="3"/>
+            <a:r>
+              <a:rPr lang="fr-FR"/>
+              <a:t>Quatrième niveau</a:t>
+            </a:r>
+          </a:p>
+          <a:p>
+            <a:pPr lvl="4"/>
+            <a:r>
+              <a:rPr lang="fr-FR"/>
+              <a:t>Cinquième niveau</a:t>
+            </a:r>
+          </a:p>
+        </p:txBody>
+      </p:sp>
+      <p:sp>
+        <p:nvSpPr>
+          <p:cNvPr id="6" name="Espace réservé du pied de page 5"/>
+          <p:cNvSpPr>
+            <a:spLocks noGrp="1"/>
+          </p:cNvSpPr>
+          <p:nvPr>
+            <p:ph type="ftr" sz="quarter" idx="4"/>
+          </p:nvPr>
+        </p:nvSpPr>
+        <p:spPr>
+          <a:xfrm>
+            <a:off x="0" y="8685213"/>
+            <a:ext cx="2971800" cy="458787"/>
+          </a:xfrm>
+          <a:prstGeom prst="rect">
+            <a:avLst/>
+          </a:prstGeom>
+        </p:spPr>
+        <p:txBody>
+          <a:bodyPr vert="horz" lIns="91440" tIns="45720" rIns="91440" bIns="45720" rtlCol="0" anchor="b"/>
+          <a:lstStyle>
+            <a:lvl1pPr algn="l">
+              <a:defRPr sz="1200"/>
+            </a:lvl1pPr>
+          </a:lstStyle>
+          <a:p>
+            <a:endParaRPr lang="fr-FR"/>
+          </a:p>
+        </p:txBody>
+      </p:sp>
+      <p:sp>
+        <p:nvSpPr>
+          <p:cNvPr id="7" name="Espace réservé du numéro de diapositive 6"/>
+          <p:cNvSpPr>
+            <a:spLocks noGrp="1"/>
+          </p:cNvSpPr>
+          <p:nvPr>
+            <p:ph type="sldNum" sz="quarter" idx="5"/>
+          </p:nvPr>
+        </p:nvSpPr>
+        <p:spPr>
+          <a:xfrm>
+            <a:off x="3884613" y="8685213"/>
+            <a:ext cx="2971800" cy="458787"/>
+          </a:xfrm>
+          <a:prstGeom prst="rect">
+            <a:avLst/>
+          </a:prstGeom>
+        </p:spPr>
+        <p:txBody>
+          <a:bodyPr vert="horz" lIns="91440" tIns="45720" rIns="91440" bIns="45720" rtlCol="0" anchor="b"/>
+          <a:lstStyle>
+            <a:lvl1pPr algn="r">
+              <a:defRPr sz="1200"/>
+            </a:lvl1pPr>
+          </a:lstStyle>
+          <a:p>
+            <a:fld id="{D8EAA253-53D6-47CC-9F08-0077FAAF8972}" type="slidenum">
+              <a:rPr lang="fr-FR" smtClean="0"/>
+              <a:t>‹N°›</a:t>
+            </a:fld>
+            <a:endParaRPr lang="fr-FR"/>
+          </a:p>
+        </p:txBody>
+      </p:sp>
+    </p:spTree>
+    <p:extLst>
+      <p:ext uri="{BB962C8B-B14F-4D97-AF65-F5344CB8AC3E}">
+        <p14:creationId xmlns:p14="http://schemas.microsoft.com/office/powerpoint/2010/main" val="1745265062"/>
+      </p:ext>
+    </p:extLst>
+  </p:cSld>
+  <p:clrMap bg1="lt1" tx1="dk1" bg2="lt2" tx2="dk2" accent1="accent1" accent2="accent2" accent3="accent3" accent4="accent4" accent5="accent5" accent6="accent6" hlink="hlink" folHlink="folHlink"/>
+  <p:notesStyle>
+    <a:lvl1pPr marL="0" algn="l" defTabSz="914400" rtl="0" eaLnBrk="1" latinLnBrk="0" hangingPunct="1">
+      <a:defRPr sz="1200" kern="1200">
+        <a:solidFill>
+          <a:schemeClr val="tx1"/>
+        </a:solidFill>
+        <a:latin typeface="+mn-lt"/>
+        <a:ea typeface="+mn-ea"/>
+        <a:cs typeface="+mn-cs"/>
+      </a:defRPr>
+    </a:lvl1pPr>
+    <a:lvl2pPr marL="457200" algn="l" defTabSz="914400" rtl="0" eaLnBrk="1" latinLnBrk="0" hangingPunct="1">
+      <a:defRPr sz="1200" kern="1200">
+        <a:solidFill>
+          <a:schemeClr val="tx1"/>
+        </a:solidFill>
+        <a:latin typeface="+mn-lt"/>
+        <a:ea typeface="+mn-ea"/>
+        <a:cs typeface="+mn-cs"/>
+      </a:defRPr>
+    </a:lvl2pPr>
+    <a:lvl3pPr marL="914400" algn="l" defTabSz="914400" rtl="0" eaLnBrk="1" latinLnBrk="0" hangingPunct="1">
+      <a:defRPr sz="1200" kern="1200">
+        <a:solidFill>
+          <a:schemeClr val="tx1"/>
+        </a:solidFill>
+        <a:latin typeface="+mn-lt"/>
+        <a:ea typeface="+mn-ea"/>
+        <a:cs typeface="+mn-cs"/>
+      </a:defRPr>
+    </a:lvl3pPr>
+    <a:lvl4pPr marL="1371600" algn="l" defTabSz="914400" rtl="0" eaLnBrk="1" latinLnBrk="0" hangingPunct="1">
+      <a:defRPr sz="1200" kern="1200">
+        <a:solidFill>
+          <a:schemeClr val="tx1"/>
+        </a:solidFill>
+        <a:latin typeface="+mn-lt"/>
+        <a:ea typeface="+mn-ea"/>
+        <a:cs typeface="+mn-cs"/>
+      </a:defRPr>
+    </a:lvl4pPr>
+    <a:lvl5pPr marL="1828800" algn="l" defTabSz="914400" rtl="0" eaLnBrk="1" latinLnBrk="0" hangingPunct="1">
+      <a:defRPr sz="1200" kern="1200">
+        <a:solidFill>
+          <a:schemeClr val="tx1"/>
+        </a:solidFill>
+        <a:latin typeface="+mn-lt"/>
+        <a:ea typeface="+mn-ea"/>
+        <a:cs typeface="+mn-cs"/>
+      </a:defRPr>
+    </a:lvl5pPr>
+    <a:lvl6pPr marL="2286000" algn="l" defTabSz="914400" rtl="0" eaLnBrk="1" latinLnBrk="0" hangingPunct="1">
+      <a:defRPr sz="1200" kern="1200">
+        <a:solidFill>
+          <a:schemeClr val="tx1"/>
+        </a:solidFill>
+        <a:latin typeface="+mn-lt"/>
+        <a:ea typeface="+mn-ea"/>
+        <a:cs typeface="+mn-cs"/>
+      </a:defRPr>
+    </a:lvl6pPr>
+    <a:lvl7pPr marL="2743200" algn="l" defTabSz="914400" rtl="0" eaLnBrk="1" latinLnBrk="0" hangingPunct="1">
+      <a:defRPr sz="1200" kern="1200">
+        <a:solidFill>
+          <a:schemeClr val="tx1"/>
+        </a:solidFill>
+        <a:latin typeface="+mn-lt"/>
+        <a:ea typeface="+mn-ea"/>
+        <a:cs typeface="+mn-cs"/>
+      </a:defRPr>
+    </a:lvl7pPr>
+    <a:lvl8pPr marL="3200400" algn="l" defTabSz="914400" rtl="0" eaLnBrk="1" latinLnBrk="0" hangingPunct="1">
+      <a:defRPr sz="1200" kern="1200">
+        <a:solidFill>
+          <a:schemeClr val="tx1"/>
+        </a:solidFill>
+        <a:latin typeface="+mn-lt"/>
+        <a:ea typeface="+mn-ea"/>
+        <a:cs typeface="+mn-cs"/>
+      </a:defRPr>
+    </a:lvl8pPr>
+    <a:lvl9pPr marL="3657600" algn="l" defTabSz="914400" rtl="0" eaLnBrk="1" latinLnBrk="0" hangingPunct="1">
+      <a:defRPr sz="1200" kern="1200">
+        <a:solidFill>
+          <a:schemeClr val="tx1"/>
+        </a:solidFill>
+        <a:latin typeface="+mn-lt"/>
+        <a:ea typeface="+mn-ea"/>
+        <a:cs typeface="+mn-cs"/>
+      </a:defRPr>
+    </a:lvl9pPr>
+  </p:notesStyle>
+</p:notesMaster>
+</file>
+
+<file path=ppt/notesSlides/notesSlide1.xml><?xml version="1.0" encoding="utf-8"?>
+<p:notes xmlns:a="http://schemas.openxmlformats.org/drawingml/2006/main" xmlns:r="http://schemas.openxmlformats.org/officeDocument/2006/relationships" xmlns:p="http://schemas.openxmlformats.org/presentationml/2006/main">
+  <p:cSld>
+    <p:spTree>
+      <p:nvGrpSpPr>
+        <p:cNvPr id="1" name=""/>
+        <p:cNvGrpSpPr/>
+        <p:nvPr/>
+      </p:nvGrpSpPr>
+      <p:grpSpPr>
+        <a:xfrm>
+          <a:off x="0" y="0"/>
+          <a:ext cx="0" cy="0"/>
+          <a:chOff x="0" y="0"/>
+          <a:chExt cx="0" cy="0"/>
+        </a:xfrm>
+      </p:grpSpPr>
+      <p:sp>
+        <p:nvSpPr>
+          <p:cNvPr id="2" name="Espace réservé de l'image des diapositives 1"/>
+          <p:cNvSpPr>
+            <a:spLocks noGrp="1" noRot="1" noChangeAspect="1"/>
+          </p:cNvSpPr>
+          <p:nvPr>
+            <p:ph type="sldImg"/>
+          </p:nvPr>
+        </p:nvSpPr>
+        <p:spPr/>
+      </p:sp>
+      <p:sp>
+        <p:nvSpPr>
+          <p:cNvPr id="3" name="Espace réservé des notes 2"/>
+          <p:cNvSpPr>
+            <a:spLocks noGrp="1"/>
+          </p:cNvSpPr>
+          <p:nvPr>
+            <p:ph type="body" idx="1"/>
+          </p:nvPr>
+        </p:nvSpPr>
+        <p:spPr/>
+        <p:txBody>
+          <a:bodyPr/>
+          <a:lstStyle/>
+          <a:p>
+            <a:r>
+              <a:rPr lang="fr-FR" dirty="0"/>
+              <a:t>Go to code !</a:t>
+            </a:r>
+          </a:p>
+        </p:txBody>
+      </p:sp>
+      <p:sp>
+        <p:nvSpPr>
+          <p:cNvPr id="4" name="Espace réservé du numéro de diapositive 3"/>
+          <p:cNvSpPr>
+            <a:spLocks noGrp="1"/>
+          </p:cNvSpPr>
+          <p:nvPr>
+            <p:ph type="sldNum" sz="quarter" idx="5"/>
+          </p:nvPr>
+        </p:nvSpPr>
+        <p:spPr/>
+        <p:txBody>
+          <a:bodyPr/>
+          <a:lstStyle/>
+          <a:p>
+            <a:fld id="{D8EAA253-53D6-47CC-9F08-0077FAAF8972}" type="slidenum">
+              <a:rPr lang="fr-FR" smtClean="0"/>
+              <a:t>9</a:t>
+            </a:fld>
+            <a:endParaRPr lang="fr-FR"/>
+          </a:p>
+        </p:txBody>
+      </p:sp>
+    </p:spTree>
+    <p:extLst>
+      <p:ext uri="{BB962C8B-B14F-4D97-AF65-F5344CB8AC3E}">
+        <p14:creationId xmlns:p14="http://schemas.microsoft.com/office/powerpoint/2010/main" val="1066354471"/>
+      </p:ext>
+    </p:extLst>
+  </p:cSld>
+  <p:clrMapOvr>
+    <a:masterClrMapping/>
+  </p:clrMapOvr>
+</p:notes>
+</file>
+
 <file path=ppt/slideLayouts/slideLayout1.xml><?xml version="1.0" encoding="utf-8"?>
 <p:sldLayout xmlns:a="http://schemas.openxmlformats.org/drawingml/2006/main" xmlns:r="http://schemas.openxmlformats.org/officeDocument/2006/relationships" xmlns:p="http://schemas.openxmlformats.org/presentationml/2006/main" type="title" preserve="1">
   <p:cSld name="Diapositive de titre">
@@ -269,7 +711,7 @@
           <a:p>
             <a:fld id="{FA166077-5284-43A6-BFC3-74D02370C877}" type="datetimeFigureOut">
               <a:rPr lang="en-GB" smtClean="0"/>
-              <a:t>14/05/2025</a:t>
+              <a:t>15/05/2025</a:t>
             </a:fld>
             <a:endParaRPr lang="en-GB"/>
           </a:p>
@@ -469,7 +911,7 @@
           <a:p>
             <a:fld id="{FA166077-5284-43A6-BFC3-74D02370C877}" type="datetimeFigureOut">
               <a:rPr lang="en-GB" smtClean="0"/>
-              <a:t>14/05/2025</a:t>
+              <a:t>15/05/2025</a:t>
             </a:fld>
             <a:endParaRPr lang="en-GB"/>
           </a:p>
@@ -679,7 +1121,7 @@
           <a:p>
             <a:fld id="{FA166077-5284-43A6-BFC3-74D02370C877}" type="datetimeFigureOut">
               <a:rPr lang="en-GB" smtClean="0"/>
-              <a:t>14/05/2025</a:t>
+              <a:t>15/05/2025</a:t>
             </a:fld>
             <a:endParaRPr lang="en-GB"/>
           </a:p>
@@ -879,7 +1321,7 @@
           <a:p>
             <a:fld id="{FA166077-5284-43A6-BFC3-74D02370C877}" type="datetimeFigureOut">
               <a:rPr lang="en-GB" smtClean="0"/>
-              <a:t>14/05/2025</a:t>
+              <a:t>15/05/2025</a:t>
             </a:fld>
             <a:endParaRPr lang="en-GB"/>
           </a:p>
@@ -1155,7 +1597,7 @@
           <a:p>
             <a:fld id="{FA166077-5284-43A6-BFC3-74D02370C877}" type="datetimeFigureOut">
               <a:rPr lang="en-GB" smtClean="0"/>
-              <a:t>14/05/2025</a:t>
+              <a:t>15/05/2025</a:t>
             </a:fld>
             <a:endParaRPr lang="en-GB"/>
           </a:p>
@@ -1423,7 +1865,7 @@
           <a:p>
             <a:fld id="{FA166077-5284-43A6-BFC3-74D02370C877}" type="datetimeFigureOut">
               <a:rPr lang="en-GB" smtClean="0"/>
-              <a:t>14/05/2025</a:t>
+              <a:t>15/05/2025</a:t>
             </a:fld>
             <a:endParaRPr lang="en-GB"/>
           </a:p>
@@ -1838,7 +2280,7 @@
           <a:p>
             <a:fld id="{FA166077-5284-43A6-BFC3-74D02370C877}" type="datetimeFigureOut">
               <a:rPr lang="en-GB" smtClean="0"/>
-              <a:t>14/05/2025</a:t>
+              <a:t>15/05/2025</a:t>
             </a:fld>
             <a:endParaRPr lang="en-GB"/>
           </a:p>
@@ -1980,7 +2422,7 @@
           <a:p>
             <a:fld id="{FA166077-5284-43A6-BFC3-74D02370C877}" type="datetimeFigureOut">
               <a:rPr lang="en-GB" smtClean="0"/>
-              <a:t>14/05/2025</a:t>
+              <a:t>15/05/2025</a:t>
             </a:fld>
             <a:endParaRPr lang="en-GB"/>
           </a:p>
@@ -2093,7 +2535,7 @@
           <a:p>
             <a:fld id="{FA166077-5284-43A6-BFC3-74D02370C877}" type="datetimeFigureOut">
               <a:rPr lang="en-GB" smtClean="0"/>
-              <a:t>14/05/2025</a:t>
+              <a:t>15/05/2025</a:t>
             </a:fld>
             <a:endParaRPr lang="en-GB"/>
           </a:p>
@@ -2406,7 +2848,7 @@
           <a:p>
             <a:fld id="{FA166077-5284-43A6-BFC3-74D02370C877}" type="datetimeFigureOut">
               <a:rPr lang="en-GB" smtClean="0"/>
-              <a:t>14/05/2025</a:t>
+              <a:t>15/05/2025</a:t>
             </a:fld>
             <a:endParaRPr lang="en-GB"/>
           </a:p>
@@ -2695,7 +3137,7 @@
           <a:p>
             <a:fld id="{FA166077-5284-43A6-BFC3-74D02370C877}" type="datetimeFigureOut">
               <a:rPr lang="en-GB" smtClean="0"/>
-              <a:t>14/05/2025</a:t>
+              <a:t>15/05/2025</a:t>
             </a:fld>
             <a:endParaRPr lang="en-GB"/>
           </a:p>
@@ -2938,7 +3380,7 @@
           <a:p>
             <a:fld id="{FA166077-5284-43A6-BFC3-74D02370C877}" type="datetimeFigureOut">
               <a:rPr lang="en-GB" smtClean="0"/>
-              <a:t>14/05/2025</a:t>
+              <a:t>15/05/2025</a:t>
             </a:fld>
             <a:endParaRPr lang="en-GB"/>
           </a:p>
@@ -3549,6 +3991,2309 @@
 </p:sld>
 </file>
 
+<file path=ppt/slides/slide10.xml><?xml version="1.0" encoding="utf-8"?>
+<p:sld xmlns:a="http://schemas.openxmlformats.org/drawingml/2006/main" xmlns:r="http://schemas.openxmlformats.org/officeDocument/2006/relationships" xmlns:p="http://schemas.openxmlformats.org/presentationml/2006/main">
+  <p:cSld>
+    <p:spTree>
+      <p:nvGrpSpPr>
+        <p:cNvPr id="1" name=""/>
+        <p:cNvGrpSpPr/>
+        <p:nvPr/>
+      </p:nvGrpSpPr>
+      <p:grpSpPr>
+        <a:xfrm>
+          <a:off x="0" y="0"/>
+          <a:ext cx="0" cy="0"/>
+          <a:chOff x="0" y="0"/>
+          <a:chExt cx="0" cy="0"/>
+        </a:xfrm>
+      </p:grpSpPr>
+      <p:sp>
+        <p:nvSpPr>
+          <p:cNvPr id="2" name="Titre 1">
+            <a:extLst>
+              <a:ext uri="{FF2B5EF4-FFF2-40B4-BE49-F238E27FC236}">
+                <a16:creationId xmlns:a16="http://schemas.microsoft.com/office/drawing/2014/main" id="{C1C13CE2-848A-05A9-4F01-FF411458863A}"/>
+              </a:ext>
+            </a:extLst>
+          </p:cNvPr>
+          <p:cNvSpPr>
+            <a:spLocks noGrp="1"/>
+          </p:cNvSpPr>
+          <p:nvPr>
+            <p:ph type="title"/>
+          </p:nvPr>
+        </p:nvSpPr>
+        <p:spPr>
+          <a:xfrm>
+            <a:off x="76200" y="192405"/>
+            <a:ext cx="10515600" cy="823595"/>
+          </a:xfrm>
+        </p:spPr>
+        <p:txBody>
+          <a:bodyPr/>
+          <a:lstStyle/>
+          <a:p>
+            <a:r>
+              <a:rPr lang="fr-FR" dirty="0"/>
+              <a:t>(Very) basic memory management</a:t>
+            </a:r>
+          </a:p>
+        </p:txBody>
+      </p:sp>
+      <p:pic>
+        <p:nvPicPr>
+          <p:cNvPr id="3" name="Image 2">
+            <a:extLst>
+              <a:ext uri="{FF2B5EF4-FFF2-40B4-BE49-F238E27FC236}">
+                <a16:creationId xmlns:a16="http://schemas.microsoft.com/office/drawing/2014/main" id="{6AAFA6B6-2F96-8F27-2BFD-5838BD675849}"/>
+              </a:ext>
+            </a:extLst>
+          </p:cNvPr>
+          <p:cNvPicPr>
+            <a:picLocks noChangeAspect="1"/>
+          </p:cNvPicPr>
+          <p:nvPr/>
+        </p:nvPicPr>
+        <p:blipFill>
+          <a:blip r:embed="rId2"/>
+          <a:stretch>
+            <a:fillRect/>
+          </a:stretch>
+        </p:blipFill>
+        <p:spPr>
+          <a:xfrm>
+            <a:off x="2551704" y="847542"/>
+            <a:ext cx="7462868" cy="5162915"/>
+          </a:xfrm>
+          <a:prstGeom prst="rect">
+            <a:avLst/>
+          </a:prstGeom>
+        </p:spPr>
+      </p:pic>
+      <p:sp>
+        <p:nvSpPr>
+          <p:cNvPr id="5" name="ZoneTexte 4">
+            <a:extLst>
+              <a:ext uri="{FF2B5EF4-FFF2-40B4-BE49-F238E27FC236}">
+                <a16:creationId xmlns:a16="http://schemas.microsoft.com/office/drawing/2014/main" id="{1610F136-07EF-075C-AC30-C372EF5C54BF}"/>
+              </a:ext>
+            </a:extLst>
+          </p:cNvPr>
+          <p:cNvSpPr txBox="1"/>
+          <p:nvPr/>
+        </p:nvSpPr>
+        <p:spPr>
+          <a:xfrm>
+            <a:off x="2399029" y="6296262"/>
+            <a:ext cx="7768217" cy="369332"/>
+          </a:xfrm>
+          <a:prstGeom prst="rect">
+            <a:avLst/>
+          </a:prstGeom>
+          <a:noFill/>
+        </p:spPr>
+        <p:txBody>
+          <a:bodyPr wrap="none" rtlCol="0">
+            <a:spAutoFit/>
+          </a:bodyPr>
+          <a:lstStyle/>
+          <a:p>
+            <a:r>
+              <a:rPr lang="en-US" noProof="0"/>
+              <a:t>Memory management in modern CPUs is complex: I will use a simplified model !</a:t>
+            </a:r>
+          </a:p>
+        </p:txBody>
+      </p:sp>
+    </p:spTree>
+    <p:extLst>
+      <p:ext uri="{BB962C8B-B14F-4D97-AF65-F5344CB8AC3E}">
+        <p14:creationId xmlns:p14="http://schemas.microsoft.com/office/powerpoint/2010/main" val="2194238297"/>
+      </p:ext>
+    </p:extLst>
+  </p:cSld>
+  <p:clrMapOvr>
+    <a:masterClrMapping/>
+  </p:clrMapOvr>
+</p:sld>
+</file>
+
+<file path=ppt/slides/slide11.xml><?xml version="1.0" encoding="utf-8"?>
+<p:sld xmlns:a="http://schemas.openxmlformats.org/drawingml/2006/main" xmlns:r="http://schemas.openxmlformats.org/officeDocument/2006/relationships" xmlns:p="http://schemas.openxmlformats.org/presentationml/2006/main">
+  <p:cSld>
+    <p:spTree>
+      <p:nvGrpSpPr>
+        <p:cNvPr id="1" name=""/>
+        <p:cNvGrpSpPr/>
+        <p:nvPr/>
+      </p:nvGrpSpPr>
+      <p:grpSpPr>
+        <a:xfrm>
+          <a:off x="0" y="0"/>
+          <a:ext cx="0" cy="0"/>
+          <a:chOff x="0" y="0"/>
+          <a:chExt cx="0" cy="0"/>
+        </a:xfrm>
+      </p:grpSpPr>
+      <p:sp>
+        <p:nvSpPr>
+          <p:cNvPr id="2" name="Titre 1">
+            <a:extLst>
+              <a:ext uri="{FF2B5EF4-FFF2-40B4-BE49-F238E27FC236}">
+                <a16:creationId xmlns:a16="http://schemas.microsoft.com/office/drawing/2014/main" id="{230D66B4-4025-C6EF-3851-1E474919877D}"/>
+              </a:ext>
+            </a:extLst>
+          </p:cNvPr>
+          <p:cNvSpPr txBox="1">
+            <a:spLocks/>
+          </p:cNvSpPr>
+          <p:nvPr/>
+        </p:nvSpPr>
+        <p:spPr>
+          <a:xfrm>
+            <a:off x="76200" y="192405"/>
+            <a:ext cx="10515600" cy="823595"/>
+          </a:xfrm>
+          <a:prstGeom prst="rect">
+            <a:avLst/>
+          </a:prstGeom>
+        </p:spPr>
+        <p:txBody>
+          <a:bodyPr/>
+          <a:lstStyle>
+            <a:lvl1pPr algn="l" defTabSz="914400" rtl="0" eaLnBrk="1" latinLnBrk="0" hangingPunct="1">
+              <a:lnSpc>
+                <a:spcPct val="90000"/>
+              </a:lnSpc>
+              <a:spcBef>
+                <a:spcPct val="0"/>
+              </a:spcBef>
+              <a:buNone/>
+              <a:defRPr sz="4400" kern="1200">
+                <a:solidFill>
+                  <a:schemeClr val="tx1"/>
+                </a:solidFill>
+                <a:latin typeface="+mj-lt"/>
+                <a:ea typeface="+mj-ea"/>
+                <a:cs typeface="+mj-cs"/>
+              </a:defRPr>
+            </a:lvl1pPr>
+          </a:lstStyle>
+          <a:p>
+            <a:r>
+              <a:rPr lang="fr-FR" dirty="0"/>
+              <a:t>Basic memory management</a:t>
+            </a:r>
+          </a:p>
+        </p:txBody>
+      </p:sp>
+      <p:grpSp>
+        <p:nvGrpSpPr>
+          <p:cNvPr id="12" name="Groupe 11">
+            <a:extLst>
+              <a:ext uri="{FF2B5EF4-FFF2-40B4-BE49-F238E27FC236}">
+                <a16:creationId xmlns:a16="http://schemas.microsoft.com/office/drawing/2014/main" id="{B771C35F-7657-F009-0D4D-08605489B68C}"/>
+              </a:ext>
+            </a:extLst>
+          </p:cNvPr>
+          <p:cNvGrpSpPr/>
+          <p:nvPr/>
+        </p:nvGrpSpPr>
+        <p:grpSpPr>
+          <a:xfrm>
+            <a:off x="7335520" y="3521795"/>
+            <a:ext cx="2834640" cy="2117005"/>
+            <a:chOff x="4104640" y="4019635"/>
+            <a:chExt cx="2834640" cy="2117005"/>
+          </a:xfrm>
+        </p:grpSpPr>
+        <p:grpSp>
+          <p:nvGrpSpPr>
+            <p:cNvPr id="4" name="Groupe 3">
+              <a:extLst>
+                <a:ext uri="{FF2B5EF4-FFF2-40B4-BE49-F238E27FC236}">
+                  <a16:creationId xmlns:a16="http://schemas.microsoft.com/office/drawing/2014/main" id="{C26A630B-29BD-E00B-3CDC-0F25AAA979D3}"/>
+                </a:ext>
+              </a:extLst>
+            </p:cNvPr>
+            <p:cNvGrpSpPr/>
+            <p:nvPr/>
+          </p:nvGrpSpPr>
+          <p:grpSpPr>
+            <a:xfrm>
+              <a:off x="4534746" y="4019635"/>
+              <a:ext cx="2006600" cy="1358577"/>
+              <a:chOff x="2226733" y="3114435"/>
+              <a:chExt cx="2006600" cy="1358577"/>
+            </a:xfrm>
+          </p:grpSpPr>
+          <p:sp>
+            <p:nvSpPr>
+              <p:cNvPr id="5" name="Rectangle : coins arrondis 4">
+                <a:extLst>
+                  <a:ext uri="{FF2B5EF4-FFF2-40B4-BE49-F238E27FC236}">
+                    <a16:creationId xmlns:a16="http://schemas.microsoft.com/office/drawing/2014/main" id="{5C362B3C-5CE5-459E-0839-CBA96B110CC6}"/>
+                  </a:ext>
+                </a:extLst>
+              </p:cNvPr>
+              <p:cNvSpPr/>
+              <p:nvPr/>
+            </p:nvSpPr>
+            <p:spPr>
+              <a:xfrm>
+                <a:off x="2226733" y="3840669"/>
+                <a:ext cx="2006600" cy="632343"/>
+              </a:xfrm>
+              <a:prstGeom prst="roundRect">
+                <a:avLst/>
+              </a:prstGeom>
+              <a:solidFill>
+                <a:srgbClr val="63A1DB"/>
+              </a:solidFill>
+              <a:ln>
+                <a:noFill/>
+              </a:ln>
+              <a:scene3d>
+                <a:camera prst="orthographicFront"/>
+                <a:lightRig rig="threePt" dir="t"/>
+              </a:scene3d>
+              <a:sp3d>
+                <a:bevelT/>
+              </a:sp3d>
+            </p:spPr>
+            <p:style>
+              <a:lnRef idx="2">
+                <a:schemeClr val="accent1">
+                  <a:shade val="50000"/>
+                </a:schemeClr>
+              </a:lnRef>
+              <a:fillRef idx="1">
+                <a:schemeClr val="accent1"/>
+              </a:fillRef>
+              <a:effectRef idx="0">
+                <a:schemeClr val="accent1"/>
+              </a:effectRef>
+              <a:fontRef idx="minor">
+                <a:schemeClr val="lt1"/>
+              </a:fontRef>
+            </p:style>
+            <p:txBody>
+              <a:bodyPr rtlCol="0" anchor="ctr"/>
+              <a:lstStyle/>
+              <a:p>
+                <a:pPr algn="ctr"/>
+                <a:endParaRPr lang="en-GB">
+                  <a:effectLst>
+                    <a:outerShdw blurRad="50800" dist="38100" algn="l" rotWithShape="0">
+                      <a:prstClr val="black">
+                        <a:alpha val="40000"/>
+                      </a:prstClr>
+                    </a:outerShdw>
+                  </a:effectLst>
+                </a:endParaRPr>
+              </a:p>
+            </p:txBody>
+          </p:sp>
+          <p:grpSp>
+            <p:nvGrpSpPr>
+              <p:cNvPr id="6" name="Groupe 5">
+                <a:extLst>
+                  <a:ext uri="{FF2B5EF4-FFF2-40B4-BE49-F238E27FC236}">
+                    <a16:creationId xmlns:a16="http://schemas.microsoft.com/office/drawing/2014/main" id="{8317A0B8-F24D-29CC-A523-79A347893B2E}"/>
+                  </a:ext>
+                </a:extLst>
+              </p:cNvPr>
+              <p:cNvGrpSpPr/>
+              <p:nvPr/>
+            </p:nvGrpSpPr>
+            <p:grpSpPr>
+              <a:xfrm>
+                <a:off x="2378086" y="3114435"/>
+                <a:ext cx="1521507" cy="1239501"/>
+                <a:chOff x="4495800" y="2327031"/>
+                <a:chExt cx="1521507" cy="1239501"/>
+              </a:xfrm>
+              <a:solidFill>
+                <a:srgbClr val="66A2DB"/>
+              </a:solidFill>
+            </p:grpSpPr>
+            <p:sp>
+              <p:nvSpPr>
+                <p:cNvPr id="7" name="ZoneTexte 6">
+                  <a:extLst>
+                    <a:ext uri="{FF2B5EF4-FFF2-40B4-BE49-F238E27FC236}">
+                      <a16:creationId xmlns:a16="http://schemas.microsoft.com/office/drawing/2014/main" id="{1C19C07F-B0A0-CBAF-F7A8-D643E3F3373A}"/>
+                    </a:ext>
+                  </a:extLst>
+                </p:cNvPr>
+                <p:cNvSpPr txBox="1"/>
+                <p:nvPr/>
+              </p:nvSpPr>
+              <p:spPr>
+                <a:xfrm>
+                  <a:off x="4861825" y="2327031"/>
+                  <a:ext cx="1043876" cy="369332"/>
+                </a:xfrm>
+                <a:prstGeom prst="rect">
+                  <a:avLst/>
+                </a:prstGeom>
+                <a:noFill/>
+              </p:spPr>
+              <p:txBody>
+                <a:bodyPr wrap="none" rtlCol="0">
+                  <a:spAutoFit/>
+                </a:bodyPr>
+                <a:lstStyle/>
+                <a:p>
+                  <a:r>
+                    <a:rPr lang="en-GB" b="1" dirty="0">
+                      <a:solidFill>
+                        <a:srgbClr val="68A2DB"/>
+                      </a:solidFill>
+                    </a:rPr>
+                    <a:t>CPU Unit</a:t>
+                  </a:r>
+                </a:p>
+              </p:txBody>
+            </p:sp>
+            <p:sp>
+              <p:nvSpPr>
+                <p:cNvPr id="8" name="ZoneTexte 7">
+                  <a:extLst>
+                    <a:ext uri="{FF2B5EF4-FFF2-40B4-BE49-F238E27FC236}">
+                      <a16:creationId xmlns:a16="http://schemas.microsoft.com/office/drawing/2014/main" id="{79C6AEA0-896A-1605-FFEE-85BA3D9193C1}"/>
+                    </a:ext>
+                  </a:extLst>
+                </p:cNvPr>
+                <p:cNvSpPr txBox="1"/>
+                <p:nvPr/>
+              </p:nvSpPr>
+              <p:spPr>
+                <a:xfrm>
+                  <a:off x="4495800" y="3197200"/>
+                  <a:ext cx="1521507" cy="369332"/>
+                </a:xfrm>
+                <a:prstGeom prst="rect">
+                  <a:avLst/>
+                </a:prstGeom>
+                <a:noFill/>
+              </p:spPr>
+              <p:txBody>
+                <a:bodyPr wrap="none" rtlCol="0">
+                  <a:spAutoFit/>
+                </a:bodyPr>
+                <a:lstStyle/>
+                <a:p>
+                  <a:r>
+                    <a:rPr lang="en-GB" dirty="0">
+                      <a:solidFill>
+                        <a:schemeClr val="bg1"/>
+                      </a:solidFill>
+                    </a:rPr>
+                    <a:t>Stack memory</a:t>
+                  </a:r>
+                </a:p>
+              </p:txBody>
+            </p:sp>
+          </p:grpSp>
+        </p:grpSp>
+        <p:sp>
+          <p:nvSpPr>
+            <p:cNvPr id="10" name="ZoneTexte 9">
+              <a:extLst>
+                <a:ext uri="{FF2B5EF4-FFF2-40B4-BE49-F238E27FC236}">
+                  <a16:creationId xmlns:a16="http://schemas.microsoft.com/office/drawing/2014/main" id="{51626856-ACF1-56F8-4595-A9E422EEC2EC}"/>
+                </a:ext>
+              </a:extLst>
+            </p:cNvPr>
+            <p:cNvSpPr txBox="1"/>
+            <p:nvPr/>
+          </p:nvSpPr>
+          <p:spPr>
+            <a:xfrm>
+              <a:off x="4489222" y="5378212"/>
+              <a:ext cx="2097648" cy="369332"/>
+            </a:xfrm>
+            <a:prstGeom prst="rect">
+              <a:avLst/>
+            </a:prstGeom>
+            <a:noFill/>
+          </p:spPr>
+          <p:txBody>
+            <a:bodyPr wrap="square">
+              <a:spAutoFit/>
+            </a:bodyPr>
+            <a:lstStyle/>
+            <a:p>
+              <a:pPr algn="ctr"/>
+              <a:r>
+                <a:rPr lang="en-GB" b="1" dirty="0">
+                  <a:solidFill>
+                    <a:srgbClr val="68A2DB"/>
+                  </a:solidFill>
+                </a:rPr>
+                <a:t>Microprocessor</a:t>
+              </a:r>
+              <a:endParaRPr lang="en-US" dirty="0"/>
+            </a:p>
+          </p:txBody>
+        </p:sp>
+        <p:sp>
+          <p:nvSpPr>
+            <p:cNvPr id="11" name="Rectangle 10">
+              <a:extLst>
+                <a:ext uri="{FF2B5EF4-FFF2-40B4-BE49-F238E27FC236}">
+                  <a16:creationId xmlns:a16="http://schemas.microsoft.com/office/drawing/2014/main" id="{F57EA3F6-AE09-0638-09FD-1DC1FE3388AC}"/>
+                </a:ext>
+              </a:extLst>
+            </p:cNvPr>
+            <p:cNvSpPr/>
+            <p:nvPr/>
+          </p:nvSpPr>
+          <p:spPr>
+            <a:xfrm>
+              <a:off x="4104640" y="4388967"/>
+              <a:ext cx="2834640" cy="1747673"/>
+            </a:xfrm>
+            <a:prstGeom prst="rect">
+              <a:avLst/>
+            </a:prstGeom>
+            <a:noFill/>
+            <a:ln w="38100">
+              <a:solidFill>
+                <a:srgbClr val="6BACE8"/>
+              </a:solidFill>
+            </a:ln>
+          </p:spPr>
+          <p:style>
+            <a:lnRef idx="2">
+              <a:schemeClr val="accent1">
+                <a:shade val="15000"/>
+              </a:schemeClr>
+            </a:lnRef>
+            <a:fillRef idx="1">
+              <a:schemeClr val="accent1"/>
+            </a:fillRef>
+            <a:effectRef idx="0">
+              <a:schemeClr val="accent1"/>
+            </a:effectRef>
+            <a:fontRef idx="minor">
+              <a:schemeClr val="lt1"/>
+            </a:fontRef>
+          </p:style>
+          <p:txBody>
+            <a:bodyPr rtlCol="0" anchor="ctr"/>
+            <a:lstStyle/>
+            <a:p>
+              <a:pPr algn="ctr"/>
+              <a:endParaRPr lang="en-US">
+                <a:noFill/>
+              </a:endParaRPr>
+            </a:p>
+          </p:txBody>
+        </p:sp>
+      </p:grpSp>
+      <p:sp>
+        <p:nvSpPr>
+          <p:cNvPr id="13" name="Rectangle : coins arrondis 12">
+            <a:extLst>
+              <a:ext uri="{FF2B5EF4-FFF2-40B4-BE49-F238E27FC236}">
+                <a16:creationId xmlns:a16="http://schemas.microsoft.com/office/drawing/2014/main" id="{4A013A43-7D18-3C09-2816-060AB0A523FC}"/>
+              </a:ext>
+            </a:extLst>
+          </p:cNvPr>
+          <p:cNvSpPr/>
+          <p:nvPr/>
+        </p:nvSpPr>
+        <p:spPr>
+          <a:xfrm>
+            <a:off x="5607962" y="1771534"/>
+            <a:ext cx="6321928" cy="653070"/>
+          </a:xfrm>
+          <a:prstGeom prst="roundRect">
+            <a:avLst/>
+          </a:prstGeom>
+          <a:solidFill>
+            <a:srgbClr val="FFC000"/>
+          </a:solidFill>
+          <a:ln>
+            <a:noFill/>
+          </a:ln>
+          <a:scene3d>
+            <a:camera prst="orthographicFront"/>
+            <a:lightRig rig="threePt" dir="t"/>
+          </a:scene3d>
+          <a:sp3d>
+            <a:bevelT/>
+          </a:sp3d>
+        </p:spPr>
+        <p:style>
+          <a:lnRef idx="2">
+            <a:schemeClr val="accent1">
+              <a:shade val="50000"/>
+            </a:schemeClr>
+          </a:lnRef>
+          <a:fillRef idx="1">
+            <a:schemeClr val="accent1"/>
+          </a:fillRef>
+          <a:effectRef idx="0">
+            <a:schemeClr val="accent1"/>
+          </a:effectRef>
+          <a:fontRef idx="minor">
+            <a:schemeClr val="lt1"/>
+          </a:fontRef>
+        </p:style>
+        <p:txBody>
+          <a:bodyPr rtlCol="0" anchor="ctr"/>
+          <a:lstStyle/>
+          <a:p>
+            <a:pPr algn="ctr"/>
+            <a:r>
+              <a:rPr lang="en-GB" dirty="0">
+                <a:effectLst>
+                  <a:outerShdw blurRad="50800" dist="38100" algn="l" rotWithShape="0">
+                    <a:prstClr val="black">
+                      <a:alpha val="40000"/>
+                    </a:prstClr>
+                  </a:outerShdw>
+                </a:effectLst>
+              </a:rPr>
+              <a:t>Heap memory</a:t>
+            </a:r>
+          </a:p>
+        </p:txBody>
+      </p:sp>
+      <p:sp>
+        <p:nvSpPr>
+          <p:cNvPr id="14" name="ZoneTexte 13">
+            <a:extLst>
+              <a:ext uri="{FF2B5EF4-FFF2-40B4-BE49-F238E27FC236}">
+                <a16:creationId xmlns:a16="http://schemas.microsoft.com/office/drawing/2014/main" id="{B8D16F63-93CE-A069-DE11-CA811ECCB53F}"/>
+              </a:ext>
+            </a:extLst>
+          </p:cNvPr>
+          <p:cNvSpPr txBox="1"/>
+          <p:nvPr/>
+        </p:nvSpPr>
+        <p:spPr>
+          <a:xfrm>
+            <a:off x="7199662" y="1357657"/>
+            <a:ext cx="3210559" cy="369332"/>
+          </a:xfrm>
+          <a:prstGeom prst="rect">
+            <a:avLst/>
+          </a:prstGeom>
+          <a:noFill/>
+        </p:spPr>
+        <p:txBody>
+          <a:bodyPr wrap="none" rtlCol="0">
+            <a:spAutoFit/>
+          </a:bodyPr>
+          <a:lstStyle/>
+          <a:p>
+            <a:r>
+              <a:rPr lang="en-GB" b="1" dirty="0">
+                <a:solidFill>
+                  <a:srgbClr val="FFC000"/>
+                </a:solidFill>
+              </a:rPr>
+              <a:t>Random Access Memory (RAM)</a:t>
+            </a:r>
+            <a:endParaRPr lang="en-GB" b="1" dirty="0">
+              <a:solidFill>
+                <a:srgbClr val="68A2DB"/>
+              </a:solidFill>
+            </a:endParaRPr>
+          </a:p>
+        </p:txBody>
+      </p:sp>
+      <p:pic>
+        <p:nvPicPr>
+          <p:cNvPr id="17" name="Image 16">
+            <a:extLst>
+              <a:ext uri="{FF2B5EF4-FFF2-40B4-BE49-F238E27FC236}">
+                <a16:creationId xmlns:a16="http://schemas.microsoft.com/office/drawing/2014/main" id="{C59192CB-1C84-5E03-57C2-CC5F4EC856E8}"/>
+              </a:ext>
+            </a:extLst>
+          </p:cNvPr>
+          <p:cNvPicPr>
+            <a:picLocks noChangeAspect="1"/>
+          </p:cNvPicPr>
+          <p:nvPr/>
+        </p:nvPicPr>
+        <p:blipFill>
+          <a:blip r:embed="rId2"/>
+          <a:stretch>
+            <a:fillRect/>
+          </a:stretch>
+        </p:blipFill>
+        <p:spPr>
+          <a:xfrm>
+            <a:off x="16074" y="2048853"/>
+            <a:ext cx="5530278" cy="3684548"/>
+          </a:xfrm>
+          <a:prstGeom prst="rect">
+            <a:avLst/>
+          </a:prstGeom>
+        </p:spPr>
+      </p:pic>
+      <p:cxnSp>
+        <p:nvCxnSpPr>
+          <p:cNvPr id="18" name="Connecteur droit avec flèche 17">
+            <a:extLst>
+              <a:ext uri="{FF2B5EF4-FFF2-40B4-BE49-F238E27FC236}">
+                <a16:creationId xmlns:a16="http://schemas.microsoft.com/office/drawing/2014/main" id="{24ECDEC8-C230-7AF7-D193-10CD8B092B72}"/>
+              </a:ext>
+            </a:extLst>
+          </p:cNvPr>
+          <p:cNvCxnSpPr>
+            <a:cxnSpLocks/>
+          </p:cNvCxnSpPr>
+          <p:nvPr/>
+        </p:nvCxnSpPr>
+        <p:spPr>
+          <a:xfrm flipH="1">
+            <a:off x="3261360" y="2131710"/>
+            <a:ext cx="2346602" cy="662290"/>
+          </a:xfrm>
+          <a:prstGeom prst="straightConnector1">
+            <a:avLst/>
+          </a:prstGeom>
+          <a:ln w="28575">
+            <a:solidFill>
+              <a:srgbClr val="FFC000"/>
+            </a:solidFill>
+            <a:tailEnd type="triangle"/>
+          </a:ln>
+        </p:spPr>
+        <p:style>
+          <a:lnRef idx="1">
+            <a:schemeClr val="accent1"/>
+          </a:lnRef>
+          <a:fillRef idx="0">
+            <a:schemeClr val="accent1"/>
+          </a:fillRef>
+          <a:effectRef idx="0">
+            <a:schemeClr val="accent1"/>
+          </a:effectRef>
+          <a:fontRef idx="minor">
+            <a:schemeClr val="tx1"/>
+          </a:fontRef>
+        </p:style>
+      </p:cxnSp>
+      <p:cxnSp>
+        <p:nvCxnSpPr>
+          <p:cNvPr id="21" name="Connecteur droit avec flèche 20">
+            <a:extLst>
+              <a:ext uri="{FF2B5EF4-FFF2-40B4-BE49-F238E27FC236}">
+                <a16:creationId xmlns:a16="http://schemas.microsoft.com/office/drawing/2014/main" id="{2955C5EF-43E3-974B-CE96-DDAC7E21663F}"/>
+              </a:ext>
+            </a:extLst>
+          </p:cNvPr>
+          <p:cNvCxnSpPr>
+            <a:cxnSpLocks/>
+          </p:cNvCxnSpPr>
+          <p:nvPr/>
+        </p:nvCxnSpPr>
+        <p:spPr>
+          <a:xfrm flipH="1" flipV="1">
+            <a:off x="2286000" y="4124960"/>
+            <a:ext cx="4913662" cy="644606"/>
+          </a:xfrm>
+          <a:prstGeom prst="straightConnector1">
+            <a:avLst/>
+          </a:prstGeom>
+          <a:ln w="28575">
+            <a:solidFill>
+              <a:srgbClr val="83C5FD"/>
+            </a:solidFill>
+            <a:tailEnd type="triangle"/>
+          </a:ln>
+        </p:spPr>
+        <p:style>
+          <a:lnRef idx="1">
+            <a:schemeClr val="accent1"/>
+          </a:lnRef>
+          <a:fillRef idx="0">
+            <a:schemeClr val="accent1"/>
+          </a:fillRef>
+          <a:effectRef idx="0">
+            <a:schemeClr val="accent1"/>
+          </a:effectRef>
+          <a:fontRef idx="minor">
+            <a:schemeClr val="tx1"/>
+          </a:fontRef>
+        </p:style>
+      </p:cxnSp>
+      <p:grpSp>
+        <p:nvGrpSpPr>
+          <p:cNvPr id="30" name="Groupe 29">
+            <a:extLst>
+              <a:ext uri="{FF2B5EF4-FFF2-40B4-BE49-F238E27FC236}">
+                <a16:creationId xmlns:a16="http://schemas.microsoft.com/office/drawing/2014/main" id="{DB2D1A22-B750-145B-9A12-219268A7C09D}"/>
+              </a:ext>
+            </a:extLst>
+          </p:cNvPr>
+          <p:cNvGrpSpPr/>
+          <p:nvPr/>
+        </p:nvGrpSpPr>
+        <p:grpSpPr>
+          <a:xfrm>
+            <a:off x="3810000" y="960109"/>
+            <a:ext cx="7748245" cy="5897891"/>
+            <a:chOff x="3810000" y="960109"/>
+            <a:chExt cx="7748245" cy="5897891"/>
+          </a:xfrm>
+        </p:grpSpPr>
+        <p:sp>
+          <p:nvSpPr>
+            <p:cNvPr id="23" name="ZoneTexte 22">
+              <a:extLst>
+                <a:ext uri="{FF2B5EF4-FFF2-40B4-BE49-F238E27FC236}">
+                  <a16:creationId xmlns:a16="http://schemas.microsoft.com/office/drawing/2014/main" id="{D0932CDD-4286-A602-5AEE-DB05F39986CA}"/>
+                </a:ext>
+              </a:extLst>
+            </p:cNvPr>
+            <p:cNvSpPr txBox="1"/>
+            <p:nvPr/>
+          </p:nvSpPr>
+          <p:spPr>
+            <a:xfrm>
+              <a:off x="7517774" y="5782735"/>
+              <a:ext cx="2470132" cy="646331"/>
+            </a:xfrm>
+            <a:prstGeom prst="rect">
+              <a:avLst/>
+            </a:prstGeom>
+            <a:noFill/>
+          </p:spPr>
+          <p:txBody>
+            <a:bodyPr wrap="square">
+              <a:spAutoFit/>
+            </a:bodyPr>
+            <a:lstStyle/>
+            <a:p>
+              <a:pPr algn="ctr"/>
+              <a:r>
+                <a:rPr lang="en-GB" b="1" dirty="0">
+                  <a:solidFill>
+                    <a:srgbClr val="68A2DB"/>
+                  </a:solidFill>
+                </a:rPr>
+                <a:t>Used for local variables </a:t>
+              </a:r>
+            </a:p>
+            <a:p>
+              <a:pPr algn="ctr"/>
+              <a:r>
+                <a:rPr lang="en-GB" b="1" dirty="0">
+                  <a:solidFill>
+                    <a:srgbClr val="68A2DB"/>
+                  </a:solidFill>
+                </a:rPr>
+                <a:t>and return values </a:t>
+              </a:r>
+              <a:endParaRPr lang="en-US" dirty="0"/>
+            </a:p>
+          </p:txBody>
+        </p:sp>
+        <p:sp>
+          <p:nvSpPr>
+            <p:cNvPr id="25" name="ZoneTexte 24">
+              <a:extLst>
+                <a:ext uri="{FF2B5EF4-FFF2-40B4-BE49-F238E27FC236}">
+                  <a16:creationId xmlns:a16="http://schemas.microsoft.com/office/drawing/2014/main" id="{1E98CE2B-715F-EE5C-D2CE-1AAF2E83073B}"/>
+                </a:ext>
+              </a:extLst>
+            </p:cNvPr>
+            <p:cNvSpPr txBox="1"/>
+            <p:nvPr/>
+          </p:nvSpPr>
+          <p:spPr>
+            <a:xfrm>
+              <a:off x="6979401" y="2543680"/>
+              <a:ext cx="3747693" cy="369332"/>
+            </a:xfrm>
+            <a:prstGeom prst="rect">
+              <a:avLst/>
+            </a:prstGeom>
+            <a:noFill/>
+          </p:spPr>
+          <p:txBody>
+            <a:bodyPr wrap="none" rtlCol="0">
+              <a:spAutoFit/>
+            </a:bodyPr>
+            <a:lstStyle/>
+            <a:p>
+              <a:r>
+                <a:rPr lang="en-GB" b="1" dirty="0">
+                  <a:solidFill>
+                    <a:srgbClr val="FFC000"/>
+                  </a:solidFill>
+                </a:rPr>
+                <a:t>Used for  objects and global variables</a:t>
+              </a:r>
+              <a:endParaRPr lang="en-GB" b="1" dirty="0">
+                <a:solidFill>
+                  <a:srgbClr val="68A2DB"/>
+                </a:solidFill>
+              </a:endParaRPr>
+            </a:p>
+          </p:txBody>
+        </p:sp>
+        <p:pic>
+          <p:nvPicPr>
+            <p:cNvPr id="27" name="Image 26">
+              <a:extLst>
+                <a:ext uri="{FF2B5EF4-FFF2-40B4-BE49-F238E27FC236}">
+                  <a16:creationId xmlns:a16="http://schemas.microsoft.com/office/drawing/2014/main" id="{BE2AB8E0-3CAB-B222-EE1B-EC79FD0D8A09}"/>
+                </a:ext>
+              </a:extLst>
+            </p:cNvPr>
+            <p:cNvPicPr>
+              <a:picLocks noChangeAspect="1"/>
+            </p:cNvPicPr>
+            <p:nvPr/>
+          </p:nvPicPr>
+          <p:blipFill>
+            <a:blip r:embed="rId3">
+              <a:clrChange>
+                <a:clrFrom>
+                  <a:srgbClr val="FFFFFF"/>
+                </a:clrFrom>
+                <a:clrTo>
+                  <a:srgbClr val="FFFFFF">
+                    <a:alpha val="0"/>
+                  </a:srgbClr>
+                </a:clrTo>
+              </a:clrChange>
+            </a:blip>
+            <a:stretch>
+              <a:fillRect/>
+            </a:stretch>
+          </p:blipFill>
+          <p:spPr>
+            <a:xfrm>
+              <a:off x="9525025" y="4275556"/>
+              <a:ext cx="585450" cy="485740"/>
+            </a:xfrm>
+            <a:prstGeom prst="rect">
+              <a:avLst/>
+            </a:prstGeom>
+          </p:spPr>
+        </p:pic>
+        <p:pic>
+          <p:nvPicPr>
+            <p:cNvPr id="28" name="Image 27">
+              <a:extLst>
+                <a:ext uri="{FF2B5EF4-FFF2-40B4-BE49-F238E27FC236}">
+                  <a16:creationId xmlns:a16="http://schemas.microsoft.com/office/drawing/2014/main" id="{65F980DD-153E-6F22-E2D5-4A331E254575}"/>
+                </a:ext>
+              </a:extLst>
+            </p:cNvPr>
+            <p:cNvPicPr>
+              <a:picLocks noChangeAspect="1"/>
+            </p:cNvPicPr>
+            <p:nvPr/>
+          </p:nvPicPr>
+          <p:blipFill>
+            <a:blip r:embed="rId4">
+              <a:clrChange>
+                <a:clrFrom>
+                  <a:srgbClr val="FFFFFF"/>
+                </a:clrFrom>
+                <a:clrTo>
+                  <a:srgbClr val="FFFFFF">
+                    <a:alpha val="0"/>
+                  </a:srgbClr>
+                </a:clrTo>
+              </a:clrChange>
+            </a:blip>
+            <a:stretch>
+              <a:fillRect/>
+            </a:stretch>
+          </p:blipFill>
+          <p:spPr>
+            <a:xfrm>
+              <a:off x="10410221" y="960109"/>
+              <a:ext cx="1148024" cy="766880"/>
+            </a:xfrm>
+            <a:prstGeom prst="rect">
+              <a:avLst/>
+            </a:prstGeom>
+          </p:spPr>
+        </p:pic>
+        <p:sp>
+          <p:nvSpPr>
+            <p:cNvPr id="29" name="ZoneTexte 28">
+              <a:extLst>
+                <a:ext uri="{FF2B5EF4-FFF2-40B4-BE49-F238E27FC236}">
+                  <a16:creationId xmlns:a16="http://schemas.microsoft.com/office/drawing/2014/main" id="{00D6917A-EF8C-C427-302C-5AFDE58043AB}"/>
+                </a:ext>
+              </a:extLst>
+            </p:cNvPr>
+            <p:cNvSpPr txBox="1"/>
+            <p:nvPr/>
+          </p:nvSpPr>
+          <p:spPr>
+            <a:xfrm>
+              <a:off x="3810000" y="6488668"/>
+              <a:ext cx="4786182" cy="369332"/>
+            </a:xfrm>
+            <a:prstGeom prst="rect">
+              <a:avLst/>
+            </a:prstGeom>
+            <a:noFill/>
+          </p:spPr>
+          <p:txBody>
+            <a:bodyPr wrap="none" rtlCol="0">
+              <a:spAutoFit/>
+            </a:bodyPr>
+            <a:lstStyle/>
+            <a:p>
+              <a:r>
+                <a:rPr lang="en-US" b="1" dirty="0"/>
+                <a:t>Avoid using global variables in your programs !!!</a:t>
+              </a:r>
+            </a:p>
+          </p:txBody>
+        </p:sp>
+      </p:grpSp>
+    </p:spTree>
+    <p:extLst>
+      <p:ext uri="{BB962C8B-B14F-4D97-AF65-F5344CB8AC3E}">
+        <p14:creationId xmlns:p14="http://schemas.microsoft.com/office/powerpoint/2010/main" val="3799485706"/>
+      </p:ext>
+    </p:extLst>
+  </p:cSld>
+  <p:clrMapOvr>
+    <a:masterClrMapping/>
+  </p:clrMapOvr>
+  <p:timing>
+    <p:tnLst>
+      <p:par>
+        <p:cTn id="1" dur="indefinite" restart="never" nodeType="tmRoot">
+          <p:childTnLst>
+            <p:seq concurrent="1" nextAc="seek">
+              <p:cTn id="2" dur="indefinite" nodeType="mainSeq">
+                <p:childTnLst>
+                  <p:par>
+                    <p:cTn id="3" fill="hold">
+                      <p:stCondLst>
+                        <p:cond delay="indefinite"/>
+                      </p:stCondLst>
+                      <p:childTnLst>
+                        <p:par>
+                          <p:cTn id="4" fill="hold">
+                            <p:stCondLst>
+                              <p:cond delay="0"/>
+                            </p:stCondLst>
+                            <p:childTnLst>
+                              <p:par>
+                                <p:cTn id="5" presetID="10" presetClass="entr" presetSubtype="0" fill="hold" nodeType="clickEffect">
+                                  <p:stCondLst>
+                                    <p:cond delay="0"/>
+                                  </p:stCondLst>
+                                  <p:childTnLst>
+                                    <p:set>
+                                      <p:cBhvr>
+                                        <p:cTn id="6" dur="1" fill="hold">
+                                          <p:stCondLst>
+                                            <p:cond delay="0"/>
+                                          </p:stCondLst>
+                                        </p:cTn>
+                                        <p:tgtEl>
+                                          <p:spTgt spid="30"/>
+                                        </p:tgtEl>
+                                        <p:attrNameLst>
+                                          <p:attrName>style.visibility</p:attrName>
+                                        </p:attrNameLst>
+                                      </p:cBhvr>
+                                      <p:to>
+                                        <p:strVal val="visible"/>
+                                      </p:to>
+                                    </p:set>
+                                    <p:animEffect transition="in" filter="fade">
+                                      <p:cBhvr>
+                                        <p:cTn id="7" dur="500"/>
+                                        <p:tgtEl>
+                                          <p:spTgt spid="30"/>
+                                        </p:tgtEl>
+                                      </p:cBhvr>
+                                    </p:animEffect>
+                                  </p:childTnLst>
+                                </p:cTn>
+                              </p:par>
+                            </p:childTnLst>
+                          </p:cTn>
+                        </p:par>
+                      </p:childTnLst>
+                    </p:cTn>
+                  </p:par>
+                </p:childTnLst>
+              </p:cTn>
+              <p:prevCondLst>
+                <p:cond evt="onPrev" delay="0">
+                  <p:tgtEl>
+                    <p:sldTgt/>
+                  </p:tgtEl>
+                </p:cond>
+              </p:prevCondLst>
+              <p:nextCondLst>
+                <p:cond evt="onNext" delay="0">
+                  <p:tgtEl>
+                    <p:sldTgt/>
+                  </p:tgtEl>
+                </p:cond>
+              </p:nextCondLst>
+            </p:seq>
+          </p:childTnLst>
+        </p:cTn>
+      </p:par>
+    </p:tnLst>
+  </p:timing>
+</p:sld>
+</file>
+
+<file path=ppt/slides/slide12.xml><?xml version="1.0" encoding="utf-8"?>
+<p:sld xmlns:a="http://schemas.openxmlformats.org/drawingml/2006/main" xmlns:r="http://schemas.openxmlformats.org/officeDocument/2006/relationships" xmlns:p="http://schemas.openxmlformats.org/presentationml/2006/main">
+  <p:cSld>
+    <p:spTree>
+      <p:nvGrpSpPr>
+        <p:cNvPr id="1" name="">
+          <a:extLst>
+            <a:ext uri="{FF2B5EF4-FFF2-40B4-BE49-F238E27FC236}">
+              <a16:creationId xmlns:a16="http://schemas.microsoft.com/office/drawing/2014/main" id="{BEF1CC4E-6AD6-E315-90B3-C48907064C78}"/>
+            </a:ext>
+          </a:extLst>
+        </p:cNvPr>
+        <p:cNvGrpSpPr/>
+        <p:nvPr/>
+      </p:nvGrpSpPr>
+      <p:grpSpPr>
+        <a:xfrm>
+          <a:off x="0" y="0"/>
+          <a:ext cx="0" cy="0"/>
+          <a:chOff x="0" y="0"/>
+          <a:chExt cx="0" cy="0"/>
+        </a:xfrm>
+      </p:grpSpPr>
+      <p:sp>
+        <p:nvSpPr>
+          <p:cNvPr id="20" name="Rectangle : coins arrondis 19">
+            <a:extLst>
+              <a:ext uri="{FF2B5EF4-FFF2-40B4-BE49-F238E27FC236}">
+                <a16:creationId xmlns:a16="http://schemas.microsoft.com/office/drawing/2014/main" id="{2DC682E7-54F2-FA3F-7200-F55C408A02C3}"/>
+              </a:ext>
+            </a:extLst>
+          </p:cNvPr>
+          <p:cNvSpPr/>
+          <p:nvPr/>
+        </p:nvSpPr>
+        <p:spPr>
+          <a:xfrm>
+            <a:off x="619760" y="3429000"/>
+            <a:ext cx="10800080" cy="2597388"/>
+          </a:xfrm>
+          <a:prstGeom prst="roundRect">
+            <a:avLst/>
+          </a:prstGeom>
+          <a:solidFill>
+            <a:srgbClr val="FFC000"/>
+          </a:solidFill>
+          <a:ln>
+            <a:noFill/>
+          </a:ln>
+          <a:scene3d>
+            <a:camera prst="orthographicFront"/>
+            <a:lightRig rig="threePt" dir="t"/>
+          </a:scene3d>
+          <a:sp3d>
+            <a:bevelT/>
+          </a:sp3d>
+        </p:spPr>
+        <p:style>
+          <a:lnRef idx="2">
+            <a:schemeClr val="accent1">
+              <a:shade val="50000"/>
+            </a:schemeClr>
+          </a:lnRef>
+          <a:fillRef idx="1">
+            <a:schemeClr val="accent1"/>
+          </a:fillRef>
+          <a:effectRef idx="0">
+            <a:schemeClr val="accent1"/>
+          </a:effectRef>
+          <a:fontRef idx="minor">
+            <a:schemeClr val="lt1"/>
+          </a:fontRef>
+        </p:style>
+        <p:txBody>
+          <a:bodyPr rtlCol="0" anchor="ctr"/>
+          <a:lstStyle/>
+          <a:p>
+            <a:endParaRPr lang="en-US" dirty="0"/>
+          </a:p>
+        </p:txBody>
+      </p:sp>
+      <p:sp>
+        <p:nvSpPr>
+          <p:cNvPr id="2" name="Titre 1">
+            <a:extLst>
+              <a:ext uri="{FF2B5EF4-FFF2-40B4-BE49-F238E27FC236}">
+                <a16:creationId xmlns:a16="http://schemas.microsoft.com/office/drawing/2014/main" id="{3EFADB7B-625A-7FEB-EF48-E85B451DE435}"/>
+              </a:ext>
+            </a:extLst>
+          </p:cNvPr>
+          <p:cNvSpPr txBox="1">
+            <a:spLocks/>
+          </p:cNvSpPr>
+          <p:nvPr/>
+        </p:nvSpPr>
+        <p:spPr>
+          <a:xfrm>
+            <a:off x="76200" y="192405"/>
+            <a:ext cx="10515600" cy="823595"/>
+          </a:xfrm>
+          <a:prstGeom prst="rect">
+            <a:avLst/>
+          </a:prstGeom>
+        </p:spPr>
+        <p:txBody>
+          <a:bodyPr/>
+          <a:lstStyle>
+            <a:lvl1pPr algn="l" defTabSz="914400" rtl="0" eaLnBrk="1" latinLnBrk="0" hangingPunct="1">
+              <a:lnSpc>
+                <a:spcPct val="90000"/>
+              </a:lnSpc>
+              <a:spcBef>
+                <a:spcPct val="0"/>
+              </a:spcBef>
+              <a:buNone/>
+              <a:defRPr sz="4400" kern="1200">
+                <a:solidFill>
+                  <a:schemeClr val="tx1"/>
+                </a:solidFill>
+                <a:latin typeface="+mj-lt"/>
+                <a:ea typeface="+mj-ea"/>
+                <a:cs typeface="+mj-cs"/>
+              </a:defRPr>
+            </a:lvl1pPr>
+          </a:lstStyle>
+          <a:p>
+            <a:r>
+              <a:rPr lang="en-US" noProof="0" dirty="0"/>
+              <a:t>Objects, </a:t>
+            </a:r>
+            <a:r>
+              <a:rPr lang="en-US" noProof="0" dirty="0" err="1"/>
+              <a:t>pointers,variables</a:t>
+            </a:r>
+            <a:r>
+              <a:rPr lang="en-US" noProof="0" dirty="0"/>
+              <a:t> and RAM</a:t>
+            </a:r>
+          </a:p>
+        </p:txBody>
+      </p:sp>
+      <p:sp>
+        <p:nvSpPr>
+          <p:cNvPr id="15" name="ZoneTexte 14">
+            <a:extLst>
+              <a:ext uri="{FF2B5EF4-FFF2-40B4-BE49-F238E27FC236}">
+                <a16:creationId xmlns:a16="http://schemas.microsoft.com/office/drawing/2014/main" id="{3D047D51-5C81-402D-45A9-3E28EB9BAA51}"/>
+              </a:ext>
+            </a:extLst>
+          </p:cNvPr>
+          <p:cNvSpPr txBox="1"/>
+          <p:nvPr/>
+        </p:nvSpPr>
+        <p:spPr>
+          <a:xfrm>
+            <a:off x="2627949" y="1016000"/>
+            <a:ext cx="7484741" cy="1169551"/>
+          </a:xfrm>
+          <a:prstGeom prst="rect">
+            <a:avLst/>
+          </a:prstGeom>
+          <a:solidFill>
+            <a:schemeClr val="bg1">
+              <a:lumMod val="85000"/>
+            </a:schemeClr>
+          </a:solidFill>
+        </p:spPr>
+        <p:txBody>
+          <a:bodyPr wrap="none" rtlCol="0">
+            <a:spAutoFit/>
+          </a:bodyPr>
+          <a:lstStyle/>
+          <a:p>
+            <a:pPr>
+              <a:buNone/>
+            </a:pPr>
+            <a:r>
+              <a:rPr lang="en-US" sz="1400" dirty="0" err="1">
+                <a:latin typeface="Cascadia Code" panose="020B0609020000020004" pitchFamily="49" charset="0"/>
+                <a:cs typeface="Cascadia Code" panose="020B0609020000020004" pitchFamily="49" charset="0"/>
+              </a:rPr>
+              <a:t>funny_ram_joke</a:t>
+            </a:r>
+            <a:r>
+              <a:rPr lang="en-US" sz="1400" dirty="0">
+                <a:latin typeface="Cascadia Code" panose="020B0609020000020004" pitchFamily="49" charset="0"/>
+                <a:cs typeface="Cascadia Code" panose="020B0609020000020004" pitchFamily="49" charset="0"/>
+              </a:rPr>
+              <a:t> = ‘’’I couldn't figure out why a male sheep is called </a:t>
+            </a:r>
+          </a:p>
+          <a:p>
+            <a:pPr>
+              <a:buNone/>
+            </a:pPr>
+            <a:r>
+              <a:rPr lang="en-US" sz="1400" dirty="0">
+                <a:latin typeface="Cascadia Code" panose="020B0609020000020004" pitchFamily="49" charset="0"/>
+                <a:cs typeface="Cascadia Code" panose="020B0609020000020004" pitchFamily="49" charset="0"/>
+              </a:rPr>
+              <a:t>a Ram...</a:t>
+            </a:r>
+          </a:p>
+          <a:p>
+            <a:r>
+              <a:rPr lang="en-US" sz="1400" dirty="0">
+                <a:latin typeface="Cascadia Code" panose="020B0609020000020004" pitchFamily="49" charset="0"/>
+                <a:cs typeface="Cascadia Code" panose="020B0609020000020004" pitchFamily="49" charset="0"/>
+              </a:rPr>
+              <a:t>Then it hit me.’’’</a:t>
+            </a:r>
+          </a:p>
+          <a:p>
+            <a:r>
+              <a:rPr lang="en-US" sz="1400" dirty="0">
+                <a:latin typeface="Cascadia Code" panose="020B0609020000020004" pitchFamily="49" charset="0"/>
+                <a:cs typeface="Cascadia Code" panose="020B0609020000020004" pitchFamily="49" charset="0"/>
+              </a:rPr>
+              <a:t>a = 1</a:t>
+            </a:r>
+          </a:p>
+          <a:p>
+            <a:r>
+              <a:rPr lang="en-US" sz="1400" dirty="0">
+                <a:latin typeface="Cascadia Code" panose="020B0609020000020004" pitchFamily="49" charset="0"/>
+                <a:cs typeface="Cascadia Code" panose="020B0609020000020004" pitchFamily="49" charset="0"/>
+              </a:rPr>
+              <a:t>L = [1, 2, 3]</a:t>
+            </a:r>
+          </a:p>
+        </p:txBody>
+      </p:sp>
+      <p:sp>
+        <p:nvSpPr>
+          <p:cNvPr id="22" name="ZoneTexte 21">
+            <a:extLst>
+              <a:ext uri="{FF2B5EF4-FFF2-40B4-BE49-F238E27FC236}">
+                <a16:creationId xmlns:a16="http://schemas.microsoft.com/office/drawing/2014/main" id="{F6EDF356-8BBD-BF21-C308-9406F1E901B1}"/>
+              </a:ext>
+            </a:extLst>
+          </p:cNvPr>
+          <p:cNvSpPr txBox="1"/>
+          <p:nvPr/>
+        </p:nvSpPr>
+        <p:spPr>
+          <a:xfrm>
+            <a:off x="4490720" y="6168295"/>
+            <a:ext cx="3210559" cy="369332"/>
+          </a:xfrm>
+          <a:prstGeom prst="rect">
+            <a:avLst/>
+          </a:prstGeom>
+          <a:noFill/>
+        </p:spPr>
+        <p:txBody>
+          <a:bodyPr wrap="none" rtlCol="0">
+            <a:spAutoFit/>
+          </a:bodyPr>
+          <a:lstStyle/>
+          <a:p>
+            <a:r>
+              <a:rPr lang="en-GB" b="1" dirty="0">
+                <a:solidFill>
+                  <a:srgbClr val="FFC000"/>
+                </a:solidFill>
+              </a:rPr>
+              <a:t>Random Access Memory (RAM)</a:t>
+            </a:r>
+            <a:endParaRPr lang="en-GB" b="1" dirty="0">
+              <a:solidFill>
+                <a:srgbClr val="68A2DB"/>
+              </a:solidFill>
+            </a:endParaRPr>
+          </a:p>
+        </p:txBody>
+      </p:sp>
+      <p:sp>
+        <p:nvSpPr>
+          <p:cNvPr id="24" name="ZoneTexte 23">
+            <a:extLst>
+              <a:ext uri="{FF2B5EF4-FFF2-40B4-BE49-F238E27FC236}">
+                <a16:creationId xmlns:a16="http://schemas.microsoft.com/office/drawing/2014/main" id="{DEB49971-85AF-EF97-F161-7A46B35E1ADF}"/>
+              </a:ext>
+            </a:extLst>
+          </p:cNvPr>
+          <p:cNvSpPr txBox="1"/>
+          <p:nvPr/>
+        </p:nvSpPr>
+        <p:spPr>
+          <a:xfrm>
+            <a:off x="1010920" y="3755573"/>
+            <a:ext cx="4525824" cy="2031325"/>
+          </a:xfrm>
+          <a:prstGeom prst="rect">
+            <a:avLst/>
+          </a:prstGeom>
+          <a:noFill/>
+        </p:spPr>
+        <p:txBody>
+          <a:bodyPr wrap="square">
+            <a:spAutoFit/>
+          </a:bodyPr>
+          <a:lstStyle/>
+          <a:p>
+            <a:pPr>
+              <a:buNone/>
+            </a:pPr>
+            <a:r>
+              <a:rPr lang="en-US" b="1" dirty="0"/>
+              <a:t>binary representation of :</a:t>
+            </a:r>
+          </a:p>
+          <a:p>
+            <a:pPr>
+              <a:buNone/>
+            </a:pPr>
+            <a:r>
+              <a:rPr lang="en-US" b="1" dirty="0"/>
+              <a:t>“I couldn't figure out why a male sheep is called a Ram...</a:t>
+            </a:r>
+          </a:p>
+          <a:p>
+            <a:r>
+              <a:rPr lang="en-US" dirty="0"/>
+              <a:t>Then it hit me.” </a:t>
+            </a:r>
+          </a:p>
+          <a:p>
+            <a:r>
+              <a:rPr lang="en-US" dirty="0"/>
+              <a:t>__class__ = str</a:t>
+            </a:r>
+          </a:p>
+          <a:p>
+            <a:r>
+              <a:rPr lang="en-US" dirty="0"/>
+              <a:t>….</a:t>
+            </a:r>
+          </a:p>
+          <a:p>
+            <a:r>
+              <a:rPr lang="en-US" dirty="0"/>
+              <a:t>…</a:t>
+            </a:r>
+          </a:p>
+        </p:txBody>
+      </p:sp>
+      <p:sp>
+        <p:nvSpPr>
+          <p:cNvPr id="26" name="Rectangle 25">
+            <a:extLst>
+              <a:ext uri="{FF2B5EF4-FFF2-40B4-BE49-F238E27FC236}">
+                <a16:creationId xmlns:a16="http://schemas.microsoft.com/office/drawing/2014/main" id="{0346061A-F9C3-2F4B-4478-DF935B0EC98F}"/>
+              </a:ext>
+            </a:extLst>
+          </p:cNvPr>
+          <p:cNvSpPr/>
+          <p:nvPr/>
+        </p:nvSpPr>
+        <p:spPr>
+          <a:xfrm>
+            <a:off x="782320" y="3607673"/>
+            <a:ext cx="4622800" cy="2265680"/>
+          </a:xfrm>
+          <a:prstGeom prst="rect">
+            <a:avLst/>
+          </a:prstGeom>
+          <a:noFill/>
+        </p:spPr>
+        <p:style>
+          <a:lnRef idx="2">
+            <a:schemeClr val="accent1">
+              <a:shade val="15000"/>
+            </a:schemeClr>
+          </a:lnRef>
+          <a:fillRef idx="1">
+            <a:schemeClr val="accent1"/>
+          </a:fillRef>
+          <a:effectRef idx="0">
+            <a:schemeClr val="accent1"/>
+          </a:effectRef>
+          <a:fontRef idx="minor">
+            <a:schemeClr val="lt1"/>
+          </a:fontRef>
+        </p:style>
+        <p:txBody>
+          <a:bodyPr rtlCol="0" anchor="ctr"/>
+          <a:lstStyle/>
+          <a:p>
+            <a:pPr algn="ctr"/>
+            <a:endParaRPr lang="en-US"/>
+          </a:p>
+        </p:txBody>
+      </p:sp>
+      <p:sp>
+        <p:nvSpPr>
+          <p:cNvPr id="31" name="Rectangle 30">
+            <a:extLst>
+              <a:ext uri="{FF2B5EF4-FFF2-40B4-BE49-F238E27FC236}">
+                <a16:creationId xmlns:a16="http://schemas.microsoft.com/office/drawing/2014/main" id="{2DC29233-50B6-EFE8-823A-5AD1034C1E2C}"/>
+              </a:ext>
+            </a:extLst>
+          </p:cNvPr>
+          <p:cNvSpPr/>
+          <p:nvPr/>
+        </p:nvSpPr>
+        <p:spPr>
+          <a:xfrm>
+            <a:off x="5460544" y="3594854"/>
+            <a:ext cx="2880816" cy="1084049"/>
+          </a:xfrm>
+          <a:prstGeom prst="rect">
+            <a:avLst/>
+          </a:prstGeom>
+          <a:noFill/>
+        </p:spPr>
+        <p:style>
+          <a:lnRef idx="2">
+            <a:schemeClr val="accent1">
+              <a:shade val="15000"/>
+            </a:schemeClr>
+          </a:lnRef>
+          <a:fillRef idx="1">
+            <a:schemeClr val="accent1"/>
+          </a:fillRef>
+          <a:effectRef idx="0">
+            <a:schemeClr val="accent1"/>
+          </a:effectRef>
+          <a:fontRef idx="minor">
+            <a:schemeClr val="lt1"/>
+          </a:fontRef>
+        </p:style>
+        <p:txBody>
+          <a:bodyPr rtlCol="0" anchor="ctr"/>
+          <a:lstStyle/>
+          <a:p>
+            <a:pPr algn="ctr"/>
+            <a:endParaRPr lang="en-US"/>
+          </a:p>
+        </p:txBody>
+      </p:sp>
+      <p:sp>
+        <p:nvSpPr>
+          <p:cNvPr id="33" name="ZoneTexte 32">
+            <a:extLst>
+              <a:ext uri="{FF2B5EF4-FFF2-40B4-BE49-F238E27FC236}">
+                <a16:creationId xmlns:a16="http://schemas.microsoft.com/office/drawing/2014/main" id="{F15701EC-AE3A-94A5-6D69-95FBDD61168A}"/>
+              </a:ext>
+            </a:extLst>
+          </p:cNvPr>
+          <p:cNvSpPr txBox="1"/>
+          <p:nvPr/>
+        </p:nvSpPr>
+        <p:spPr>
+          <a:xfrm>
+            <a:off x="5460544" y="3755573"/>
+            <a:ext cx="2666545" cy="923330"/>
+          </a:xfrm>
+          <a:prstGeom prst="rect">
+            <a:avLst/>
+          </a:prstGeom>
+          <a:noFill/>
+        </p:spPr>
+        <p:txBody>
+          <a:bodyPr wrap="square">
+            <a:spAutoFit/>
+          </a:bodyPr>
+          <a:lstStyle/>
+          <a:p>
+            <a:pPr>
+              <a:buNone/>
+            </a:pPr>
+            <a:r>
+              <a:rPr lang="en-US" b="1" dirty="0"/>
+              <a:t>binary representation of 1</a:t>
+            </a:r>
+          </a:p>
+          <a:p>
+            <a:r>
+              <a:rPr lang="en-US" dirty="0"/>
+              <a:t>__class__ = int</a:t>
+            </a:r>
+          </a:p>
+          <a:p>
+            <a:r>
+              <a:rPr lang="en-US" dirty="0"/>
+              <a:t>….</a:t>
+            </a:r>
+          </a:p>
+        </p:txBody>
+      </p:sp>
+      <p:sp>
+        <p:nvSpPr>
+          <p:cNvPr id="34" name="Rectangle 33">
+            <a:extLst>
+              <a:ext uri="{FF2B5EF4-FFF2-40B4-BE49-F238E27FC236}">
+                <a16:creationId xmlns:a16="http://schemas.microsoft.com/office/drawing/2014/main" id="{22ABD197-4728-05AA-D705-0A6611BDDF07}"/>
+              </a:ext>
+            </a:extLst>
+          </p:cNvPr>
+          <p:cNvSpPr/>
+          <p:nvPr/>
+        </p:nvSpPr>
+        <p:spPr>
+          <a:xfrm>
+            <a:off x="5468394" y="4771235"/>
+            <a:ext cx="2880816" cy="1102118"/>
+          </a:xfrm>
+          <a:prstGeom prst="rect">
+            <a:avLst/>
+          </a:prstGeom>
+          <a:noFill/>
+        </p:spPr>
+        <p:style>
+          <a:lnRef idx="2">
+            <a:schemeClr val="accent1">
+              <a:shade val="15000"/>
+            </a:schemeClr>
+          </a:lnRef>
+          <a:fillRef idx="1">
+            <a:schemeClr val="accent1"/>
+          </a:fillRef>
+          <a:effectRef idx="0">
+            <a:schemeClr val="accent1"/>
+          </a:effectRef>
+          <a:fontRef idx="minor">
+            <a:schemeClr val="lt1"/>
+          </a:fontRef>
+        </p:style>
+        <p:txBody>
+          <a:bodyPr rtlCol="0" anchor="ctr"/>
+          <a:lstStyle/>
+          <a:p>
+            <a:pPr algn="ctr"/>
+            <a:endParaRPr lang="en-US"/>
+          </a:p>
+        </p:txBody>
+      </p:sp>
+      <p:sp>
+        <p:nvSpPr>
+          <p:cNvPr id="35" name="ZoneTexte 34">
+            <a:extLst>
+              <a:ext uri="{FF2B5EF4-FFF2-40B4-BE49-F238E27FC236}">
+                <a16:creationId xmlns:a16="http://schemas.microsoft.com/office/drawing/2014/main" id="{B96B20E7-4D0C-AF14-0C07-FF32B811E6F4}"/>
+              </a:ext>
+            </a:extLst>
+          </p:cNvPr>
+          <p:cNvSpPr txBox="1"/>
+          <p:nvPr/>
+        </p:nvSpPr>
+        <p:spPr>
+          <a:xfrm>
+            <a:off x="5536744" y="4839622"/>
+            <a:ext cx="2666545" cy="923330"/>
+          </a:xfrm>
+          <a:prstGeom prst="rect">
+            <a:avLst/>
+          </a:prstGeom>
+          <a:noFill/>
+        </p:spPr>
+        <p:txBody>
+          <a:bodyPr wrap="square">
+            <a:spAutoFit/>
+          </a:bodyPr>
+          <a:lstStyle/>
+          <a:p>
+            <a:pPr>
+              <a:buNone/>
+            </a:pPr>
+            <a:r>
+              <a:rPr lang="en-US" b="1" dirty="0"/>
+              <a:t>binary representation of 2</a:t>
+            </a:r>
+          </a:p>
+          <a:p>
+            <a:r>
+              <a:rPr lang="en-US" dirty="0"/>
+              <a:t>__class__ = int</a:t>
+            </a:r>
+          </a:p>
+          <a:p>
+            <a:r>
+              <a:rPr lang="en-US" dirty="0"/>
+              <a:t>….</a:t>
+            </a:r>
+          </a:p>
+        </p:txBody>
+      </p:sp>
+      <p:sp>
+        <p:nvSpPr>
+          <p:cNvPr id="40" name="Rectangle 39">
+            <a:extLst>
+              <a:ext uri="{FF2B5EF4-FFF2-40B4-BE49-F238E27FC236}">
+                <a16:creationId xmlns:a16="http://schemas.microsoft.com/office/drawing/2014/main" id="{33E3FF9D-32E6-6063-6702-B5B8351C4170}"/>
+              </a:ext>
+            </a:extLst>
+          </p:cNvPr>
+          <p:cNvSpPr/>
+          <p:nvPr/>
+        </p:nvSpPr>
+        <p:spPr>
+          <a:xfrm>
+            <a:off x="8913545" y="3607673"/>
+            <a:ext cx="1739215" cy="768182"/>
+          </a:xfrm>
+          <a:prstGeom prst="rect">
+            <a:avLst/>
+          </a:prstGeom>
+          <a:noFill/>
+        </p:spPr>
+        <p:style>
+          <a:lnRef idx="2">
+            <a:schemeClr val="accent1">
+              <a:shade val="15000"/>
+            </a:schemeClr>
+          </a:lnRef>
+          <a:fillRef idx="1">
+            <a:schemeClr val="accent1"/>
+          </a:fillRef>
+          <a:effectRef idx="0">
+            <a:schemeClr val="accent1"/>
+          </a:effectRef>
+          <a:fontRef idx="minor">
+            <a:schemeClr val="lt1"/>
+          </a:fontRef>
+        </p:style>
+        <p:txBody>
+          <a:bodyPr rtlCol="0" anchor="ctr"/>
+          <a:lstStyle/>
+          <a:p>
+            <a:pPr algn="ctr"/>
+            <a:endParaRPr lang="en-US"/>
+          </a:p>
+        </p:txBody>
+      </p:sp>
+      <p:sp>
+        <p:nvSpPr>
+          <p:cNvPr id="41" name="ZoneTexte 40">
+            <a:extLst>
+              <a:ext uri="{FF2B5EF4-FFF2-40B4-BE49-F238E27FC236}">
+                <a16:creationId xmlns:a16="http://schemas.microsoft.com/office/drawing/2014/main" id="{B2EE86AA-CA64-A40A-5D5C-095D09430CDC}"/>
+              </a:ext>
+            </a:extLst>
+          </p:cNvPr>
+          <p:cNvSpPr txBox="1"/>
+          <p:nvPr/>
+        </p:nvSpPr>
+        <p:spPr>
+          <a:xfrm>
+            <a:off x="8981895" y="3729524"/>
+            <a:ext cx="2666545" cy="646331"/>
+          </a:xfrm>
+          <a:prstGeom prst="rect">
+            <a:avLst/>
+          </a:prstGeom>
+          <a:noFill/>
+        </p:spPr>
+        <p:txBody>
+          <a:bodyPr wrap="square">
+            <a:spAutoFit/>
+          </a:bodyPr>
+          <a:lstStyle/>
+          <a:p>
+            <a:r>
+              <a:rPr lang="en-US" dirty="0"/>
+              <a:t>__class__ = list</a:t>
+            </a:r>
+          </a:p>
+          <a:p>
+            <a:r>
+              <a:rPr lang="en-US" dirty="0"/>
+              <a:t>….</a:t>
+            </a:r>
+          </a:p>
+        </p:txBody>
+      </p:sp>
+      <p:sp>
+        <p:nvSpPr>
+          <p:cNvPr id="42" name="Rectangle 41">
+            <a:extLst>
+              <a:ext uri="{FF2B5EF4-FFF2-40B4-BE49-F238E27FC236}">
+                <a16:creationId xmlns:a16="http://schemas.microsoft.com/office/drawing/2014/main" id="{FF81127F-2581-80FE-C90C-263C06766147}"/>
+              </a:ext>
+            </a:extLst>
+          </p:cNvPr>
+          <p:cNvSpPr/>
+          <p:nvPr/>
+        </p:nvSpPr>
+        <p:spPr>
+          <a:xfrm>
+            <a:off x="8444117" y="4771235"/>
+            <a:ext cx="2666545" cy="1103890"/>
+          </a:xfrm>
+          <a:prstGeom prst="rect">
+            <a:avLst/>
+          </a:prstGeom>
+          <a:noFill/>
+        </p:spPr>
+        <p:style>
+          <a:lnRef idx="2">
+            <a:schemeClr val="accent1">
+              <a:shade val="15000"/>
+            </a:schemeClr>
+          </a:lnRef>
+          <a:fillRef idx="1">
+            <a:schemeClr val="accent1"/>
+          </a:fillRef>
+          <a:effectRef idx="0">
+            <a:schemeClr val="accent1"/>
+          </a:effectRef>
+          <a:fontRef idx="minor">
+            <a:schemeClr val="lt1"/>
+          </a:fontRef>
+        </p:style>
+        <p:txBody>
+          <a:bodyPr rtlCol="0" anchor="ctr"/>
+          <a:lstStyle/>
+          <a:p>
+            <a:pPr algn="ctr"/>
+            <a:endParaRPr lang="en-US"/>
+          </a:p>
+        </p:txBody>
+      </p:sp>
+      <p:sp>
+        <p:nvSpPr>
+          <p:cNvPr id="43" name="ZoneTexte 42">
+            <a:extLst>
+              <a:ext uri="{FF2B5EF4-FFF2-40B4-BE49-F238E27FC236}">
+                <a16:creationId xmlns:a16="http://schemas.microsoft.com/office/drawing/2014/main" id="{F7FE7377-7FCE-7CD8-A547-2DC45CCB2F1A}"/>
+              </a:ext>
+            </a:extLst>
+          </p:cNvPr>
+          <p:cNvSpPr txBox="1"/>
+          <p:nvPr/>
+        </p:nvSpPr>
+        <p:spPr>
+          <a:xfrm>
+            <a:off x="8512467" y="4851554"/>
+            <a:ext cx="2666545" cy="923330"/>
+          </a:xfrm>
+          <a:prstGeom prst="rect">
+            <a:avLst/>
+          </a:prstGeom>
+          <a:noFill/>
+        </p:spPr>
+        <p:txBody>
+          <a:bodyPr wrap="square">
+            <a:spAutoFit/>
+          </a:bodyPr>
+          <a:lstStyle/>
+          <a:p>
+            <a:pPr>
+              <a:buNone/>
+            </a:pPr>
+            <a:r>
+              <a:rPr lang="en-US" b="1" dirty="0"/>
+              <a:t>binary representation of 3</a:t>
+            </a:r>
+          </a:p>
+          <a:p>
+            <a:r>
+              <a:rPr lang="en-US" dirty="0"/>
+              <a:t>__class__ = int</a:t>
+            </a:r>
+          </a:p>
+          <a:p>
+            <a:r>
+              <a:rPr lang="en-US" dirty="0"/>
+              <a:t>….</a:t>
+            </a:r>
+          </a:p>
+        </p:txBody>
+      </p:sp>
+      <p:cxnSp>
+        <p:nvCxnSpPr>
+          <p:cNvPr id="45" name="Connecteur droit avec flèche 44">
+            <a:extLst>
+              <a:ext uri="{FF2B5EF4-FFF2-40B4-BE49-F238E27FC236}">
+                <a16:creationId xmlns:a16="http://schemas.microsoft.com/office/drawing/2014/main" id="{76363D24-3FE7-DD30-32BF-B469D6704279}"/>
+              </a:ext>
+            </a:extLst>
+          </p:cNvPr>
+          <p:cNvCxnSpPr>
+            <a:cxnSpLocks/>
+          </p:cNvCxnSpPr>
+          <p:nvPr/>
+        </p:nvCxnSpPr>
+        <p:spPr>
+          <a:xfrm flipH="1">
+            <a:off x="8444117" y="4044553"/>
+            <a:ext cx="404085" cy="0"/>
+          </a:xfrm>
+          <a:prstGeom prst="straightConnector1">
+            <a:avLst/>
+          </a:prstGeom>
+          <a:ln>
+            <a:solidFill>
+              <a:schemeClr val="tx1"/>
+            </a:solidFill>
+            <a:tailEnd type="triangle"/>
+          </a:ln>
+        </p:spPr>
+        <p:style>
+          <a:lnRef idx="1">
+            <a:schemeClr val="accent1"/>
+          </a:lnRef>
+          <a:fillRef idx="0">
+            <a:schemeClr val="accent1"/>
+          </a:fillRef>
+          <a:effectRef idx="0">
+            <a:schemeClr val="accent1"/>
+          </a:effectRef>
+          <a:fontRef idx="minor">
+            <a:schemeClr val="tx1"/>
+          </a:fontRef>
+        </p:style>
+      </p:cxnSp>
+      <p:cxnSp>
+        <p:nvCxnSpPr>
+          <p:cNvPr id="47" name="Connecteur droit avec flèche 46">
+            <a:extLst>
+              <a:ext uri="{FF2B5EF4-FFF2-40B4-BE49-F238E27FC236}">
+                <a16:creationId xmlns:a16="http://schemas.microsoft.com/office/drawing/2014/main" id="{CF6C93C5-3C76-4FD9-ACBE-4384776743ED}"/>
+              </a:ext>
+            </a:extLst>
+          </p:cNvPr>
+          <p:cNvCxnSpPr>
+            <a:cxnSpLocks/>
+          </p:cNvCxnSpPr>
+          <p:nvPr/>
+        </p:nvCxnSpPr>
+        <p:spPr>
+          <a:xfrm flipH="1">
+            <a:off x="8444117" y="4375855"/>
+            <a:ext cx="404085" cy="303048"/>
+          </a:xfrm>
+          <a:prstGeom prst="straightConnector1">
+            <a:avLst/>
+          </a:prstGeom>
+          <a:ln>
+            <a:solidFill>
+              <a:schemeClr val="tx1"/>
+            </a:solidFill>
+            <a:tailEnd type="triangle"/>
+          </a:ln>
+        </p:spPr>
+        <p:style>
+          <a:lnRef idx="1">
+            <a:schemeClr val="accent1"/>
+          </a:lnRef>
+          <a:fillRef idx="0">
+            <a:schemeClr val="accent1"/>
+          </a:fillRef>
+          <a:effectRef idx="0">
+            <a:schemeClr val="accent1"/>
+          </a:effectRef>
+          <a:fontRef idx="minor">
+            <a:schemeClr val="tx1"/>
+          </a:fontRef>
+        </p:style>
+      </p:cxnSp>
+      <p:cxnSp>
+        <p:nvCxnSpPr>
+          <p:cNvPr id="50" name="Connecteur droit avec flèche 49">
+            <a:extLst>
+              <a:ext uri="{FF2B5EF4-FFF2-40B4-BE49-F238E27FC236}">
+                <a16:creationId xmlns:a16="http://schemas.microsoft.com/office/drawing/2014/main" id="{69C1E3C8-557E-BF7F-BE13-1A90591B58B6}"/>
+              </a:ext>
+            </a:extLst>
+          </p:cNvPr>
+          <p:cNvCxnSpPr>
+            <a:cxnSpLocks/>
+          </p:cNvCxnSpPr>
+          <p:nvPr/>
+        </p:nvCxnSpPr>
+        <p:spPr>
+          <a:xfrm>
+            <a:off x="9845040" y="4375855"/>
+            <a:ext cx="0" cy="303048"/>
+          </a:xfrm>
+          <a:prstGeom prst="straightConnector1">
+            <a:avLst/>
+          </a:prstGeom>
+          <a:ln>
+            <a:solidFill>
+              <a:schemeClr val="tx1"/>
+            </a:solidFill>
+            <a:tailEnd type="triangle"/>
+          </a:ln>
+        </p:spPr>
+        <p:style>
+          <a:lnRef idx="1">
+            <a:schemeClr val="accent1"/>
+          </a:lnRef>
+          <a:fillRef idx="0">
+            <a:schemeClr val="accent1"/>
+          </a:fillRef>
+          <a:effectRef idx="0">
+            <a:schemeClr val="accent1"/>
+          </a:effectRef>
+          <a:fontRef idx="minor">
+            <a:schemeClr val="tx1"/>
+          </a:fontRef>
+        </p:style>
+      </p:cxnSp>
+      <p:sp>
+        <p:nvSpPr>
+          <p:cNvPr id="53" name="ZoneTexte 52">
+            <a:extLst>
+              <a:ext uri="{FF2B5EF4-FFF2-40B4-BE49-F238E27FC236}">
+                <a16:creationId xmlns:a16="http://schemas.microsoft.com/office/drawing/2014/main" id="{1092597C-0F83-9961-40D4-56548424E050}"/>
+              </a:ext>
+            </a:extLst>
+          </p:cNvPr>
+          <p:cNvSpPr txBox="1"/>
+          <p:nvPr/>
+        </p:nvSpPr>
+        <p:spPr>
+          <a:xfrm>
+            <a:off x="6370319" y="2824480"/>
+            <a:ext cx="298480" cy="369332"/>
+          </a:xfrm>
+          <a:prstGeom prst="rect">
+            <a:avLst/>
+          </a:prstGeom>
+          <a:noFill/>
+        </p:spPr>
+        <p:txBody>
+          <a:bodyPr wrap="none" rtlCol="0">
+            <a:spAutoFit/>
+          </a:bodyPr>
+          <a:lstStyle/>
+          <a:p>
+            <a:r>
+              <a:rPr lang="en-US" b="1" dirty="0"/>
+              <a:t>a</a:t>
+            </a:r>
+          </a:p>
+        </p:txBody>
+      </p:sp>
+      <p:sp>
+        <p:nvSpPr>
+          <p:cNvPr id="54" name="ZoneTexte 53">
+            <a:extLst>
+              <a:ext uri="{FF2B5EF4-FFF2-40B4-BE49-F238E27FC236}">
+                <a16:creationId xmlns:a16="http://schemas.microsoft.com/office/drawing/2014/main" id="{98A0252A-99E7-12B1-A348-2FD86E4DD715}"/>
+              </a:ext>
+            </a:extLst>
+          </p:cNvPr>
+          <p:cNvSpPr txBox="1"/>
+          <p:nvPr/>
+        </p:nvSpPr>
+        <p:spPr>
+          <a:xfrm>
+            <a:off x="2331284" y="2824480"/>
+            <a:ext cx="1797800" cy="369332"/>
+          </a:xfrm>
+          <a:prstGeom prst="rect">
+            <a:avLst/>
+          </a:prstGeom>
+          <a:noFill/>
+        </p:spPr>
+        <p:txBody>
+          <a:bodyPr wrap="none" rtlCol="0">
+            <a:spAutoFit/>
+          </a:bodyPr>
+          <a:lstStyle/>
+          <a:p>
+            <a:r>
+              <a:rPr lang="en-US" b="1" dirty="0" err="1"/>
+              <a:t>funny_ram_joke</a:t>
+            </a:r>
+            <a:r>
+              <a:rPr lang="en-US" b="1" dirty="0"/>
+              <a:t> </a:t>
+            </a:r>
+          </a:p>
+        </p:txBody>
+      </p:sp>
+      <p:sp>
+        <p:nvSpPr>
+          <p:cNvPr id="57" name="ZoneTexte 56">
+            <a:extLst>
+              <a:ext uri="{FF2B5EF4-FFF2-40B4-BE49-F238E27FC236}">
+                <a16:creationId xmlns:a16="http://schemas.microsoft.com/office/drawing/2014/main" id="{CCB23DDB-CBCF-D188-BCAC-EE24F945ECE5}"/>
+              </a:ext>
+            </a:extLst>
+          </p:cNvPr>
+          <p:cNvSpPr txBox="1"/>
+          <p:nvPr/>
+        </p:nvSpPr>
+        <p:spPr>
+          <a:xfrm>
+            <a:off x="9719491" y="2775546"/>
+            <a:ext cx="282450" cy="369332"/>
+          </a:xfrm>
+          <a:prstGeom prst="rect">
+            <a:avLst/>
+          </a:prstGeom>
+          <a:noFill/>
+        </p:spPr>
+        <p:txBody>
+          <a:bodyPr wrap="none" rtlCol="0">
+            <a:spAutoFit/>
+          </a:bodyPr>
+          <a:lstStyle/>
+          <a:p>
+            <a:r>
+              <a:rPr lang="en-US" b="1" dirty="0"/>
+              <a:t>L</a:t>
+            </a:r>
+          </a:p>
+        </p:txBody>
+      </p:sp>
+      <p:cxnSp>
+        <p:nvCxnSpPr>
+          <p:cNvPr id="58" name="Connecteur droit avec flèche 57">
+            <a:extLst>
+              <a:ext uri="{FF2B5EF4-FFF2-40B4-BE49-F238E27FC236}">
+                <a16:creationId xmlns:a16="http://schemas.microsoft.com/office/drawing/2014/main" id="{F714C29B-44BA-9770-1F6A-A58F023D5D10}"/>
+              </a:ext>
+            </a:extLst>
+          </p:cNvPr>
+          <p:cNvCxnSpPr>
+            <a:cxnSpLocks/>
+          </p:cNvCxnSpPr>
+          <p:nvPr/>
+        </p:nvCxnSpPr>
+        <p:spPr>
+          <a:xfrm flipH="1">
+            <a:off x="2900452" y="3291840"/>
+            <a:ext cx="132308" cy="303014"/>
+          </a:xfrm>
+          <a:prstGeom prst="straightConnector1">
+            <a:avLst/>
+          </a:prstGeom>
+          <a:ln>
+            <a:solidFill>
+              <a:schemeClr val="tx1"/>
+            </a:solidFill>
+            <a:tailEnd type="triangle"/>
+          </a:ln>
+        </p:spPr>
+        <p:style>
+          <a:lnRef idx="1">
+            <a:schemeClr val="accent1"/>
+          </a:lnRef>
+          <a:fillRef idx="0">
+            <a:schemeClr val="accent1"/>
+          </a:fillRef>
+          <a:effectRef idx="0">
+            <a:schemeClr val="accent1"/>
+          </a:effectRef>
+          <a:fontRef idx="minor">
+            <a:schemeClr val="tx1"/>
+          </a:fontRef>
+        </p:style>
+      </p:cxnSp>
+      <p:cxnSp>
+        <p:nvCxnSpPr>
+          <p:cNvPr id="60" name="Connecteur droit avec flèche 59">
+            <a:extLst>
+              <a:ext uri="{FF2B5EF4-FFF2-40B4-BE49-F238E27FC236}">
+                <a16:creationId xmlns:a16="http://schemas.microsoft.com/office/drawing/2014/main" id="{617ABE95-4179-9506-0232-BA665751F517}"/>
+              </a:ext>
+            </a:extLst>
+          </p:cNvPr>
+          <p:cNvCxnSpPr>
+            <a:cxnSpLocks/>
+          </p:cNvCxnSpPr>
+          <p:nvPr/>
+        </p:nvCxnSpPr>
+        <p:spPr>
+          <a:xfrm>
+            <a:off x="6500085" y="3183652"/>
+            <a:ext cx="24483" cy="384852"/>
+          </a:xfrm>
+          <a:prstGeom prst="straightConnector1">
+            <a:avLst/>
+          </a:prstGeom>
+          <a:ln>
+            <a:solidFill>
+              <a:schemeClr val="tx1"/>
+            </a:solidFill>
+            <a:tailEnd type="triangle"/>
+          </a:ln>
+        </p:spPr>
+        <p:style>
+          <a:lnRef idx="1">
+            <a:schemeClr val="accent1"/>
+          </a:lnRef>
+          <a:fillRef idx="0">
+            <a:schemeClr val="accent1"/>
+          </a:fillRef>
+          <a:effectRef idx="0">
+            <a:schemeClr val="accent1"/>
+          </a:effectRef>
+          <a:fontRef idx="minor">
+            <a:schemeClr val="tx1"/>
+          </a:fontRef>
+        </p:style>
+      </p:cxnSp>
+      <p:cxnSp>
+        <p:nvCxnSpPr>
+          <p:cNvPr id="64" name="Connecteur droit avec flèche 63">
+            <a:extLst>
+              <a:ext uri="{FF2B5EF4-FFF2-40B4-BE49-F238E27FC236}">
+                <a16:creationId xmlns:a16="http://schemas.microsoft.com/office/drawing/2014/main" id="{622F1F3C-5166-A3B6-1AF5-5E6404E0E3D2}"/>
+              </a:ext>
+            </a:extLst>
+          </p:cNvPr>
+          <p:cNvCxnSpPr>
+            <a:cxnSpLocks/>
+          </p:cNvCxnSpPr>
+          <p:nvPr/>
+        </p:nvCxnSpPr>
+        <p:spPr>
+          <a:xfrm>
+            <a:off x="9860716" y="3125952"/>
+            <a:ext cx="0" cy="442552"/>
+          </a:xfrm>
+          <a:prstGeom prst="straightConnector1">
+            <a:avLst/>
+          </a:prstGeom>
+          <a:ln>
+            <a:solidFill>
+              <a:schemeClr val="tx1"/>
+            </a:solidFill>
+            <a:tailEnd type="triangle"/>
+          </a:ln>
+        </p:spPr>
+        <p:style>
+          <a:lnRef idx="1">
+            <a:schemeClr val="accent1"/>
+          </a:lnRef>
+          <a:fillRef idx="0">
+            <a:schemeClr val="accent1"/>
+          </a:fillRef>
+          <a:effectRef idx="0">
+            <a:schemeClr val="accent1"/>
+          </a:effectRef>
+          <a:fontRef idx="minor">
+            <a:schemeClr val="tx1"/>
+          </a:fontRef>
+        </p:style>
+      </p:cxnSp>
+      <p:cxnSp>
+        <p:nvCxnSpPr>
+          <p:cNvPr id="70" name="Connecteur droit avec flèche 69">
+            <a:extLst>
+              <a:ext uri="{FF2B5EF4-FFF2-40B4-BE49-F238E27FC236}">
+                <a16:creationId xmlns:a16="http://schemas.microsoft.com/office/drawing/2014/main" id="{4BE5FC5A-1BAA-8FF6-96E4-66E53656577F}"/>
+              </a:ext>
+            </a:extLst>
+          </p:cNvPr>
+          <p:cNvCxnSpPr>
+            <a:cxnSpLocks/>
+          </p:cNvCxnSpPr>
+          <p:nvPr/>
+        </p:nvCxnSpPr>
+        <p:spPr>
+          <a:xfrm flipH="1">
+            <a:off x="8391691" y="6203362"/>
+            <a:ext cx="404085" cy="303048"/>
+          </a:xfrm>
+          <a:prstGeom prst="straightConnector1">
+            <a:avLst/>
+          </a:prstGeom>
+          <a:ln>
+            <a:solidFill>
+              <a:schemeClr val="tx1"/>
+            </a:solidFill>
+            <a:tailEnd type="triangle"/>
+          </a:ln>
+        </p:spPr>
+        <p:style>
+          <a:lnRef idx="1">
+            <a:schemeClr val="accent1"/>
+          </a:lnRef>
+          <a:fillRef idx="0">
+            <a:schemeClr val="accent1"/>
+          </a:fillRef>
+          <a:effectRef idx="0">
+            <a:schemeClr val="accent1"/>
+          </a:effectRef>
+          <a:fontRef idx="minor">
+            <a:schemeClr val="tx1"/>
+          </a:fontRef>
+        </p:style>
+      </p:cxnSp>
+      <p:sp>
+        <p:nvSpPr>
+          <p:cNvPr id="71" name="ZoneTexte 70">
+            <a:extLst>
+              <a:ext uri="{FF2B5EF4-FFF2-40B4-BE49-F238E27FC236}">
+                <a16:creationId xmlns:a16="http://schemas.microsoft.com/office/drawing/2014/main" id="{6942863F-82BE-9D1A-F2C5-BE636BA59E78}"/>
+              </a:ext>
+            </a:extLst>
+          </p:cNvPr>
+          <p:cNvSpPr txBox="1"/>
+          <p:nvPr/>
+        </p:nvSpPr>
+        <p:spPr>
+          <a:xfrm>
+            <a:off x="8680232" y="6205061"/>
+            <a:ext cx="1039259" cy="369332"/>
+          </a:xfrm>
+          <a:prstGeom prst="rect">
+            <a:avLst/>
+          </a:prstGeom>
+          <a:noFill/>
+        </p:spPr>
+        <p:txBody>
+          <a:bodyPr wrap="none" rtlCol="0">
+            <a:spAutoFit/>
+          </a:bodyPr>
+          <a:lstStyle/>
+          <a:p>
+            <a:r>
+              <a:rPr lang="en-US" dirty="0"/>
+              <a:t>= pointer</a:t>
+            </a:r>
+          </a:p>
+        </p:txBody>
+      </p:sp>
+    </p:spTree>
+    <p:extLst>
+      <p:ext uri="{BB962C8B-B14F-4D97-AF65-F5344CB8AC3E}">
+        <p14:creationId xmlns:p14="http://schemas.microsoft.com/office/powerpoint/2010/main" val="412372564"/>
+      </p:ext>
+    </p:extLst>
+  </p:cSld>
+  <p:clrMapOvr>
+    <a:masterClrMapping/>
+  </p:clrMapOvr>
+</p:sld>
+</file>
+
 <file path=ppt/slides/slide2.xml><?xml version="1.0" encoding="utf-8"?>
 <p:sld xmlns:a="http://schemas.openxmlformats.org/drawingml/2006/main" xmlns:r="http://schemas.openxmlformats.org/officeDocument/2006/relationships" xmlns:p="http://schemas.openxmlformats.org/presentationml/2006/main">
   <p:cSld>
@@ -5986,8 +8731,8 @@
         </p:nvSpPr>
         <p:spPr>
           <a:xfrm>
-            <a:off x="2812820" y="2168344"/>
-            <a:ext cx="6117572" cy="369332"/>
+            <a:off x="1659467" y="2175129"/>
+            <a:ext cx="8621591" cy="369332"/>
           </a:xfrm>
           <a:prstGeom prst="rect">
             <a:avLst/>
@@ -6006,7 +8751,7 @@
                   <a:srgbClr val="468DCC"/>
                 </a:solidFill>
               </a:rPr>
-              <a:t>The fact that it contains “other things” is called </a:t>
+              <a:t>The fact that it contains “its own things (variables and functions)” is called </a:t>
             </a:r>
             <a:r>
               <a:rPr lang="en-GB" b="1" dirty="0">
@@ -7647,6 +10392,230 @@
           </a:p>
         </p:txBody>
       </p:sp>
+      <p:grpSp>
+        <p:nvGrpSpPr>
+          <p:cNvPr id="14" name="Groupe 13">
+            <a:extLst>
+              <a:ext uri="{FF2B5EF4-FFF2-40B4-BE49-F238E27FC236}">
+                <a16:creationId xmlns:a16="http://schemas.microsoft.com/office/drawing/2014/main" id="{5F0D72F8-7354-48FD-1126-6511ECAD9AA3}"/>
+              </a:ext>
+            </a:extLst>
+          </p:cNvPr>
+          <p:cNvGrpSpPr/>
+          <p:nvPr/>
+        </p:nvGrpSpPr>
+        <p:grpSpPr>
+          <a:xfrm>
+            <a:off x="692277" y="3580961"/>
+            <a:ext cx="10826779" cy="3022594"/>
+            <a:chOff x="692277" y="3580961"/>
+            <a:chExt cx="10826779" cy="3022594"/>
+          </a:xfrm>
+        </p:grpSpPr>
+        <p:pic>
+          <p:nvPicPr>
+            <p:cNvPr id="6" name="Image 5" descr="Une image contenant art">
+              <a:extLst>
+                <a:ext uri="{FF2B5EF4-FFF2-40B4-BE49-F238E27FC236}">
+                  <a16:creationId xmlns:a16="http://schemas.microsoft.com/office/drawing/2014/main" id="{66294F12-7664-90B4-464C-E198A35CB6F4}"/>
+                </a:ext>
+              </a:extLst>
+            </p:cNvPr>
+            <p:cNvPicPr>
+              <a:picLocks noChangeAspect="1"/>
+            </p:cNvPicPr>
+            <p:nvPr/>
+          </p:nvPicPr>
+          <p:blipFill>
+            <a:blip r:embed="rId3">
+              <a:extLst>
+                <a:ext uri="{28A0092B-C50C-407E-A947-70E740481C1C}">
+                  <a14:useLocalDpi xmlns:a14="http://schemas.microsoft.com/office/drawing/2010/main" val="0"/>
+                </a:ext>
+              </a:extLst>
+            </a:blip>
+            <a:stretch>
+              <a:fillRect/>
+            </a:stretch>
+          </p:blipFill>
+          <p:spPr>
+            <a:xfrm>
+              <a:off x="9214694" y="5334001"/>
+              <a:ext cx="2006600" cy="1269554"/>
+            </a:xfrm>
+            <a:prstGeom prst="rect">
+              <a:avLst/>
+            </a:prstGeom>
+          </p:spPr>
+        </p:pic>
+        <p:sp>
+          <p:nvSpPr>
+            <p:cNvPr id="7" name="ZoneTexte 6">
+              <a:extLst>
+                <a:ext uri="{FF2B5EF4-FFF2-40B4-BE49-F238E27FC236}">
+                  <a16:creationId xmlns:a16="http://schemas.microsoft.com/office/drawing/2014/main" id="{BD99EC52-C85A-5454-D975-13DF36FE3B97}"/>
+                </a:ext>
+              </a:extLst>
+            </p:cNvPr>
+            <p:cNvSpPr txBox="1"/>
+            <p:nvPr/>
+          </p:nvSpPr>
+          <p:spPr>
+            <a:xfrm>
+              <a:off x="692277" y="3580961"/>
+              <a:ext cx="3528274" cy="1015663"/>
+            </a:xfrm>
+            <a:prstGeom prst="rect">
+              <a:avLst/>
+            </a:prstGeom>
+            <a:noFill/>
+          </p:spPr>
+          <p:txBody>
+            <a:bodyPr wrap="none" rtlCol="0">
+              <a:spAutoFit/>
+            </a:bodyPr>
+            <a:lstStyle/>
+            <a:p>
+              <a:r>
+                <a:rPr lang="en-GB" b="1" dirty="0">
+                  <a:solidFill>
+                    <a:srgbClr val="FFC000"/>
+                  </a:solidFill>
+                </a:rPr>
+                <a:t>Description of a Japanese umbrella</a:t>
+              </a:r>
+            </a:p>
+            <a:p>
+              <a:pPr marL="285750" indent="-285750">
+                <a:buFontTx/>
+                <a:buChar char="-"/>
+              </a:pPr>
+              <a:r>
+                <a:rPr lang="en-GB" sz="1400" b="1" dirty="0">
+                  <a:solidFill>
+                    <a:srgbClr val="FFC000"/>
+                  </a:solidFill>
+                </a:rPr>
+                <a:t>It has a height and a radius</a:t>
+              </a:r>
+            </a:p>
+            <a:p>
+              <a:pPr marL="285750" indent="-285750">
+                <a:buFontTx/>
+                <a:buChar char="-"/>
+              </a:pPr>
+              <a:r>
+                <a:rPr lang="en-GB" sz="1400" b="1" dirty="0">
+                  <a:solidFill>
+                    <a:srgbClr val="FFC000"/>
+                  </a:solidFill>
+                </a:rPr>
+                <a:t>It can be opened</a:t>
+              </a:r>
+            </a:p>
+            <a:p>
+              <a:pPr marL="285750" indent="-285750">
+                <a:buFontTx/>
+                <a:buChar char="-"/>
+              </a:pPr>
+              <a:r>
+                <a:rPr lang="en-GB" sz="1400" b="1" dirty="0">
+                  <a:solidFill>
+                    <a:srgbClr val="FFC000"/>
+                  </a:solidFill>
+                </a:rPr>
+                <a:t>The point and handle have </a:t>
+              </a:r>
+              <a:r>
+                <a:rPr lang="en-GB" sz="1400" b="1" dirty="0" err="1">
+                  <a:solidFill>
+                    <a:srgbClr val="FFC000"/>
+                  </a:solidFill>
+                </a:rPr>
+                <a:t>colors</a:t>
+              </a:r>
+              <a:endParaRPr lang="en-GB" sz="1400" b="1" dirty="0">
+                <a:solidFill>
+                  <a:srgbClr val="FFC000"/>
+                </a:solidFill>
+              </a:endParaRPr>
+            </a:p>
+          </p:txBody>
+        </p:sp>
+        <p:sp>
+          <p:nvSpPr>
+            <p:cNvPr id="11" name="ZoneTexte 10">
+              <a:extLst>
+                <a:ext uri="{FF2B5EF4-FFF2-40B4-BE49-F238E27FC236}">
+                  <a16:creationId xmlns:a16="http://schemas.microsoft.com/office/drawing/2014/main" id="{8DBBD224-833D-5847-451A-258CE720407A}"/>
+                </a:ext>
+              </a:extLst>
+            </p:cNvPr>
+            <p:cNvSpPr txBox="1"/>
+            <p:nvPr/>
+          </p:nvSpPr>
+          <p:spPr>
+            <a:xfrm>
+              <a:off x="9485229" y="4014311"/>
+              <a:ext cx="2033827" cy="1200329"/>
+            </a:xfrm>
+            <a:prstGeom prst="rect">
+              <a:avLst/>
+            </a:prstGeom>
+            <a:noFill/>
+          </p:spPr>
+          <p:txBody>
+            <a:bodyPr wrap="none" rtlCol="0">
+              <a:spAutoFit/>
+            </a:bodyPr>
+            <a:lstStyle/>
+            <a:p>
+              <a:pPr algn="ctr"/>
+              <a:r>
+                <a:rPr lang="en-GB" b="1" dirty="0">
+                  <a:solidFill>
+                    <a:srgbClr val="6BACE8"/>
+                  </a:solidFill>
+                </a:rPr>
+                <a:t>Different instances </a:t>
+              </a:r>
+            </a:p>
+            <a:p>
+              <a:pPr algn="ctr"/>
+              <a:r>
+                <a:rPr lang="en-GB" b="1" dirty="0">
+                  <a:solidFill>
+                    <a:srgbClr val="6BACE8"/>
+                  </a:solidFill>
+                </a:rPr>
+                <a:t>of the umbrella</a:t>
+              </a:r>
+            </a:p>
+            <a:p>
+              <a:pPr algn="ctr"/>
+              <a:r>
+                <a:rPr lang="en-GB" b="1" dirty="0">
+                  <a:solidFill>
+                    <a:srgbClr val="6BACE8"/>
+                  </a:solidFill>
+                </a:rPr>
+                <a:t>=</a:t>
+              </a:r>
+            </a:p>
+            <a:p>
+              <a:pPr algn="ctr"/>
+              <a:r>
+                <a:rPr lang="en-GB" b="1" dirty="0">
+                  <a:solidFill>
+                    <a:srgbClr val="6BACE8"/>
+                  </a:solidFill>
+                </a:rPr>
+                <a:t>The actual objects</a:t>
+              </a:r>
+            </a:p>
+          </p:txBody>
+        </p:sp>
+      </p:grpSp>
     </p:spTree>
     <p:extLst>
       <p:ext uri="{BB962C8B-B14F-4D97-AF65-F5344CB8AC3E}">
@@ -7657,6 +10626,89 @@
   <p:clrMapOvr>
     <a:masterClrMapping/>
   </p:clrMapOvr>
+  <p:timing>
+    <p:tnLst>
+      <p:par>
+        <p:cTn id="1" dur="indefinite" restart="never" nodeType="tmRoot">
+          <p:childTnLst>
+            <p:seq concurrent="1" nextAc="seek">
+              <p:cTn id="2" dur="indefinite" nodeType="mainSeq">
+                <p:childTnLst>
+                  <p:par>
+                    <p:cTn id="3" fill="hold">
+                      <p:stCondLst>
+                        <p:cond delay="indefinite"/>
+                      </p:stCondLst>
+                      <p:childTnLst>
+                        <p:par>
+                          <p:cTn id="4" fill="hold">
+                            <p:stCondLst>
+                              <p:cond delay="0"/>
+                            </p:stCondLst>
+                            <p:childTnLst>
+                              <p:par>
+                                <p:cTn id="5" presetID="10" presetClass="entr" presetSubtype="0" fill="hold" nodeType="clickEffect">
+                                  <p:stCondLst>
+                                    <p:cond delay="0"/>
+                                  </p:stCondLst>
+                                  <p:childTnLst>
+                                    <p:set>
+                                      <p:cBhvr>
+                                        <p:cTn id="6" dur="1" fill="hold">
+                                          <p:stCondLst>
+                                            <p:cond delay="0"/>
+                                          </p:stCondLst>
+                                        </p:cTn>
+                                        <p:tgtEl>
+                                          <p:spTgt spid="14"/>
+                                        </p:tgtEl>
+                                        <p:attrNameLst>
+                                          <p:attrName>style.visibility</p:attrName>
+                                        </p:attrNameLst>
+                                      </p:cBhvr>
+                                      <p:to>
+                                        <p:strVal val="visible"/>
+                                      </p:to>
+                                    </p:set>
+                                    <p:animEffect transition="in" filter="fade">
+                                      <p:cBhvr>
+                                        <p:cTn id="7" dur="500"/>
+                                        <p:tgtEl>
+                                          <p:spTgt spid="14"/>
+                                        </p:tgtEl>
+                                      </p:cBhvr>
+                                    </p:animEffect>
+                                  </p:childTnLst>
+                                </p:cTn>
+                              </p:par>
+                            </p:childTnLst>
+                          </p:cTn>
+                        </p:par>
+                      </p:childTnLst>
+                    </p:cTn>
+                  </p:par>
+                </p:childTnLst>
+              </p:cTn>
+              <p:prevCondLst>
+                <p:cond evt="onPrev" delay="0">
+                  <p:tgtEl>
+                    <p:sldTgt/>
+                  </p:tgtEl>
+                </p:cond>
+              </p:prevCondLst>
+              <p:nextCondLst>
+                <p:cond evt="onNext" delay="0">
+                  <p:tgtEl>
+                    <p:sldTgt/>
+                  </p:tgtEl>
+                </p:cond>
+              </p:nextCondLst>
+            </p:seq>
+          </p:childTnLst>
+        </p:cTn>
+      </p:par>
+    </p:tnLst>
+  </p:timing>
 </p:sld>
 </file>
 
@@ -7953,4 +11005,319 @@
     </a:ext>
   </a:extLst>
 </a:theme>
+</file>
+
+<file path=ppt/theme/theme2.xml><?xml version="1.0" encoding="utf-8"?>
+<a:theme xmlns:a="http://schemas.openxmlformats.org/drawingml/2006/main" name="Thème Office">
+  <a:themeElements>
+    <a:clrScheme name="Office">
+      <a:dk1>
+        <a:sysClr val="windowText" lastClr="000000"/>
+      </a:dk1>
+      <a:lt1>
+        <a:sysClr val="window" lastClr="FFFFFF"/>
+      </a:lt1>
+      <a:dk2>
+        <a:srgbClr val="0E2841"/>
+      </a:dk2>
+      <a:lt2>
+        <a:srgbClr val="E8E8E8"/>
+      </a:lt2>
+      <a:accent1>
+        <a:srgbClr val="156082"/>
+      </a:accent1>
+      <a:accent2>
+        <a:srgbClr val="E97132"/>
+      </a:accent2>
+      <a:accent3>
+        <a:srgbClr val="196B24"/>
+      </a:accent3>
+      <a:accent4>
+        <a:srgbClr val="0F9ED5"/>
+      </a:accent4>
+      <a:accent5>
+        <a:srgbClr val="A02B93"/>
+      </a:accent5>
+      <a:accent6>
+        <a:srgbClr val="4EA72E"/>
+      </a:accent6>
+      <a:hlink>
+        <a:srgbClr val="467886"/>
+      </a:hlink>
+      <a:folHlink>
+        <a:srgbClr val="96607D"/>
+      </a:folHlink>
+    </a:clrScheme>
+    <a:fontScheme name="Office">
+      <a:majorFont>
+        <a:latin typeface="Aptos Display" panose="02110004020202020204"/>
+        <a:ea typeface=""/>
+        <a:cs typeface=""/>
+        <a:font script="Jpan" typeface="游ゴシック Light"/>
+        <a:font script="Hang" typeface="맑은 고딕"/>
+        <a:font script="Hans" typeface="等线 Light"/>
+        <a:font script="Hant" typeface="新細明體"/>
+        <a:font script="Arab" typeface="Times New Roman"/>
+        <a:font script="Hebr" typeface="Times New Roman"/>
+        <a:font script="Thai" typeface="Angsana New"/>
+        <a:font script="Ethi" typeface="Nyala"/>
+        <a:font script="Beng" typeface="Vrinda"/>
+        <a:font script="Gujr" typeface="Shruti"/>
+        <a:font script="Khmr" typeface="MoolBoran"/>
+        <a:font script="Knda" typeface="Tunga"/>
+        <a:font script="Guru" typeface="Raavi"/>
+        <a:font script="Cans" typeface="Euphemia"/>
+        <a:font script="Cher" typeface="Plantagenet Cherokee"/>
+        <a:font script="Yiii" typeface="Microsoft Yi Baiti"/>
+        <a:font script="Tibt" typeface="Microsoft Himalaya"/>
+        <a:font script="Thaa" typeface="MV Boli"/>
+        <a:font script="Deva" typeface="Mangal"/>
+        <a:font script="Telu" typeface="Gautami"/>
+        <a:font script="Taml" typeface="Latha"/>
+        <a:font script="Syrc" typeface="Estrangelo Edessa"/>
+        <a:font script="Orya" typeface="Kalinga"/>
+        <a:font script="Mlym" typeface="Kartika"/>
+        <a:font script="Laoo" typeface="DokChampa"/>
+        <a:font script="Sinh" typeface="Iskoola Pota"/>
+        <a:font script="Mong" typeface="Mongolian Baiti"/>
+        <a:font script="Viet" typeface="Times New Roman"/>
+        <a:font script="Uigh" typeface="Microsoft Uighur"/>
+        <a:font script="Geor" typeface="Sylfaen"/>
+        <a:font script="Armn" typeface="Arial"/>
+        <a:font script="Bugi" typeface="Leelawadee UI"/>
+        <a:font script="Bopo" typeface="Microsoft JhengHei"/>
+        <a:font script="Java" typeface="Javanese Text"/>
+        <a:font script="Lisu" typeface="Segoe UI"/>
+        <a:font script="Mymr" typeface="Myanmar Text"/>
+        <a:font script="Nkoo" typeface="Ebrima"/>
+        <a:font script="Olck" typeface="Nirmala UI"/>
+        <a:font script="Osma" typeface="Ebrima"/>
+        <a:font script="Phag" typeface="Phagspa"/>
+        <a:font script="Syrn" typeface="Estrangelo Edessa"/>
+        <a:font script="Syrj" typeface="Estrangelo Edessa"/>
+        <a:font script="Syre" typeface="Estrangelo Edessa"/>
+        <a:font script="Sora" typeface="Nirmala UI"/>
+        <a:font script="Tale" typeface="Microsoft Tai Le"/>
+        <a:font script="Talu" typeface="Microsoft New Tai Lue"/>
+        <a:font script="Tfng" typeface="Ebrima"/>
+      </a:majorFont>
+      <a:minorFont>
+        <a:latin typeface="Aptos" panose="02110004020202020204"/>
+        <a:ea typeface=""/>
+        <a:cs typeface=""/>
+        <a:font script="Jpan" typeface="游ゴシック"/>
+        <a:font script="Hang" typeface="맑은 고딕"/>
+        <a:font script="Hans" typeface="等线"/>
+        <a:font script="Hant" typeface="新細明體"/>
+        <a:font script="Arab" typeface="Arial"/>
+        <a:font script="Hebr" typeface="Arial"/>
+        <a:font script="Thai" typeface="Cordia New"/>
+        <a:font script="Ethi" typeface="Nyala"/>
+        <a:font script="Beng" typeface="Vrinda"/>
+        <a:font script="Gujr" typeface="Shruti"/>
+        <a:font script="Khmr" typeface="DaunPenh"/>
+        <a:font script="Knda" typeface="Tunga"/>
+        <a:font script="Guru" typeface="Raavi"/>
+        <a:font script="Cans" typeface="Euphemia"/>
+        <a:font script="Cher" typeface="Plantagenet Cherokee"/>
+        <a:font script="Yiii" typeface="Microsoft Yi Baiti"/>
+        <a:font script="Tibt" typeface="Microsoft Himalaya"/>
+        <a:font script="Thaa" typeface="MV Boli"/>
+        <a:font script="Deva" typeface="Mangal"/>
+        <a:font script="Telu" typeface="Gautami"/>
+        <a:font script="Taml" typeface="Latha"/>
+        <a:font script="Syrc" typeface="Estrangelo Edessa"/>
+        <a:font script="Orya" typeface="Kalinga"/>
+        <a:font script="Mlym" typeface="Kartika"/>
+        <a:font script="Laoo" typeface="DokChampa"/>
+        <a:font script="Sinh" typeface="Iskoola Pota"/>
+        <a:font script="Mong" typeface="Mongolian Baiti"/>
+        <a:font script="Viet" typeface="Arial"/>
+        <a:font script="Uigh" typeface="Microsoft Uighur"/>
+        <a:font script="Geor" typeface="Sylfaen"/>
+        <a:font script="Armn" typeface="Arial"/>
+        <a:font script="Bugi" typeface="Leelawadee UI"/>
+        <a:font script="Bopo" typeface="Microsoft JhengHei"/>
+        <a:font script="Java" typeface="Javanese Text"/>
+        <a:font script="Lisu" typeface="Segoe UI"/>
+        <a:font script="Mymr" typeface="Myanmar Text"/>
+        <a:font script="Nkoo" typeface="Ebrima"/>
+        <a:font script="Olck" typeface="Nirmala UI"/>
+        <a:font script="Osma" typeface="Ebrima"/>
+        <a:font script="Phag" typeface="Phagspa"/>
+        <a:font script="Syrn" typeface="Estrangelo Edessa"/>
+        <a:font script="Syrj" typeface="Estrangelo Edessa"/>
+        <a:font script="Syre" typeface="Estrangelo Edessa"/>
+        <a:font script="Sora" typeface="Nirmala UI"/>
+        <a:font script="Tale" typeface="Microsoft Tai Le"/>
+        <a:font script="Talu" typeface="Microsoft New Tai Lue"/>
+        <a:font script="Tfng" typeface="Ebrima"/>
+      </a:minorFont>
+    </a:fontScheme>
+    <a:fmtScheme name="Office">
+      <a:fillStyleLst>
+        <a:solidFill>
+          <a:schemeClr val="phClr"/>
+        </a:solidFill>
+        <a:gradFill rotWithShape="1">
+          <a:gsLst>
+            <a:gs pos="0">
+              <a:schemeClr val="phClr">
+                <a:lumMod val="110000"/>
+                <a:satMod val="105000"/>
+                <a:tint val="67000"/>
+              </a:schemeClr>
+            </a:gs>
+            <a:gs pos="50000">
+              <a:schemeClr val="phClr">
+                <a:lumMod val="105000"/>
+                <a:satMod val="103000"/>
+                <a:tint val="73000"/>
+              </a:schemeClr>
+            </a:gs>
+            <a:gs pos="100000">
+              <a:schemeClr val="phClr">
+                <a:lumMod val="105000"/>
+                <a:satMod val="109000"/>
+                <a:tint val="81000"/>
+              </a:schemeClr>
+            </a:gs>
+          </a:gsLst>
+          <a:lin ang="5400000" scaled="0"/>
+        </a:gradFill>
+        <a:gradFill rotWithShape="1">
+          <a:gsLst>
+            <a:gs pos="0">
+              <a:schemeClr val="phClr">
+                <a:satMod val="103000"/>
+                <a:lumMod val="102000"/>
+                <a:tint val="94000"/>
+              </a:schemeClr>
+            </a:gs>
+            <a:gs pos="50000">
+              <a:schemeClr val="phClr">
+                <a:satMod val="110000"/>
+                <a:lumMod val="100000"/>
+                <a:shade val="100000"/>
+              </a:schemeClr>
+            </a:gs>
+            <a:gs pos="100000">
+              <a:schemeClr val="phClr">
+                <a:lumMod val="99000"/>
+                <a:satMod val="120000"/>
+                <a:shade val="78000"/>
+              </a:schemeClr>
+            </a:gs>
+          </a:gsLst>
+          <a:lin ang="5400000" scaled="0"/>
+        </a:gradFill>
+      </a:fillStyleLst>
+      <a:lnStyleLst>
+        <a:ln w="12700" cap="flat" cmpd="sng" algn="ctr">
+          <a:solidFill>
+            <a:schemeClr val="phClr"/>
+          </a:solidFill>
+          <a:prstDash val="solid"/>
+          <a:miter lim="800000"/>
+        </a:ln>
+        <a:ln w="19050" cap="flat" cmpd="sng" algn="ctr">
+          <a:solidFill>
+            <a:schemeClr val="phClr"/>
+          </a:solidFill>
+          <a:prstDash val="solid"/>
+          <a:miter lim="800000"/>
+        </a:ln>
+        <a:ln w="25400" cap="flat" cmpd="sng" algn="ctr">
+          <a:solidFill>
+            <a:schemeClr val="phClr"/>
+          </a:solidFill>
+          <a:prstDash val="solid"/>
+          <a:miter lim="800000"/>
+        </a:ln>
+      </a:lnStyleLst>
+      <a:effectStyleLst>
+        <a:effectStyle>
+          <a:effectLst/>
+        </a:effectStyle>
+        <a:effectStyle>
+          <a:effectLst/>
+        </a:effectStyle>
+        <a:effectStyle>
+          <a:effectLst>
+            <a:outerShdw blurRad="57150" dist="19050" dir="5400000" algn="ctr" rotWithShape="0">
+              <a:srgbClr val="000000">
+                <a:alpha val="63000"/>
+              </a:srgbClr>
+            </a:outerShdw>
+          </a:effectLst>
+        </a:effectStyle>
+      </a:effectStyleLst>
+      <a:bgFillStyleLst>
+        <a:solidFill>
+          <a:schemeClr val="phClr"/>
+        </a:solidFill>
+        <a:solidFill>
+          <a:schemeClr val="phClr">
+            <a:tint val="95000"/>
+            <a:satMod val="170000"/>
+          </a:schemeClr>
+        </a:solidFill>
+        <a:gradFill rotWithShape="1">
+          <a:gsLst>
+            <a:gs pos="0">
+              <a:schemeClr val="phClr">
+                <a:tint val="93000"/>
+                <a:satMod val="150000"/>
+                <a:shade val="98000"/>
+                <a:lumMod val="102000"/>
+              </a:schemeClr>
+            </a:gs>
+            <a:gs pos="50000">
+              <a:schemeClr val="phClr">
+                <a:tint val="98000"/>
+                <a:satMod val="130000"/>
+                <a:shade val="90000"/>
+                <a:lumMod val="103000"/>
+              </a:schemeClr>
+            </a:gs>
+            <a:gs pos="100000">
+              <a:schemeClr val="phClr">
+                <a:shade val="63000"/>
+                <a:satMod val="120000"/>
+              </a:schemeClr>
+            </a:gs>
+          </a:gsLst>
+          <a:lin ang="5400000" scaled="0"/>
+        </a:gradFill>
+      </a:bgFillStyleLst>
+    </a:fmtScheme>
+  </a:themeElements>
+  <a:objectDefaults>
+    <a:lnDef>
+      <a:spPr/>
+      <a:bodyPr/>
+      <a:lstStyle/>
+      <a:style>
+        <a:lnRef idx="2">
+          <a:schemeClr val="accent1"/>
+        </a:lnRef>
+        <a:fillRef idx="0">
+          <a:schemeClr val="accent1"/>
+        </a:fillRef>
+        <a:effectRef idx="1">
+          <a:schemeClr val="accent1"/>
+        </a:effectRef>
+        <a:fontRef idx="minor">
+          <a:schemeClr val="tx1"/>
+        </a:fontRef>
+      </a:style>
+    </a:lnDef>
+  </a:objectDefaults>
+  <a:extraClrSchemeLst/>
+  <a:extLst>
+    <a:ext uri="{05A4C25C-085E-4340-85A3-A5531E510DB2}">
+      <thm15:themeFamily xmlns:thm15="http://schemas.microsoft.com/office/thememl/2012/main" name="Office Theme" id="{2E142A2C-CD16-42D6-873A-C26D2A0506FA}" vid="{1BDDFF52-6CD6-40A5-AB3C-68EB2F1E4D0A}"/>
+    </a:ext>
+  </a:extLst>
+</a:theme>
 </file>
--- a/OOP-Programming.pptx
+++ b/OOP-Programming.pptx
@@ -5,7 +5,7 @@
     <p:sldMasterId id="2147483648" r:id="rId1"/>
   </p:sldMasterIdLst>
   <p:notesMasterIdLst>
-    <p:notesMasterId r:id="rId34"/>
+    <p:notesMasterId r:id="rId35"/>
   </p:notesMasterIdLst>
   <p:sldIdLst>
     <p:sldId id="256" r:id="rId2"/>
@@ -38,8 +38,9 @@
     <p:sldId id="289" r:id="rId29"/>
     <p:sldId id="281" r:id="rId30"/>
     <p:sldId id="280" r:id="rId31"/>
-    <p:sldId id="286" r:id="rId32"/>
-    <p:sldId id="287" r:id="rId33"/>
+    <p:sldId id="292" r:id="rId32"/>
+    <p:sldId id="286" r:id="rId33"/>
+    <p:sldId id="287" r:id="rId34"/>
   </p:sldIdLst>
   <p:sldSz cx="12192000" cy="6858000"/>
   <p:notesSz cx="6858000" cy="9144000"/>
@@ -189,6 +190,7 @@
             <p14:sldId id="289"/>
             <p14:sldId id="281"/>
             <p14:sldId id="280"/>
+            <p14:sldId id="292"/>
           </p14:sldIdLst>
         </p14:section>
         <p14:section name="Iterators and generators" id="{B0238940-EBDF-485E-8ABB-3D7E127680C3}">
@@ -292,7 +294,7 @@
           <a:p>
             <a:fld id="{C421BF89-7C0A-455E-9C8A-AFAFD68EF091}" type="datetimeFigureOut">
               <a:rPr lang="fr-FR" smtClean="0"/>
-              <a:t>23/05/2025</a:t>
+              <a:t>28/05/2025</a:t>
             </a:fld>
             <a:endParaRPr lang="fr-FR"/>
           </a:p>
@@ -1464,7 +1466,7 @@
           <a:p>
             <a:fld id="{FA166077-5284-43A6-BFC3-74D02370C877}" type="datetimeFigureOut">
               <a:rPr lang="en-GB" smtClean="0"/>
-              <a:t>23/05/2025</a:t>
+              <a:t>28/05/2025</a:t>
             </a:fld>
             <a:endParaRPr lang="en-GB"/>
           </a:p>
@@ -1664,7 +1666,7 @@
           <a:p>
             <a:fld id="{FA166077-5284-43A6-BFC3-74D02370C877}" type="datetimeFigureOut">
               <a:rPr lang="en-GB" smtClean="0"/>
-              <a:t>23/05/2025</a:t>
+              <a:t>28/05/2025</a:t>
             </a:fld>
             <a:endParaRPr lang="en-GB"/>
           </a:p>
@@ -1874,7 +1876,7 @@
           <a:p>
             <a:fld id="{FA166077-5284-43A6-BFC3-74D02370C877}" type="datetimeFigureOut">
               <a:rPr lang="en-GB" smtClean="0"/>
-              <a:t>23/05/2025</a:t>
+              <a:t>28/05/2025</a:t>
             </a:fld>
             <a:endParaRPr lang="en-GB"/>
           </a:p>
@@ -2074,7 +2076,7 @@
           <a:p>
             <a:fld id="{FA166077-5284-43A6-BFC3-74D02370C877}" type="datetimeFigureOut">
               <a:rPr lang="en-GB" smtClean="0"/>
-              <a:t>23/05/2025</a:t>
+              <a:t>28/05/2025</a:t>
             </a:fld>
             <a:endParaRPr lang="en-GB"/>
           </a:p>
@@ -2350,7 +2352,7 @@
           <a:p>
             <a:fld id="{FA166077-5284-43A6-BFC3-74D02370C877}" type="datetimeFigureOut">
               <a:rPr lang="en-GB" smtClean="0"/>
-              <a:t>23/05/2025</a:t>
+              <a:t>28/05/2025</a:t>
             </a:fld>
             <a:endParaRPr lang="en-GB"/>
           </a:p>
@@ -2618,7 +2620,7 @@
           <a:p>
             <a:fld id="{FA166077-5284-43A6-BFC3-74D02370C877}" type="datetimeFigureOut">
               <a:rPr lang="en-GB" smtClean="0"/>
-              <a:t>23/05/2025</a:t>
+              <a:t>28/05/2025</a:t>
             </a:fld>
             <a:endParaRPr lang="en-GB"/>
           </a:p>
@@ -3033,7 +3035,7 @@
           <a:p>
             <a:fld id="{FA166077-5284-43A6-BFC3-74D02370C877}" type="datetimeFigureOut">
               <a:rPr lang="en-GB" smtClean="0"/>
-              <a:t>23/05/2025</a:t>
+              <a:t>28/05/2025</a:t>
             </a:fld>
             <a:endParaRPr lang="en-GB"/>
           </a:p>
@@ -3175,7 +3177,7 @@
           <a:p>
             <a:fld id="{FA166077-5284-43A6-BFC3-74D02370C877}" type="datetimeFigureOut">
               <a:rPr lang="en-GB" smtClean="0"/>
-              <a:t>23/05/2025</a:t>
+              <a:t>28/05/2025</a:t>
             </a:fld>
             <a:endParaRPr lang="en-GB"/>
           </a:p>
@@ -3288,7 +3290,7 @@
           <a:p>
             <a:fld id="{FA166077-5284-43A6-BFC3-74D02370C877}" type="datetimeFigureOut">
               <a:rPr lang="en-GB" smtClean="0"/>
-              <a:t>23/05/2025</a:t>
+              <a:t>28/05/2025</a:t>
             </a:fld>
             <a:endParaRPr lang="en-GB"/>
           </a:p>
@@ -3601,7 +3603,7 @@
           <a:p>
             <a:fld id="{FA166077-5284-43A6-BFC3-74D02370C877}" type="datetimeFigureOut">
               <a:rPr lang="en-GB" smtClean="0"/>
-              <a:t>23/05/2025</a:t>
+              <a:t>28/05/2025</a:t>
             </a:fld>
             <a:endParaRPr lang="en-GB"/>
           </a:p>
@@ -3890,7 +3892,7 @@
           <a:p>
             <a:fld id="{FA166077-5284-43A6-BFC3-74D02370C877}" type="datetimeFigureOut">
               <a:rPr lang="en-GB" smtClean="0"/>
-              <a:t>23/05/2025</a:t>
+              <a:t>28/05/2025</a:t>
             </a:fld>
             <a:endParaRPr lang="en-GB"/>
           </a:p>
@@ -4133,7 +4135,7 @@
           <a:p>
             <a:fld id="{FA166077-5284-43A6-BFC3-74D02370C877}" type="datetimeFigureOut">
               <a:rPr lang="en-GB" smtClean="0"/>
-              <a:t>23/05/2025</a:t>
+              <a:t>28/05/2025</a:t>
             </a:fld>
             <a:endParaRPr lang="en-GB"/>
           </a:p>
@@ -15611,8 +15613,8 @@
           </a:p>
         </p:txBody>
       </p:sp>
-      <mc:AlternateContent xmlns:mc="http://schemas.openxmlformats.org/markup-compatibility/2006">
-        <mc:Choice xmlns:psez="http://schemas.microsoft.com/office/powerpoint/2016/sectionzoom" Requires="psez">
+      <mc:AlternateContent xmlns:mc="http://schemas.openxmlformats.org/markup-compatibility/2006" xmlns:psez="http://schemas.microsoft.com/office/powerpoint/2016/sectionzoom">
+        <mc:Choice Requires="psez">
           <p:graphicFrame>
             <p:nvGraphicFramePr>
               <p:cNvPr id="4" name="Zoom de section 3">
@@ -15668,7 +15670,7 @@
             </a:graphic>
           </p:graphicFrame>
         </mc:Choice>
-        <mc:Fallback>
+        <mc:Fallback xmlns="">
           <p:pic>
             <p:nvPicPr>
               <p:cNvPr id="4" name="Zoom de section 3">
@@ -15685,7 +15687,7 @@
               <p:nvPr/>
             </p:nvPicPr>
             <p:blipFill>
-              <a:blip r:embed="rId2"/>
+              <a:blip r:embed="rId4"/>
               <a:stretch>
                 <a:fillRect/>
               </a:stretch>
@@ -15712,8 +15714,8 @@
           </p:pic>
         </mc:Fallback>
       </mc:AlternateContent>
-      <mc:AlternateContent xmlns:mc="http://schemas.openxmlformats.org/markup-compatibility/2006">
-        <mc:Choice xmlns:psez="http://schemas.microsoft.com/office/powerpoint/2016/sectionzoom" Requires="psez">
+      <mc:AlternateContent xmlns:mc="http://schemas.openxmlformats.org/markup-compatibility/2006" xmlns:psez="http://schemas.microsoft.com/office/powerpoint/2016/sectionzoom">
+        <mc:Choice Requires="psez">
           <p:graphicFrame>
             <p:nvGraphicFramePr>
               <p:cNvPr id="6" name="Zoom de section 5">
@@ -15738,7 +15740,7 @@
                   <psez:sectionZmObj sectionId="{1C18A798-F2FC-4F80-9C19-1FD0C3F0CA3A}">
                     <psez:zmPr id="{E1607015-DBC9-4C20-BFFD-D30CD37298E1}" transitionDur="1000">
                       <p166:blipFill xmlns:p166="http://schemas.microsoft.com/office/powerpoint/2016/6/main">
-                        <a:blip r:embed="rId4"/>
+                        <a:blip r:embed="rId5"/>
                         <a:stretch>
                           <a:fillRect/>
                         </a:stretch>
@@ -15769,11 +15771,11 @@
             </a:graphic>
           </p:graphicFrame>
         </mc:Choice>
-        <mc:Fallback>
+        <mc:Fallback xmlns="">
           <p:pic>
             <p:nvPicPr>
               <p:cNvPr id="6" name="Zoom de section 5">
-                <a:hlinkClick r:id="rId5" action="ppaction://hlinksldjump"/>
+                <a:hlinkClick r:id="rId6" action="ppaction://hlinksldjump"/>
                 <a:extLst>
                   <a:ext uri="{FF2B5EF4-FFF2-40B4-BE49-F238E27FC236}">
                     <a16:creationId xmlns:a16="http://schemas.microsoft.com/office/drawing/2014/main" id="{88B78F6B-F40A-4577-9F71-47923ECA2DAC}"/>
@@ -15786,7 +15788,7 @@
               <p:nvPr/>
             </p:nvPicPr>
             <p:blipFill>
-              <a:blip r:embed="rId4"/>
+              <a:blip r:embed="rId7"/>
               <a:stretch>
                 <a:fillRect/>
               </a:stretch>
@@ -15828,7 +15830,7 @@
           <p:nvPr/>
         </p:nvPicPr>
         <p:blipFill rotWithShape="1">
-          <a:blip r:embed="rId6">
+          <a:blip r:embed="rId8">
             <a:clrChange>
               <a:clrFrom>
                 <a:srgbClr val="F8F8F8"/>
@@ -15924,8 +15926,8 @@
             <a:chExt cx="8635712" cy="2085417"/>
           </a:xfrm>
         </p:grpSpPr>
-        <mc:AlternateContent xmlns:mc="http://schemas.openxmlformats.org/markup-compatibility/2006">
-          <mc:Choice xmlns:psez="http://schemas.microsoft.com/office/powerpoint/2016/sectionzoom" Requires="psez">
+        <mc:AlternateContent xmlns:mc="http://schemas.openxmlformats.org/markup-compatibility/2006" xmlns:psez="http://schemas.microsoft.com/office/powerpoint/2016/sectionzoom">
+          <mc:Choice Requires="psez">
             <p:graphicFrame>
               <p:nvGraphicFramePr>
                 <p:cNvPr id="8" name="Zoom de section 7">
@@ -15955,113 +15957,6 @@
                   <psez:sectionZm>
                     <psez:sectionZmObj sectionId="{C821B15E-A9E0-4CC5-90A7-D3F5B44CA772}">
                       <psez:zmPr id="{79B4602B-3F15-4095-8861-507F7F58530D}" transitionDur="1000">
-                        <p166:blipFill xmlns:p166="http://schemas.microsoft.com/office/powerpoint/2016/6/main">
-                          <a:blip r:embed="rId7"/>
-                          <a:stretch>
-                            <a:fillRect/>
-                          </a:stretch>
-                        </p166:blipFill>
-                        <p166:spPr xmlns:p166="http://schemas.microsoft.com/office/powerpoint/2016/6/main">
-                          <a:xfrm>
-                            <a:off x="0" y="0"/>
-                            <a:ext cx="3048000" cy="1714500"/>
-                          </a:xfrm>
-                          <a:prstGeom prst="rect">
-                            <a:avLst/>
-                          </a:prstGeom>
-                          <a:ln>
-                            <a:noFill/>
-                          </a:ln>
-                          <a:effectLst>
-                            <a:outerShdw blurRad="292100" dist="139700" dir="2700000" algn="tl" rotWithShape="0">
-                              <a:srgbClr val="333333">
-                                <a:alpha val="65000"/>
-                              </a:srgbClr>
-                            </a:outerShdw>
-                          </a:effectLst>
-                        </p166:spPr>
-                      </psez:zmPr>
-                    </psez:sectionZmObj>
-                  </psez:sectionZm>
-                </a:graphicData>
-              </a:graphic>
-            </p:graphicFrame>
-          </mc:Choice>
-          <mc:Fallback>
-            <p:pic>
-              <p:nvPicPr>
-                <p:cNvPr id="8" name="Zoom de section 7">
-                  <a:hlinkClick r:id="rId8" action="ppaction://hlinksldjump"/>
-                  <a:extLst>
-                    <a:ext uri="{FF2B5EF4-FFF2-40B4-BE49-F238E27FC236}">
-                      <a16:creationId xmlns:a16="http://schemas.microsoft.com/office/drawing/2014/main" id="{1FF6DB24-7E60-4F82-A5A9-E4ACF7746F4C}"/>
-                    </a:ext>
-                  </a:extLst>
-                </p:cNvPr>
-                <p:cNvPicPr>
-                  <a:picLocks noGrp="1" noRot="1" noChangeAspect="1" noMove="1" noResize="1" noEditPoints="1" noAdjustHandles="1" noChangeArrowheads="1" noChangeShapeType="1"/>
-                </p:cNvPicPr>
-                <p:nvPr/>
-              </p:nvPicPr>
-              <p:blipFill>
-                <a:blip r:embed="rId7"/>
-                <a:stretch>
-                  <a:fillRect/>
-                </a:stretch>
-              </p:blipFill>
-              <p:spPr>
-                <a:xfrm>
-                  <a:off x="3007658" y="2941547"/>
-                  <a:ext cx="3048000" cy="1714500"/>
-                </a:xfrm>
-                <a:prstGeom prst="rect">
-                  <a:avLst/>
-                </a:prstGeom>
-                <a:ln>
-                  <a:noFill/>
-                </a:ln>
-                <a:effectLst>
-                  <a:outerShdw blurRad="292100" dist="139700" dir="2700000" algn="tl" rotWithShape="0">
-                    <a:srgbClr val="333333">
-                      <a:alpha val="65000"/>
-                    </a:srgbClr>
-                  </a:outerShdw>
-                </a:effectLst>
-              </p:spPr>
-            </p:pic>
-          </mc:Fallback>
-        </mc:AlternateContent>
-        <mc:AlternateContent xmlns:mc="http://schemas.openxmlformats.org/markup-compatibility/2006">
-          <mc:Choice xmlns:psez="http://schemas.microsoft.com/office/powerpoint/2016/sectionzoom" Requires="psez">
-            <p:graphicFrame>
-              <p:nvGraphicFramePr>
-                <p:cNvPr id="10" name="Zoom de section 9">
-                  <a:extLst>
-                    <a:ext uri="{FF2B5EF4-FFF2-40B4-BE49-F238E27FC236}">
-                      <a16:creationId xmlns:a16="http://schemas.microsoft.com/office/drawing/2014/main" id="{09546A95-0422-4521-8102-3CA2B01E61F8}"/>
-                    </a:ext>
-                  </a:extLst>
-                </p:cNvPr>
-                <p:cNvGraphicFramePr>
-                  <a:graphicFrameLocks noChangeAspect="1"/>
-                </p:cNvGraphicFramePr>
-                <p:nvPr>
-                  <p:extLst>
-                    <p:ext uri="{D42A27DB-BD31-4B8C-83A1-F6EECF244321}">
-                      <p14:modId xmlns:p14="http://schemas.microsoft.com/office/powerpoint/2010/main" val="849439467"/>
-                    </p:ext>
-                  </p:extLst>
-                </p:nvPr>
-              </p:nvGraphicFramePr>
-              <p:xfrm>
-                <a:off x="6405281" y="2941547"/>
-                <a:ext cx="3048000" cy="1714500"/>
-              </p:xfrm>
-              <a:graphic>
-                <a:graphicData uri="http://schemas.microsoft.com/office/powerpoint/2016/sectionzoom">
-                  <psez:sectionZm>
-                    <psez:sectionZmObj sectionId="{38C2C92A-8502-454C-B76F-55DBE9104FB4}">
-                      <psez:zmPr id="{3C37118A-E91B-436E-85E3-9D2DA21B20FC}" transitionDur="1000">
                         <p166:blipFill xmlns:p166="http://schemas.microsoft.com/office/powerpoint/2016/6/main">
                           <a:blip r:embed="rId9"/>
                           <a:stretch>
@@ -16094,11 +15989,118 @@
               </a:graphic>
             </p:graphicFrame>
           </mc:Choice>
-          <mc:Fallback>
+          <mc:Fallback xmlns="">
+            <p:pic>
+              <p:nvPicPr>
+                <p:cNvPr id="8" name="Zoom de section 7">
+                  <a:hlinkClick r:id="rId10" action="ppaction://hlinksldjump"/>
+                  <a:extLst>
+                    <a:ext uri="{FF2B5EF4-FFF2-40B4-BE49-F238E27FC236}">
+                      <a16:creationId xmlns:a16="http://schemas.microsoft.com/office/drawing/2014/main" id="{1FF6DB24-7E60-4F82-A5A9-E4ACF7746F4C}"/>
+                    </a:ext>
+                  </a:extLst>
+                </p:cNvPr>
+                <p:cNvPicPr>
+                  <a:picLocks noGrp="1" noRot="1" noChangeAspect="1" noMove="1" noResize="1" noEditPoints="1" noAdjustHandles="1" noChangeArrowheads="1" noChangeShapeType="1"/>
+                </p:cNvPicPr>
+                <p:nvPr/>
+              </p:nvPicPr>
+              <p:blipFill>
+                <a:blip r:embed="rId11"/>
+                <a:stretch>
+                  <a:fillRect/>
+                </a:stretch>
+              </p:blipFill>
+              <p:spPr>
+                <a:xfrm>
+                  <a:off x="3007658" y="2941547"/>
+                  <a:ext cx="3048000" cy="1714500"/>
+                </a:xfrm>
+                <a:prstGeom prst="rect">
+                  <a:avLst/>
+                </a:prstGeom>
+                <a:ln>
+                  <a:noFill/>
+                </a:ln>
+                <a:effectLst>
+                  <a:outerShdw blurRad="292100" dist="139700" dir="2700000" algn="tl" rotWithShape="0">
+                    <a:srgbClr val="333333">
+                      <a:alpha val="65000"/>
+                    </a:srgbClr>
+                  </a:outerShdw>
+                </a:effectLst>
+              </p:spPr>
+            </p:pic>
+          </mc:Fallback>
+        </mc:AlternateContent>
+        <mc:AlternateContent xmlns:mc="http://schemas.openxmlformats.org/markup-compatibility/2006" xmlns:psez="http://schemas.microsoft.com/office/powerpoint/2016/sectionzoom">
+          <mc:Choice Requires="psez">
+            <p:graphicFrame>
+              <p:nvGraphicFramePr>
+                <p:cNvPr id="10" name="Zoom de section 9">
+                  <a:extLst>
+                    <a:ext uri="{FF2B5EF4-FFF2-40B4-BE49-F238E27FC236}">
+                      <a16:creationId xmlns:a16="http://schemas.microsoft.com/office/drawing/2014/main" id="{09546A95-0422-4521-8102-3CA2B01E61F8}"/>
+                    </a:ext>
+                  </a:extLst>
+                </p:cNvPr>
+                <p:cNvGraphicFramePr>
+                  <a:graphicFrameLocks noChangeAspect="1"/>
+                </p:cNvGraphicFramePr>
+                <p:nvPr>
+                  <p:extLst>
+                    <p:ext uri="{D42A27DB-BD31-4B8C-83A1-F6EECF244321}">
+                      <p14:modId xmlns:p14="http://schemas.microsoft.com/office/powerpoint/2010/main" val="849439467"/>
+                    </p:ext>
+                  </p:extLst>
+                </p:nvPr>
+              </p:nvGraphicFramePr>
+              <p:xfrm>
+                <a:off x="6405281" y="2941547"/>
+                <a:ext cx="3048000" cy="1714500"/>
+              </p:xfrm>
+              <a:graphic>
+                <a:graphicData uri="http://schemas.microsoft.com/office/powerpoint/2016/sectionzoom">
+                  <psez:sectionZm>
+                    <psez:sectionZmObj sectionId="{38C2C92A-8502-454C-B76F-55DBE9104FB4}">
+                      <psez:zmPr id="{3C37118A-E91B-436E-85E3-9D2DA21B20FC}" transitionDur="1000">
+                        <p166:blipFill xmlns:p166="http://schemas.microsoft.com/office/powerpoint/2016/6/main">
+                          <a:blip r:embed="rId12"/>
+                          <a:stretch>
+                            <a:fillRect/>
+                          </a:stretch>
+                        </p166:blipFill>
+                        <p166:spPr xmlns:p166="http://schemas.microsoft.com/office/powerpoint/2016/6/main">
+                          <a:xfrm>
+                            <a:off x="0" y="0"/>
+                            <a:ext cx="3048000" cy="1714500"/>
+                          </a:xfrm>
+                          <a:prstGeom prst="rect">
+                            <a:avLst/>
+                          </a:prstGeom>
+                          <a:ln>
+                            <a:noFill/>
+                          </a:ln>
+                          <a:effectLst>
+                            <a:outerShdw blurRad="292100" dist="139700" dir="2700000" algn="tl" rotWithShape="0">
+                              <a:srgbClr val="333333">
+                                <a:alpha val="65000"/>
+                              </a:srgbClr>
+                            </a:outerShdw>
+                          </a:effectLst>
+                        </p166:spPr>
+                      </psez:zmPr>
+                    </psez:sectionZmObj>
+                  </psez:sectionZm>
+                </a:graphicData>
+              </a:graphic>
+            </p:graphicFrame>
+          </mc:Choice>
+          <mc:Fallback xmlns="">
             <p:pic>
               <p:nvPicPr>
                 <p:cNvPr id="10" name="Zoom de section 9">
-                  <a:hlinkClick r:id="rId10" action="ppaction://hlinksldjump"/>
+                  <a:hlinkClick r:id="rId13" action="ppaction://hlinksldjump"/>
                   <a:extLst>
                     <a:ext uri="{FF2B5EF4-FFF2-40B4-BE49-F238E27FC236}">
                       <a16:creationId xmlns:a16="http://schemas.microsoft.com/office/drawing/2014/main" id="{09546A95-0422-4521-8102-3CA2B01E61F8}"/>
@@ -16111,7 +16113,7 @@
                 <p:nvPr/>
               </p:nvPicPr>
               <p:blipFill>
-                <a:blip r:embed="rId9"/>
+                <a:blip r:embed="rId14"/>
                 <a:stretch>
                   <a:fillRect/>
                 </a:stretch>
@@ -16153,7 +16155,7 @@
             <p:nvPr/>
           </p:nvPicPr>
           <p:blipFill rotWithShape="1">
-            <a:blip r:embed="rId11">
+            <a:blip r:embed="rId15">
               <a:clrChange>
                 <a:clrFrom>
                   <a:srgbClr val="FFFFFF"/>
@@ -16316,7 +16318,7 @@
             <p:nvPr/>
           </p:nvPicPr>
           <p:blipFill>
-            <a:blip r:embed="rId12">
+            <a:blip r:embed="rId16">
               <a:clrChange>
                 <a:clrFrom>
                   <a:srgbClr val="FFFFFF"/>
@@ -16416,8 +16418,8 @@
             </a:p>
           </p:txBody>
         </p:sp>
-        <mc:AlternateContent xmlns:mc="http://schemas.openxmlformats.org/markup-compatibility/2006">
-          <mc:Choice xmlns:psez="http://schemas.microsoft.com/office/powerpoint/2016/sectionzoom" Requires="psez">
+        <mc:AlternateContent xmlns:mc="http://schemas.openxmlformats.org/markup-compatibility/2006" xmlns:psez="http://schemas.microsoft.com/office/powerpoint/2016/sectionzoom">
+          <mc:Choice Requires="psez">
             <p:graphicFrame>
               <p:nvGraphicFramePr>
                 <p:cNvPr id="34" name="Zoom de section 33">
@@ -16448,7 +16450,7 @@
                     <psez:sectionZmObj sectionId="{B0238940-EBDF-485E-8ABB-3D7E127680C3}">
                       <psez:zmPr id="{F44CFDEC-FE08-4D3B-AC4D-780169D43FA9}" transitionDur="1000">
                         <p166:blipFill xmlns:p166="http://schemas.microsoft.com/office/powerpoint/2016/6/main">
-                          <a:blip r:embed="rId13"/>
+                          <a:blip r:embed="rId17"/>
                           <a:stretch>
                             <a:fillRect/>
                           </a:stretch>
@@ -16479,11 +16481,11 @@
               </a:graphic>
             </p:graphicFrame>
           </mc:Choice>
-          <mc:Fallback>
+          <mc:Fallback xmlns="">
             <p:pic>
               <p:nvPicPr>
                 <p:cNvPr id="34" name="Zoom de section 33">
-                  <a:hlinkClick r:id="rId14" action="ppaction://hlinksldjump"/>
+                  <a:hlinkClick r:id="rId18" action="ppaction://hlinksldjump"/>
                   <a:extLst>
                     <a:ext uri="{FF2B5EF4-FFF2-40B4-BE49-F238E27FC236}">
                       <a16:creationId xmlns:a16="http://schemas.microsoft.com/office/drawing/2014/main" id="{E4BF8922-2CDE-4B62-8797-A5576F296D39}"/>
@@ -16496,7 +16498,7 @@
                 <p:nvPr/>
               </p:nvPicPr>
               <p:blipFill>
-                <a:blip r:embed="rId13"/>
+                <a:blip r:embed="rId19"/>
                 <a:stretch>
                   <a:fillRect/>
                 </a:stretch>
@@ -16523,8 +16525,8 @@
             </p:pic>
           </mc:Fallback>
         </mc:AlternateContent>
-        <mc:AlternateContent xmlns:mc="http://schemas.openxmlformats.org/markup-compatibility/2006">
-          <mc:Choice xmlns:psez="http://schemas.microsoft.com/office/powerpoint/2016/sectionzoom" Requires="psez">
+        <mc:AlternateContent xmlns:mc="http://schemas.openxmlformats.org/markup-compatibility/2006" xmlns:psez="http://schemas.microsoft.com/office/powerpoint/2016/sectionzoom">
+          <mc:Choice Requires="psez">
             <p:graphicFrame>
               <p:nvGraphicFramePr>
                 <p:cNvPr id="36" name="Zoom de section 35">
@@ -16555,7 +16557,7 @@
                     <psez:sectionZmObj sectionId="{AF587521-E595-43E7-AED6-B6014611317F}">
                       <psez:zmPr id="{97CCF131-BFBF-44F7-9869-AE2B57CA7921}" transitionDur="1000">
                         <p166:blipFill xmlns:p166="http://schemas.microsoft.com/office/powerpoint/2016/6/main">
-                          <a:blip r:embed="rId15"/>
+                          <a:blip r:embed="rId20"/>
                           <a:stretch>
                             <a:fillRect/>
                           </a:stretch>
@@ -16586,11 +16588,11 @@
               </a:graphic>
             </p:graphicFrame>
           </mc:Choice>
-          <mc:Fallback>
+          <mc:Fallback xmlns="">
             <p:pic>
               <p:nvPicPr>
                 <p:cNvPr id="36" name="Zoom de section 35">
-                  <a:hlinkClick r:id="rId16" action="ppaction://hlinksldjump"/>
+                  <a:hlinkClick r:id="rId21" action="ppaction://hlinksldjump"/>
                   <a:extLst>
                     <a:ext uri="{FF2B5EF4-FFF2-40B4-BE49-F238E27FC236}">
                       <a16:creationId xmlns:a16="http://schemas.microsoft.com/office/drawing/2014/main" id="{B33AA06D-CB5F-4CD4-8EE9-2DDFB647676D}"/>
@@ -16603,7 +16605,7 @@
                 <p:nvPr/>
               </p:nvPicPr>
               <p:blipFill>
-                <a:blip r:embed="rId15"/>
+                <a:blip r:embed="rId22"/>
                 <a:stretch>
                   <a:fillRect/>
                 </a:stretch>
@@ -25411,8 +25413,8 @@
           </a:p>
         </p:txBody>
       </p:sp>
-      <mc:AlternateContent xmlns:mc="http://schemas.openxmlformats.org/markup-compatibility/2006">
-        <mc:Choice xmlns:psez="http://schemas.microsoft.com/office/powerpoint/2016/sectionzoom" Requires="psez">
+      <mc:AlternateContent xmlns:mc="http://schemas.openxmlformats.org/markup-compatibility/2006" xmlns:psez="http://schemas.microsoft.com/office/powerpoint/2016/sectionzoom">
+        <mc:Choice Requires="psez">
           <p:graphicFrame>
             <p:nvGraphicFramePr>
               <p:cNvPr id="4" name="Zoom de section 3">
@@ -25474,7 +25476,7 @@
             </a:graphic>
           </p:graphicFrame>
         </mc:Choice>
-        <mc:Fallback>
+        <mc:Fallback xmlns="">
           <p:pic>
             <p:nvPicPr>
               <p:cNvPr id="4" name="Zoom de section 3">
@@ -25491,7 +25493,7 @@
               <p:nvPr/>
             </p:nvPicPr>
             <p:blipFill>
-              <a:blip r:embed="rId2"/>
+              <a:blip r:embed="rId4"/>
               <a:stretch>
                 <a:fillRect/>
               </a:stretch>
@@ -25518,8 +25520,8 @@
           </p:pic>
         </mc:Fallback>
       </mc:AlternateContent>
-      <mc:AlternateContent xmlns:mc="http://schemas.openxmlformats.org/markup-compatibility/2006">
-        <mc:Choice xmlns:psez="http://schemas.microsoft.com/office/powerpoint/2016/sectionzoom" Requires="psez">
+      <mc:AlternateContent xmlns:mc="http://schemas.openxmlformats.org/markup-compatibility/2006" xmlns:psez="http://schemas.microsoft.com/office/powerpoint/2016/sectionzoom">
+        <mc:Choice Requires="psez">
           <p:graphicFrame>
             <p:nvGraphicFramePr>
               <p:cNvPr id="6" name="Zoom de section 5">
@@ -25550,7 +25552,7 @@
                   <psez:sectionZmObj sectionId="{1C18A798-F2FC-4F80-9C19-1FD0C3F0CA3A}">
                     <psez:zmPr id="{E1607015-DBC9-4C20-BFFD-D30CD37298E1}" transitionDur="1000">
                       <p166:blipFill xmlns:p166="http://schemas.microsoft.com/office/powerpoint/2016/6/main">
-                        <a:blip r:embed="rId4"/>
+                        <a:blip r:embed="rId5"/>
                         <a:stretch>
                           <a:fillRect/>
                         </a:stretch>
@@ -25581,11 +25583,11 @@
             </a:graphic>
           </p:graphicFrame>
         </mc:Choice>
-        <mc:Fallback>
+        <mc:Fallback xmlns="">
           <p:pic>
             <p:nvPicPr>
               <p:cNvPr id="6" name="Zoom de section 5">
-                <a:hlinkClick r:id="rId5" action="ppaction://hlinksldjump"/>
+                <a:hlinkClick r:id="rId6" action="ppaction://hlinksldjump"/>
                 <a:extLst>
                   <a:ext uri="{FF2B5EF4-FFF2-40B4-BE49-F238E27FC236}">
                     <a16:creationId xmlns:a16="http://schemas.microsoft.com/office/drawing/2014/main" id="{88B78F6B-F40A-4577-9F71-47923ECA2DAC}"/>
@@ -25598,7 +25600,7 @@
               <p:nvPr/>
             </p:nvPicPr>
             <p:blipFill>
-              <a:blip r:embed="rId4"/>
+              <a:blip r:embed="rId7"/>
               <a:stretch>
                 <a:fillRect/>
               </a:stretch>
@@ -25640,7 +25642,7 @@
           <p:nvPr/>
         </p:nvPicPr>
         <p:blipFill rotWithShape="1">
-          <a:blip r:embed="rId6">
+          <a:blip r:embed="rId8">
             <a:clrChange>
               <a:clrFrom>
                 <a:srgbClr val="F8F8F8"/>
@@ -25716,8 +25718,8 @@
           </a:p>
         </p:txBody>
       </p:sp>
-      <mc:AlternateContent xmlns:mc="http://schemas.openxmlformats.org/markup-compatibility/2006">
-        <mc:Choice xmlns:psez="http://schemas.microsoft.com/office/powerpoint/2016/sectionzoom" Requires="psez">
+      <mc:AlternateContent xmlns:mc="http://schemas.openxmlformats.org/markup-compatibility/2006" xmlns:psez="http://schemas.microsoft.com/office/powerpoint/2016/sectionzoom">
+        <mc:Choice Requires="psez">
           <p:graphicFrame>
             <p:nvGraphicFramePr>
               <p:cNvPr id="8" name="Zoom de section 7">
@@ -25747,113 +25749,6 @@
                 <psez:sectionZm>
                   <psez:sectionZmObj sectionId="{C821B15E-A9E0-4CC5-90A7-D3F5B44CA772}">
                     <psez:zmPr id="{79B4602B-3F15-4095-8861-507F7F58530D}" transitionDur="1000">
-                      <p166:blipFill xmlns:p166="http://schemas.microsoft.com/office/powerpoint/2016/6/main">
-                        <a:blip r:embed="rId7"/>
-                        <a:stretch>
-                          <a:fillRect/>
-                        </a:stretch>
-                      </p166:blipFill>
-                      <p166:spPr xmlns:p166="http://schemas.microsoft.com/office/powerpoint/2016/6/main">
-                        <a:xfrm>
-                          <a:off x="0" y="0"/>
-                          <a:ext cx="3048000" cy="1714500"/>
-                        </a:xfrm>
-                        <a:prstGeom prst="rect">
-                          <a:avLst/>
-                        </a:prstGeom>
-                        <a:ln>
-                          <a:noFill/>
-                        </a:ln>
-                        <a:effectLst>
-                          <a:outerShdw blurRad="292100" dist="139700" dir="2700000" algn="tl" rotWithShape="0">
-                            <a:srgbClr val="333333">
-                              <a:alpha val="65000"/>
-                            </a:srgbClr>
-                          </a:outerShdw>
-                        </a:effectLst>
-                      </p166:spPr>
-                    </psez:zmPr>
-                  </psez:sectionZmObj>
-                </psez:sectionZm>
-              </a:graphicData>
-            </a:graphic>
-          </p:graphicFrame>
-        </mc:Choice>
-        <mc:Fallback>
-          <p:pic>
-            <p:nvPicPr>
-              <p:cNvPr id="8" name="Zoom de section 7">
-                <a:hlinkClick r:id="rId8" action="ppaction://hlinksldjump"/>
-                <a:extLst>
-                  <a:ext uri="{FF2B5EF4-FFF2-40B4-BE49-F238E27FC236}">
-                    <a16:creationId xmlns:a16="http://schemas.microsoft.com/office/drawing/2014/main" id="{1FF6DB24-7E60-4F82-A5A9-E4ACF7746F4C}"/>
-                  </a:ext>
-                </a:extLst>
-              </p:cNvPr>
-              <p:cNvPicPr>
-                <a:picLocks noGrp="1" noRot="1" noChangeAspect="1" noMove="1" noResize="1" noEditPoints="1" noAdjustHandles="1" noChangeArrowheads="1" noChangeShapeType="1"/>
-              </p:cNvPicPr>
-              <p:nvPr/>
-            </p:nvPicPr>
-            <p:blipFill>
-              <a:blip r:embed="rId7"/>
-              <a:stretch>
-                <a:fillRect/>
-              </a:stretch>
-            </p:blipFill>
-            <p:spPr>
-              <a:xfrm>
-                <a:off x="3007658" y="2941547"/>
-                <a:ext cx="3048000" cy="1714500"/>
-              </a:xfrm>
-              <a:prstGeom prst="rect">
-                <a:avLst/>
-              </a:prstGeom>
-              <a:ln>
-                <a:noFill/>
-              </a:ln>
-              <a:effectLst>
-                <a:outerShdw blurRad="292100" dist="139700" dir="2700000" algn="tl" rotWithShape="0">
-                  <a:srgbClr val="333333">
-                    <a:alpha val="65000"/>
-                  </a:srgbClr>
-                </a:outerShdw>
-              </a:effectLst>
-            </p:spPr>
-          </p:pic>
-        </mc:Fallback>
-      </mc:AlternateContent>
-      <mc:AlternateContent xmlns:mc="http://schemas.openxmlformats.org/markup-compatibility/2006">
-        <mc:Choice xmlns:psez="http://schemas.microsoft.com/office/powerpoint/2016/sectionzoom" Requires="psez">
-          <p:graphicFrame>
-            <p:nvGraphicFramePr>
-              <p:cNvPr id="10" name="Zoom de section 9">
-                <a:extLst>
-                  <a:ext uri="{FF2B5EF4-FFF2-40B4-BE49-F238E27FC236}">
-                    <a16:creationId xmlns:a16="http://schemas.microsoft.com/office/drawing/2014/main" id="{09546A95-0422-4521-8102-3CA2B01E61F8}"/>
-                  </a:ext>
-                </a:extLst>
-              </p:cNvPr>
-              <p:cNvGraphicFramePr>
-                <a:graphicFrameLocks noChangeAspect="1"/>
-              </p:cNvGraphicFramePr>
-              <p:nvPr>
-                <p:extLst>
-                  <p:ext uri="{D42A27DB-BD31-4B8C-83A1-F6EECF244321}">
-                    <p14:modId xmlns:p14="http://schemas.microsoft.com/office/powerpoint/2010/main" val="3400398775"/>
-                  </p:ext>
-                </p:extLst>
-              </p:nvPr>
-            </p:nvGraphicFramePr>
-            <p:xfrm>
-              <a:off x="6405281" y="2941547"/>
-              <a:ext cx="3048000" cy="1714500"/>
-            </p:xfrm>
-            <a:graphic>
-              <a:graphicData uri="http://schemas.microsoft.com/office/powerpoint/2016/sectionzoom">
-                <psez:sectionZm>
-                  <psez:sectionZmObj sectionId="{38C2C92A-8502-454C-B76F-55DBE9104FB4}">
-                    <psez:zmPr id="{3C37118A-E91B-436E-85E3-9D2DA21B20FC}" transitionDur="1000">
                       <p166:blipFill xmlns:p166="http://schemas.microsoft.com/office/powerpoint/2016/6/main">
                         <a:blip r:embed="rId9"/>
                         <a:stretch>
@@ -25886,11 +25781,118 @@
             </a:graphic>
           </p:graphicFrame>
         </mc:Choice>
-        <mc:Fallback>
+        <mc:Fallback xmlns="">
+          <p:pic>
+            <p:nvPicPr>
+              <p:cNvPr id="8" name="Zoom de section 7">
+                <a:hlinkClick r:id="rId10" action="ppaction://hlinksldjump"/>
+                <a:extLst>
+                  <a:ext uri="{FF2B5EF4-FFF2-40B4-BE49-F238E27FC236}">
+                    <a16:creationId xmlns:a16="http://schemas.microsoft.com/office/drawing/2014/main" id="{1FF6DB24-7E60-4F82-A5A9-E4ACF7746F4C}"/>
+                  </a:ext>
+                </a:extLst>
+              </p:cNvPr>
+              <p:cNvPicPr>
+                <a:picLocks noGrp="1" noRot="1" noChangeAspect="1" noMove="1" noResize="1" noEditPoints="1" noAdjustHandles="1" noChangeArrowheads="1" noChangeShapeType="1"/>
+              </p:cNvPicPr>
+              <p:nvPr/>
+            </p:nvPicPr>
+            <p:blipFill>
+              <a:blip r:embed="rId11"/>
+              <a:stretch>
+                <a:fillRect/>
+              </a:stretch>
+            </p:blipFill>
+            <p:spPr>
+              <a:xfrm>
+                <a:off x="3007658" y="2941547"/>
+                <a:ext cx="3048000" cy="1714500"/>
+              </a:xfrm>
+              <a:prstGeom prst="rect">
+                <a:avLst/>
+              </a:prstGeom>
+              <a:ln>
+                <a:noFill/>
+              </a:ln>
+              <a:effectLst>
+                <a:outerShdw blurRad="292100" dist="139700" dir="2700000" algn="tl" rotWithShape="0">
+                  <a:srgbClr val="333333">
+                    <a:alpha val="65000"/>
+                  </a:srgbClr>
+                </a:outerShdw>
+              </a:effectLst>
+            </p:spPr>
+          </p:pic>
+        </mc:Fallback>
+      </mc:AlternateContent>
+      <mc:AlternateContent xmlns:mc="http://schemas.openxmlformats.org/markup-compatibility/2006" xmlns:psez="http://schemas.microsoft.com/office/powerpoint/2016/sectionzoom">
+        <mc:Choice Requires="psez">
+          <p:graphicFrame>
+            <p:nvGraphicFramePr>
+              <p:cNvPr id="10" name="Zoom de section 9">
+                <a:extLst>
+                  <a:ext uri="{FF2B5EF4-FFF2-40B4-BE49-F238E27FC236}">
+                    <a16:creationId xmlns:a16="http://schemas.microsoft.com/office/drawing/2014/main" id="{09546A95-0422-4521-8102-3CA2B01E61F8}"/>
+                  </a:ext>
+                </a:extLst>
+              </p:cNvPr>
+              <p:cNvGraphicFramePr>
+                <a:graphicFrameLocks noChangeAspect="1"/>
+              </p:cNvGraphicFramePr>
+              <p:nvPr>
+                <p:extLst>
+                  <p:ext uri="{D42A27DB-BD31-4B8C-83A1-F6EECF244321}">
+                    <p14:modId xmlns:p14="http://schemas.microsoft.com/office/powerpoint/2010/main" val="3400398775"/>
+                  </p:ext>
+                </p:extLst>
+              </p:nvPr>
+            </p:nvGraphicFramePr>
+            <p:xfrm>
+              <a:off x="6405281" y="2941547"/>
+              <a:ext cx="3048000" cy="1714500"/>
+            </p:xfrm>
+            <a:graphic>
+              <a:graphicData uri="http://schemas.microsoft.com/office/powerpoint/2016/sectionzoom">
+                <psez:sectionZm>
+                  <psez:sectionZmObj sectionId="{38C2C92A-8502-454C-B76F-55DBE9104FB4}">
+                    <psez:zmPr id="{3C37118A-E91B-436E-85E3-9D2DA21B20FC}" transitionDur="1000">
+                      <p166:blipFill xmlns:p166="http://schemas.microsoft.com/office/powerpoint/2016/6/main">
+                        <a:blip r:embed="rId12"/>
+                        <a:stretch>
+                          <a:fillRect/>
+                        </a:stretch>
+                      </p166:blipFill>
+                      <p166:spPr xmlns:p166="http://schemas.microsoft.com/office/powerpoint/2016/6/main">
+                        <a:xfrm>
+                          <a:off x="0" y="0"/>
+                          <a:ext cx="3048000" cy="1714500"/>
+                        </a:xfrm>
+                        <a:prstGeom prst="rect">
+                          <a:avLst/>
+                        </a:prstGeom>
+                        <a:ln>
+                          <a:noFill/>
+                        </a:ln>
+                        <a:effectLst>
+                          <a:outerShdw blurRad="292100" dist="139700" dir="2700000" algn="tl" rotWithShape="0">
+                            <a:srgbClr val="333333">
+                              <a:alpha val="65000"/>
+                            </a:srgbClr>
+                          </a:outerShdw>
+                        </a:effectLst>
+                      </p166:spPr>
+                    </psez:zmPr>
+                  </psez:sectionZmObj>
+                </psez:sectionZm>
+              </a:graphicData>
+            </a:graphic>
+          </p:graphicFrame>
+        </mc:Choice>
+        <mc:Fallback xmlns="">
           <p:pic>
             <p:nvPicPr>
               <p:cNvPr id="10" name="Zoom de section 9">
-                <a:hlinkClick r:id="rId10" action="ppaction://hlinksldjump"/>
+                <a:hlinkClick r:id="rId13" action="ppaction://hlinksldjump"/>
                 <a:extLst>
                   <a:ext uri="{FF2B5EF4-FFF2-40B4-BE49-F238E27FC236}">
                     <a16:creationId xmlns:a16="http://schemas.microsoft.com/office/drawing/2014/main" id="{09546A95-0422-4521-8102-3CA2B01E61F8}"/>
@@ -25903,7 +25905,7 @@
               <p:nvPr/>
             </p:nvPicPr>
             <p:blipFill>
-              <a:blip r:embed="rId9"/>
+              <a:blip r:embed="rId14"/>
               <a:stretch>
                 <a:fillRect/>
               </a:stretch>
@@ -25945,7 +25947,7 @@
           <p:nvPr/>
         </p:nvPicPr>
         <p:blipFill rotWithShape="1">
-          <a:blip r:embed="rId11">
+          <a:blip r:embed="rId15">
             <a:clrChange>
               <a:clrFrom>
                 <a:srgbClr val="FFFFFF"/>
@@ -26087,7 +26089,7 @@
           <p:nvPr/>
         </p:nvPicPr>
         <p:blipFill>
-          <a:blip r:embed="rId12">
+          <a:blip r:embed="rId16">
             <a:clrChange>
               <a:clrFrom>
                 <a:srgbClr val="FFFFFF"/>
@@ -26187,8 +26189,8 @@
           </a:p>
         </p:txBody>
       </p:sp>
-      <mc:AlternateContent xmlns:mc="http://schemas.openxmlformats.org/markup-compatibility/2006">
-        <mc:Choice xmlns:psez="http://schemas.microsoft.com/office/powerpoint/2016/sectionzoom" Requires="psez">
+      <mc:AlternateContent xmlns:mc="http://schemas.openxmlformats.org/markup-compatibility/2006" xmlns:psez="http://schemas.microsoft.com/office/powerpoint/2016/sectionzoom">
+        <mc:Choice Requires="psez">
           <p:graphicFrame>
             <p:nvGraphicFramePr>
               <p:cNvPr id="34" name="Zoom de section 33">
@@ -26219,7 +26221,7 @@
                   <psez:sectionZmObj sectionId="{B0238940-EBDF-485E-8ABB-3D7E127680C3}">
                     <psez:zmPr id="{F44CFDEC-FE08-4D3B-AC4D-780169D43FA9}" transitionDur="1000">
                       <p166:blipFill xmlns:p166="http://schemas.microsoft.com/office/powerpoint/2016/6/main">
-                        <a:blip r:embed="rId13"/>
+                        <a:blip r:embed="rId17"/>
                         <a:stretch>
                           <a:fillRect/>
                         </a:stretch>
@@ -26250,11 +26252,11 @@
             </a:graphic>
           </p:graphicFrame>
         </mc:Choice>
-        <mc:Fallback>
+        <mc:Fallback xmlns="">
           <p:pic>
             <p:nvPicPr>
               <p:cNvPr id="34" name="Zoom de section 33">
-                <a:hlinkClick r:id="rId14" action="ppaction://hlinksldjump"/>
+                <a:hlinkClick r:id="rId18" action="ppaction://hlinksldjump"/>
                 <a:extLst>
                   <a:ext uri="{FF2B5EF4-FFF2-40B4-BE49-F238E27FC236}">
                     <a16:creationId xmlns:a16="http://schemas.microsoft.com/office/drawing/2014/main" id="{E4BF8922-2CDE-4B62-8797-A5576F296D39}"/>
@@ -26267,7 +26269,7 @@
               <p:nvPr/>
             </p:nvPicPr>
             <p:blipFill>
-              <a:blip r:embed="rId13"/>
+              <a:blip r:embed="rId19"/>
               <a:stretch>
                 <a:fillRect/>
               </a:stretch>
@@ -26294,8 +26296,8 @@
           </p:pic>
         </mc:Fallback>
       </mc:AlternateContent>
-      <mc:AlternateContent xmlns:mc="http://schemas.openxmlformats.org/markup-compatibility/2006">
-        <mc:Choice xmlns:psez="http://schemas.microsoft.com/office/powerpoint/2016/sectionzoom" Requires="psez">
+      <mc:AlternateContent xmlns:mc="http://schemas.openxmlformats.org/markup-compatibility/2006" xmlns:psez="http://schemas.microsoft.com/office/powerpoint/2016/sectionzoom">
+        <mc:Choice Requires="psez">
           <p:graphicFrame>
             <p:nvGraphicFramePr>
               <p:cNvPr id="36" name="Zoom de section 35">
@@ -26326,7 +26328,7 @@
                   <psez:sectionZmObj sectionId="{AF587521-E595-43E7-AED6-B6014611317F}">
                     <psez:zmPr id="{97CCF131-BFBF-44F7-9869-AE2B57CA7921}" transitionDur="1000">
                       <p166:blipFill xmlns:p166="http://schemas.microsoft.com/office/powerpoint/2016/6/main">
-                        <a:blip r:embed="rId15"/>
+                        <a:blip r:embed="rId20"/>
                         <a:stretch>
                           <a:fillRect/>
                         </a:stretch>
@@ -26357,11 +26359,11 @@
             </a:graphic>
           </p:graphicFrame>
         </mc:Choice>
-        <mc:Fallback>
+        <mc:Fallback xmlns="">
           <p:pic>
             <p:nvPicPr>
               <p:cNvPr id="36" name="Zoom de section 35">
-                <a:hlinkClick r:id="rId16" action="ppaction://hlinksldjump"/>
+                <a:hlinkClick r:id="rId21" action="ppaction://hlinksldjump"/>
                 <a:extLst>
                   <a:ext uri="{FF2B5EF4-FFF2-40B4-BE49-F238E27FC236}">
                     <a16:creationId xmlns:a16="http://schemas.microsoft.com/office/drawing/2014/main" id="{B33AA06D-CB5F-4CD4-8EE9-2DDFB647676D}"/>
@@ -26374,7 +26376,7 @@
               <p:nvPr/>
             </p:nvPicPr>
             <p:blipFill>
-              <a:blip r:embed="rId15"/>
+              <a:blip r:embed="rId22"/>
               <a:stretch>
                 <a:fillRect/>
               </a:stretch>
@@ -27365,6 +27367,1416 @@
       </p:grpSpPr>
       <p:sp>
         <p:nvSpPr>
+          <p:cNvPr id="2" name="Titre 1">
+            <a:extLst>
+              <a:ext uri="{FF2B5EF4-FFF2-40B4-BE49-F238E27FC236}">
+                <a16:creationId xmlns:a16="http://schemas.microsoft.com/office/drawing/2014/main" id="{7011256F-14BA-44FE-B7F3-6350DBC5AF5C}"/>
+              </a:ext>
+            </a:extLst>
+          </p:cNvPr>
+          <p:cNvSpPr>
+            <a:spLocks noGrp="1"/>
+          </p:cNvSpPr>
+          <p:nvPr>
+            <p:ph type="title"/>
+          </p:nvPr>
+        </p:nvSpPr>
+        <p:spPr>
+          <a:xfrm>
+            <a:off x="307895" y="152653"/>
+            <a:ext cx="10515600" cy="809977"/>
+          </a:xfrm>
+        </p:spPr>
+        <p:txBody>
+          <a:bodyPr/>
+          <a:lstStyle/>
+          <a:p>
+            <a:r>
+              <a:rPr lang="en-GB" dirty="0"/>
+              <a:t>Class functions and instance methods</a:t>
+            </a:r>
+          </a:p>
+        </p:txBody>
+      </p:sp>
+      <p:sp>
+        <p:nvSpPr>
+          <p:cNvPr id="3" name="Rectangle : coins arrondis 2">
+            <a:extLst>
+              <a:ext uri="{FF2B5EF4-FFF2-40B4-BE49-F238E27FC236}">
+                <a16:creationId xmlns:a16="http://schemas.microsoft.com/office/drawing/2014/main" id="{2FD31180-15DF-4AB0-80B4-474F1327FF58}"/>
+              </a:ext>
+            </a:extLst>
+          </p:cNvPr>
+          <p:cNvSpPr/>
+          <p:nvPr/>
+        </p:nvSpPr>
+        <p:spPr>
+          <a:xfrm>
+            <a:off x="9062415" y="394373"/>
+            <a:ext cx="765640" cy="326535"/>
+          </a:xfrm>
+          <a:prstGeom prst="roundRect">
+            <a:avLst/>
+          </a:prstGeom>
+          <a:ln/>
+          <a:scene3d>
+            <a:camera prst="orthographicFront"/>
+            <a:lightRig rig="threePt" dir="t"/>
+          </a:scene3d>
+          <a:sp3d>
+            <a:bevelT/>
+          </a:sp3d>
+        </p:spPr>
+        <p:style>
+          <a:lnRef idx="1">
+            <a:schemeClr val="dk1"/>
+          </a:lnRef>
+          <a:fillRef idx="3">
+            <a:schemeClr val="dk1"/>
+          </a:fillRef>
+          <a:effectRef idx="2">
+            <a:schemeClr val="dk1"/>
+          </a:effectRef>
+          <a:fontRef idx="minor">
+            <a:schemeClr val="lt1"/>
+          </a:fontRef>
+        </p:style>
+        <p:txBody>
+          <a:bodyPr rtlCol="0" anchor="ctr">
+            <a:prstTxWarp prst="textPlain">
+              <a:avLst/>
+            </a:prstTxWarp>
+          </a:bodyPr>
+          <a:lstStyle/>
+          <a:p>
+            <a:pPr algn="ctr"/>
+            <a:r>
+              <a:rPr lang="en-GB" dirty="0">
+                <a:effectLst>
+                  <a:glow rad="228600">
+                    <a:schemeClr val="accent2">
+                      <a:satMod val="175000"/>
+                      <a:alpha val="40000"/>
+                    </a:schemeClr>
+                  </a:glow>
+                  <a:outerShdw blurRad="50800" dist="38100" algn="l" rotWithShape="0">
+                    <a:prstClr val="black">
+                      <a:alpha val="40000"/>
+                    </a:prstClr>
+                  </a:outerShdw>
+                </a:effectLst>
+                <a:latin typeface="Berlin Sans FB Demi" panose="020E0802020502020306" pitchFamily="34" charset="0"/>
+              </a:rPr>
+              <a:t>Code</a:t>
+            </a:r>
+          </a:p>
+        </p:txBody>
+      </p:sp>
+      <p:sp>
+        <p:nvSpPr>
+          <p:cNvPr id="4" name="ZoneTexte 3">
+            <a:extLst>
+              <a:ext uri="{FF2B5EF4-FFF2-40B4-BE49-F238E27FC236}">
+                <a16:creationId xmlns:a16="http://schemas.microsoft.com/office/drawing/2014/main" id="{8178508D-D914-4A3A-8663-D0BEAB8F5BE1}"/>
+              </a:ext>
+            </a:extLst>
+          </p:cNvPr>
+          <p:cNvSpPr txBox="1"/>
+          <p:nvPr/>
+        </p:nvSpPr>
+        <p:spPr>
+          <a:xfrm>
+            <a:off x="1819922" y="918647"/>
+            <a:ext cx="6772295" cy="2369880"/>
+          </a:xfrm>
+          <a:prstGeom prst="rect">
+            <a:avLst/>
+          </a:prstGeom>
+          <a:noFill/>
+        </p:spPr>
+        <p:txBody>
+          <a:bodyPr wrap="square" rtlCol="0">
+            <a:spAutoFit/>
+          </a:bodyPr>
+          <a:lstStyle/>
+          <a:p>
+            <a:pPr algn="ctr"/>
+            <a:r>
+              <a:rPr lang="en-GB" sz="2400" b="1" dirty="0">
+                <a:solidFill>
+                  <a:srgbClr val="FFC000"/>
+                </a:solidFill>
+              </a:rPr>
+              <a:t>Class functions are automatically converted to instance methods</a:t>
+            </a:r>
+          </a:p>
+          <a:p>
+            <a:pPr marL="342900" indent="-342900">
+              <a:buFontTx/>
+              <a:buChar char="-"/>
+            </a:pPr>
+            <a:r>
+              <a:rPr lang="en-GB" sz="2000" b="1" dirty="0"/>
+              <a:t>You can call  a function </a:t>
+            </a:r>
+            <a:r>
+              <a:rPr lang="en-GB" sz="2000" b="1" dirty="0">
+                <a:highlight>
+                  <a:srgbClr val="C0C0C0"/>
+                </a:highlight>
+              </a:rPr>
+              <a:t>f</a:t>
+            </a:r>
+            <a:r>
+              <a:rPr lang="en-GB" sz="2000" b="1" dirty="0"/>
+              <a:t> using the class </a:t>
+            </a:r>
+          </a:p>
+          <a:p>
+            <a:pPr marL="342900" indent="-342900">
+              <a:buFontTx/>
+              <a:buChar char="-"/>
+            </a:pPr>
+            <a:r>
+              <a:rPr lang="en-GB" sz="2000" b="1" dirty="0"/>
+              <a:t>When you call </a:t>
+            </a:r>
+            <a:r>
+              <a:rPr lang="en-GB" sz="2000" b="1" dirty="0">
+                <a:highlight>
+                  <a:srgbClr val="C0C0C0"/>
+                </a:highlight>
+              </a:rPr>
+              <a:t>f</a:t>
+            </a:r>
+            <a:r>
+              <a:rPr lang="en-GB" sz="2000" b="1" dirty="0"/>
+              <a:t> from an instance of the class </a:t>
+            </a:r>
+            <a:r>
+              <a:rPr lang="en-GB" sz="2000" b="1" dirty="0">
+                <a:highlight>
+                  <a:srgbClr val="C0C0C0"/>
+                </a:highlight>
+              </a:rPr>
+              <a:t>self</a:t>
+            </a:r>
+            <a:r>
+              <a:rPr lang="en-GB" sz="2000" b="1" dirty="0"/>
+              <a:t> is added as first argument</a:t>
+            </a:r>
+          </a:p>
+          <a:p>
+            <a:pPr marL="342900" indent="-342900">
+              <a:buFontTx/>
+              <a:buChar char="-"/>
+            </a:pPr>
+            <a:r>
+              <a:rPr lang="en-GB" sz="2000" b="1" dirty="0">
+                <a:highlight>
+                  <a:srgbClr val="C0C0C0"/>
+                </a:highlight>
+              </a:rPr>
+              <a:t>__Init__</a:t>
+            </a:r>
+            <a:r>
+              <a:rPr lang="en-GB" sz="2000" b="1" dirty="0"/>
+              <a:t> </a:t>
+            </a:r>
+            <a:r>
+              <a:rPr lang="en-GB" sz="2000" b="1" dirty="0">
+                <a:solidFill>
+                  <a:srgbClr val="FFC000"/>
+                </a:solidFill>
+              </a:rPr>
+              <a:t>is called when an instance is created</a:t>
+            </a:r>
+          </a:p>
+          <a:p>
+            <a:pPr marL="342900" indent="-342900">
+              <a:buFontTx/>
+              <a:buChar char="-"/>
+            </a:pPr>
+            <a:endParaRPr lang="en-GB" sz="2000" b="1" dirty="0"/>
+          </a:p>
+        </p:txBody>
+      </p:sp>
+      <p:sp>
+        <p:nvSpPr>
+          <p:cNvPr id="9" name="Rectangle : coins arrondis 8">
+            <a:extLst>
+              <a:ext uri="{FF2B5EF4-FFF2-40B4-BE49-F238E27FC236}">
+                <a16:creationId xmlns:a16="http://schemas.microsoft.com/office/drawing/2014/main" id="{CC47A245-712C-4826-B0C1-95330BC4C825}"/>
+              </a:ext>
+            </a:extLst>
+          </p:cNvPr>
+          <p:cNvSpPr/>
+          <p:nvPr/>
+        </p:nvSpPr>
+        <p:spPr>
+          <a:xfrm>
+            <a:off x="2405850" y="3304943"/>
+            <a:ext cx="3971946" cy="2737357"/>
+          </a:xfrm>
+          <a:prstGeom prst="roundRect">
+            <a:avLst/>
+          </a:prstGeom>
+          <a:solidFill>
+            <a:srgbClr val="FFC000"/>
+          </a:solidFill>
+          <a:ln>
+            <a:noFill/>
+          </a:ln>
+          <a:scene3d>
+            <a:camera prst="orthographicFront"/>
+            <a:lightRig rig="threePt" dir="t"/>
+          </a:scene3d>
+          <a:sp3d>
+            <a:bevelT/>
+          </a:sp3d>
+        </p:spPr>
+        <p:style>
+          <a:lnRef idx="2">
+            <a:schemeClr val="accent1">
+              <a:shade val="50000"/>
+            </a:schemeClr>
+          </a:lnRef>
+          <a:fillRef idx="1">
+            <a:schemeClr val="accent1"/>
+          </a:fillRef>
+          <a:effectRef idx="0">
+            <a:schemeClr val="accent1"/>
+          </a:effectRef>
+          <a:fontRef idx="minor">
+            <a:schemeClr val="lt1"/>
+          </a:fontRef>
+        </p:style>
+        <p:txBody>
+          <a:bodyPr rtlCol="0" anchor="ctr"/>
+          <a:lstStyle/>
+          <a:p>
+            <a:endParaRPr lang="en-US" dirty="0"/>
+          </a:p>
+        </p:txBody>
+      </p:sp>
+      <p:sp>
+        <p:nvSpPr>
+          <p:cNvPr id="10" name="Rectangle 9">
+            <a:extLst>
+              <a:ext uri="{FF2B5EF4-FFF2-40B4-BE49-F238E27FC236}">
+                <a16:creationId xmlns:a16="http://schemas.microsoft.com/office/drawing/2014/main" id="{4CF0455A-5A28-4961-883F-8C54F2EE1A53}"/>
+              </a:ext>
+            </a:extLst>
+          </p:cNvPr>
+          <p:cNvSpPr/>
+          <p:nvPr/>
+        </p:nvSpPr>
+        <p:spPr>
+          <a:xfrm>
+            <a:off x="3492135" y="3674275"/>
+            <a:ext cx="2136724" cy="436747"/>
+          </a:xfrm>
+          <a:prstGeom prst="rect">
+            <a:avLst/>
+          </a:prstGeom>
+          <a:ln/>
+        </p:spPr>
+        <p:style>
+          <a:lnRef idx="1">
+            <a:schemeClr val="accent3"/>
+          </a:lnRef>
+          <a:fillRef idx="2">
+            <a:schemeClr val="accent3"/>
+          </a:fillRef>
+          <a:effectRef idx="1">
+            <a:schemeClr val="accent3"/>
+          </a:effectRef>
+          <a:fontRef idx="minor">
+            <a:schemeClr val="dk1"/>
+          </a:fontRef>
+        </p:style>
+        <p:txBody>
+          <a:bodyPr rtlCol="0" anchor="ctr"/>
+          <a:lstStyle/>
+          <a:p>
+            <a:pPr algn="ctr"/>
+            <a:endParaRPr lang="en-GB" dirty="0"/>
+          </a:p>
+        </p:txBody>
+      </p:sp>
+      <p:sp>
+        <p:nvSpPr>
+          <p:cNvPr id="11" name="ZoneTexte 10">
+            <a:extLst>
+              <a:ext uri="{FF2B5EF4-FFF2-40B4-BE49-F238E27FC236}">
+                <a16:creationId xmlns:a16="http://schemas.microsoft.com/office/drawing/2014/main" id="{7798CD24-E256-436D-A148-32AC69ABD2A0}"/>
+              </a:ext>
+            </a:extLst>
+          </p:cNvPr>
+          <p:cNvSpPr txBox="1"/>
+          <p:nvPr/>
+        </p:nvSpPr>
+        <p:spPr>
+          <a:xfrm>
+            <a:off x="2888269" y="6124572"/>
+            <a:ext cx="3210559" cy="369332"/>
+          </a:xfrm>
+          <a:prstGeom prst="rect">
+            <a:avLst/>
+          </a:prstGeom>
+          <a:noFill/>
+        </p:spPr>
+        <p:txBody>
+          <a:bodyPr wrap="none" rtlCol="0">
+            <a:spAutoFit/>
+          </a:bodyPr>
+          <a:lstStyle/>
+          <a:p>
+            <a:r>
+              <a:rPr lang="en-GB" b="1" dirty="0">
+                <a:solidFill>
+                  <a:srgbClr val="FFC000"/>
+                </a:solidFill>
+              </a:rPr>
+              <a:t>Random Access Memory (RAM)</a:t>
+            </a:r>
+            <a:endParaRPr lang="en-GB" b="1" dirty="0">
+              <a:solidFill>
+                <a:srgbClr val="68A2DB"/>
+              </a:solidFill>
+            </a:endParaRPr>
+          </a:p>
+        </p:txBody>
+      </p:sp>
+      <p:sp>
+        <p:nvSpPr>
+          <p:cNvPr id="12" name="ZoneTexte 11">
+            <a:extLst>
+              <a:ext uri="{FF2B5EF4-FFF2-40B4-BE49-F238E27FC236}">
+                <a16:creationId xmlns:a16="http://schemas.microsoft.com/office/drawing/2014/main" id="{EA60F10A-D359-4E17-B033-8E4E900BE2F8}"/>
+              </a:ext>
+            </a:extLst>
+          </p:cNvPr>
+          <p:cNvSpPr txBox="1"/>
+          <p:nvPr/>
+        </p:nvSpPr>
+        <p:spPr>
+          <a:xfrm>
+            <a:off x="4284391" y="3640458"/>
+            <a:ext cx="282450" cy="369332"/>
+          </a:xfrm>
+          <a:prstGeom prst="rect">
+            <a:avLst/>
+          </a:prstGeom>
+          <a:noFill/>
+        </p:spPr>
+        <p:txBody>
+          <a:bodyPr wrap="none" rtlCol="0">
+            <a:spAutoFit/>
+          </a:bodyPr>
+          <a:lstStyle/>
+          <a:p>
+            <a:r>
+              <a:rPr lang="en-US" b="1" dirty="0"/>
+              <a:t>s</a:t>
+            </a:r>
+          </a:p>
+        </p:txBody>
+      </p:sp>
+      <p:cxnSp>
+        <p:nvCxnSpPr>
+          <p:cNvPr id="13" name="Connecteur droit avec flèche 12">
+            <a:extLst>
+              <a:ext uri="{FF2B5EF4-FFF2-40B4-BE49-F238E27FC236}">
+                <a16:creationId xmlns:a16="http://schemas.microsoft.com/office/drawing/2014/main" id="{29170A8C-AFA3-4E24-93D7-A9EA2C943EF0}"/>
+              </a:ext>
+            </a:extLst>
+          </p:cNvPr>
+          <p:cNvCxnSpPr>
+            <a:cxnSpLocks/>
+          </p:cNvCxnSpPr>
+          <p:nvPr/>
+        </p:nvCxnSpPr>
+        <p:spPr>
+          <a:xfrm>
+            <a:off x="4425616" y="3990864"/>
+            <a:ext cx="634657" cy="442552"/>
+          </a:xfrm>
+          <a:prstGeom prst="straightConnector1">
+            <a:avLst/>
+          </a:prstGeom>
+          <a:ln>
+            <a:solidFill>
+              <a:schemeClr val="tx1"/>
+            </a:solidFill>
+            <a:tailEnd type="triangle"/>
+          </a:ln>
+        </p:spPr>
+        <p:style>
+          <a:lnRef idx="1">
+            <a:schemeClr val="accent1"/>
+          </a:lnRef>
+          <a:fillRef idx="0">
+            <a:schemeClr val="accent1"/>
+          </a:fillRef>
+          <a:effectRef idx="0">
+            <a:schemeClr val="accent1"/>
+          </a:effectRef>
+          <a:fontRef idx="minor">
+            <a:schemeClr val="tx1"/>
+          </a:fontRef>
+        </p:style>
+      </p:cxnSp>
+      <p:sp>
+        <p:nvSpPr>
+          <p:cNvPr id="14" name="ZoneTexte 13">
+            <a:extLst>
+              <a:ext uri="{FF2B5EF4-FFF2-40B4-BE49-F238E27FC236}">
+                <a16:creationId xmlns:a16="http://schemas.microsoft.com/office/drawing/2014/main" id="{DDEE6C97-AD9F-4EA3-A1B7-7F3BF3619F59}"/>
+              </a:ext>
+            </a:extLst>
+          </p:cNvPr>
+          <p:cNvSpPr txBox="1"/>
+          <p:nvPr/>
+        </p:nvSpPr>
+        <p:spPr>
+          <a:xfrm>
+            <a:off x="3656947" y="3288527"/>
+            <a:ext cx="1678473" cy="369332"/>
+          </a:xfrm>
+          <a:prstGeom prst="rect">
+            <a:avLst/>
+          </a:prstGeom>
+          <a:noFill/>
+        </p:spPr>
+        <p:txBody>
+          <a:bodyPr wrap="none" rtlCol="0">
+            <a:spAutoFit/>
+          </a:bodyPr>
+          <a:lstStyle/>
+          <a:p>
+            <a:r>
+              <a:rPr lang="en-GB" dirty="0">
+                <a:solidFill>
+                  <a:schemeClr val="bg1">
+                    <a:lumMod val="50000"/>
+                  </a:schemeClr>
+                </a:solidFill>
+              </a:rPr>
+              <a:t>Global variables</a:t>
+            </a:r>
+          </a:p>
+        </p:txBody>
+      </p:sp>
+      <p:sp>
+        <p:nvSpPr>
+          <p:cNvPr id="15" name="Rectangle 14">
+            <a:extLst>
+              <a:ext uri="{FF2B5EF4-FFF2-40B4-BE49-F238E27FC236}">
+                <a16:creationId xmlns:a16="http://schemas.microsoft.com/office/drawing/2014/main" id="{AA30B728-09A2-4690-9176-721381245A54}"/>
+              </a:ext>
+            </a:extLst>
+          </p:cNvPr>
+          <p:cNvSpPr/>
+          <p:nvPr/>
+        </p:nvSpPr>
+        <p:spPr>
+          <a:xfrm>
+            <a:off x="4508011" y="4583589"/>
+            <a:ext cx="1739215" cy="1002022"/>
+          </a:xfrm>
+          <a:prstGeom prst="rect">
+            <a:avLst/>
+          </a:prstGeom>
+        </p:spPr>
+        <p:style>
+          <a:lnRef idx="0">
+            <a:schemeClr val="accent5"/>
+          </a:lnRef>
+          <a:fillRef idx="3">
+            <a:schemeClr val="accent5"/>
+          </a:fillRef>
+          <a:effectRef idx="3">
+            <a:schemeClr val="accent5"/>
+          </a:effectRef>
+          <a:fontRef idx="minor">
+            <a:schemeClr val="lt1"/>
+          </a:fontRef>
+        </p:style>
+        <p:txBody>
+          <a:bodyPr rtlCol="0" anchor="ctr"/>
+          <a:lstStyle/>
+          <a:p>
+            <a:pPr algn="ctr"/>
+            <a:endParaRPr lang="en-US" dirty="0"/>
+          </a:p>
+        </p:txBody>
+      </p:sp>
+      <p:sp>
+        <p:nvSpPr>
+          <p:cNvPr id="16" name="ZoneTexte 15">
+            <a:extLst>
+              <a:ext uri="{FF2B5EF4-FFF2-40B4-BE49-F238E27FC236}">
+                <a16:creationId xmlns:a16="http://schemas.microsoft.com/office/drawing/2014/main" id="{C8070878-3A44-4E1F-AC96-4FC315B9B090}"/>
+              </a:ext>
+            </a:extLst>
+          </p:cNvPr>
+          <p:cNvSpPr txBox="1"/>
+          <p:nvPr/>
+        </p:nvSpPr>
+        <p:spPr>
+          <a:xfrm>
+            <a:off x="5233485" y="4319274"/>
+            <a:ext cx="348172" cy="461665"/>
+          </a:xfrm>
+          <a:prstGeom prst="rect">
+            <a:avLst/>
+          </a:prstGeom>
+          <a:noFill/>
+        </p:spPr>
+        <p:txBody>
+          <a:bodyPr wrap="none" rtlCol="0">
+            <a:spAutoFit/>
+          </a:bodyPr>
+          <a:lstStyle/>
+          <a:p>
+            <a:r>
+              <a:rPr lang="en-GB" sz="2400" b="1" dirty="0"/>
+              <a:t>C</a:t>
+            </a:r>
+          </a:p>
+        </p:txBody>
+      </p:sp>
+      <p:sp>
+        <p:nvSpPr>
+          <p:cNvPr id="28" name="ZoneTexte 27">
+            <a:extLst>
+              <a:ext uri="{FF2B5EF4-FFF2-40B4-BE49-F238E27FC236}">
+                <a16:creationId xmlns:a16="http://schemas.microsoft.com/office/drawing/2014/main" id="{FD2741BD-7D8C-4F73-B11D-76167EF7ADBC}"/>
+              </a:ext>
+            </a:extLst>
+          </p:cNvPr>
+          <p:cNvSpPr txBox="1"/>
+          <p:nvPr/>
+        </p:nvSpPr>
+        <p:spPr>
+          <a:xfrm>
+            <a:off x="7605616" y="3513810"/>
+            <a:ext cx="1500219" cy="1384995"/>
+          </a:xfrm>
+          <a:prstGeom prst="rect">
+            <a:avLst/>
+          </a:prstGeom>
+          <a:solidFill>
+            <a:schemeClr val="bg1">
+              <a:lumMod val="85000"/>
+            </a:schemeClr>
+          </a:solidFill>
+        </p:spPr>
+        <p:txBody>
+          <a:bodyPr wrap="square" rtlCol="0">
+            <a:spAutoFit/>
+          </a:bodyPr>
+          <a:lstStyle/>
+          <a:p>
+            <a:pPr>
+              <a:buNone/>
+            </a:pPr>
+            <a:r>
+              <a:rPr lang="en-US" sz="1400" dirty="0">
+                <a:latin typeface="Cascadia Code" panose="020B0609020000020004" pitchFamily="49" charset="0"/>
+                <a:cs typeface="Cascadia Code" panose="020B0609020000020004" pitchFamily="49" charset="0"/>
+              </a:rPr>
+              <a:t>class C:</a:t>
+            </a:r>
+          </a:p>
+          <a:p>
+            <a:pPr>
+              <a:buNone/>
+            </a:pPr>
+            <a:r>
+              <a:rPr lang="en-US" sz="1400" dirty="0">
+                <a:latin typeface="Cascadia Code" panose="020B0609020000020004" pitchFamily="49" charset="0"/>
+                <a:cs typeface="Cascadia Code" panose="020B0609020000020004" pitchFamily="49" charset="0"/>
+              </a:rPr>
+              <a:t>  def f(self):</a:t>
+            </a:r>
+          </a:p>
+          <a:p>
+            <a:pPr>
+              <a:buNone/>
+            </a:pPr>
+            <a:r>
+              <a:rPr lang="en-US" sz="1400" dirty="0">
+                <a:latin typeface="Cascadia Code" panose="020B0609020000020004" pitchFamily="49" charset="0"/>
+                <a:cs typeface="Cascadia Code" panose="020B0609020000020004" pitchFamily="49" charset="0"/>
+              </a:rPr>
+              <a:t>      pass</a:t>
+            </a:r>
+          </a:p>
+          <a:p>
+            <a:pPr>
+              <a:buNone/>
+            </a:pPr>
+            <a:r>
+              <a:rPr lang="en-US" sz="1400" dirty="0">
+                <a:latin typeface="Cascadia Code" panose="020B0609020000020004" pitchFamily="49" charset="0"/>
+                <a:cs typeface="Cascadia Code" panose="020B0609020000020004" pitchFamily="49" charset="0"/>
+              </a:rPr>
+              <a:t>s = C()</a:t>
+            </a:r>
+          </a:p>
+          <a:p>
+            <a:pPr>
+              <a:buNone/>
+            </a:pPr>
+            <a:r>
+              <a:rPr lang="en-US" sz="1400" dirty="0" err="1">
+                <a:latin typeface="Cascadia Code" panose="020B0609020000020004" pitchFamily="49" charset="0"/>
+                <a:cs typeface="Cascadia Code" panose="020B0609020000020004" pitchFamily="49" charset="0"/>
+              </a:rPr>
+              <a:t>C.f</a:t>
+            </a:r>
+            <a:r>
+              <a:rPr lang="en-US" sz="1400" dirty="0">
+                <a:latin typeface="Cascadia Code" panose="020B0609020000020004" pitchFamily="49" charset="0"/>
+                <a:cs typeface="Cascadia Code" panose="020B0609020000020004" pitchFamily="49" charset="0"/>
+              </a:rPr>
+              <a:t>()</a:t>
+            </a:r>
+          </a:p>
+          <a:p>
+            <a:pPr>
+              <a:buNone/>
+            </a:pPr>
+            <a:r>
+              <a:rPr lang="en-US" sz="1400" dirty="0" err="1">
+                <a:latin typeface="Cascadia Code" panose="020B0609020000020004" pitchFamily="49" charset="0"/>
+                <a:cs typeface="Cascadia Code" panose="020B0609020000020004" pitchFamily="49" charset="0"/>
+              </a:rPr>
+              <a:t>s.f</a:t>
+            </a:r>
+            <a:r>
+              <a:rPr lang="en-US" sz="1400" dirty="0">
+                <a:latin typeface="Cascadia Code" panose="020B0609020000020004" pitchFamily="49" charset="0"/>
+                <a:cs typeface="Cascadia Code" panose="020B0609020000020004" pitchFamily="49" charset="0"/>
+              </a:rPr>
+              <a:t>()</a:t>
+            </a:r>
+          </a:p>
+        </p:txBody>
+      </p:sp>
+      <p:sp>
+        <p:nvSpPr>
+          <p:cNvPr id="29" name="ZoneTexte 28">
+            <a:extLst>
+              <a:ext uri="{FF2B5EF4-FFF2-40B4-BE49-F238E27FC236}">
+                <a16:creationId xmlns:a16="http://schemas.microsoft.com/office/drawing/2014/main" id="{ECDA3CEA-7CCD-492A-A8AC-5D2FA70A3592}"/>
+              </a:ext>
+            </a:extLst>
+          </p:cNvPr>
+          <p:cNvSpPr txBox="1"/>
+          <p:nvPr/>
+        </p:nvSpPr>
+        <p:spPr>
+          <a:xfrm>
+            <a:off x="3670481" y="3631990"/>
+            <a:ext cx="306494" cy="369332"/>
+          </a:xfrm>
+          <a:prstGeom prst="rect">
+            <a:avLst/>
+          </a:prstGeom>
+          <a:noFill/>
+        </p:spPr>
+        <p:txBody>
+          <a:bodyPr wrap="none" rtlCol="0">
+            <a:spAutoFit/>
+          </a:bodyPr>
+          <a:lstStyle/>
+          <a:p>
+            <a:r>
+              <a:rPr lang="en-US" b="1" dirty="0"/>
+              <a:t>C</a:t>
+            </a:r>
+          </a:p>
+        </p:txBody>
+      </p:sp>
+      <p:sp>
+        <p:nvSpPr>
+          <p:cNvPr id="30" name="Rectangle 29">
+            <a:extLst>
+              <a:ext uri="{FF2B5EF4-FFF2-40B4-BE49-F238E27FC236}">
+                <a16:creationId xmlns:a16="http://schemas.microsoft.com/office/drawing/2014/main" id="{2B87FFAA-E64D-4C86-9006-0DEBDC79D855}"/>
+              </a:ext>
+            </a:extLst>
+          </p:cNvPr>
+          <p:cNvSpPr/>
+          <p:nvPr/>
+        </p:nvSpPr>
+        <p:spPr>
+          <a:xfrm>
+            <a:off x="2673496" y="4583589"/>
+            <a:ext cx="1739215" cy="1002022"/>
+          </a:xfrm>
+          <a:prstGeom prst="rect">
+            <a:avLst/>
+          </a:prstGeom>
+        </p:spPr>
+        <p:style>
+          <a:lnRef idx="0">
+            <a:schemeClr val="accent5"/>
+          </a:lnRef>
+          <a:fillRef idx="3">
+            <a:schemeClr val="accent5"/>
+          </a:fillRef>
+          <a:effectRef idx="3">
+            <a:schemeClr val="accent5"/>
+          </a:effectRef>
+          <a:fontRef idx="minor">
+            <a:schemeClr val="lt1"/>
+          </a:fontRef>
+        </p:style>
+        <p:txBody>
+          <a:bodyPr rtlCol="0" anchor="ctr"/>
+          <a:lstStyle/>
+          <a:p>
+            <a:pPr algn="ctr"/>
+            <a:endParaRPr lang="en-US"/>
+          </a:p>
+        </p:txBody>
+      </p:sp>
+      <p:sp>
+        <p:nvSpPr>
+          <p:cNvPr id="31" name="ZoneTexte 30">
+            <a:extLst>
+              <a:ext uri="{FF2B5EF4-FFF2-40B4-BE49-F238E27FC236}">
+                <a16:creationId xmlns:a16="http://schemas.microsoft.com/office/drawing/2014/main" id="{C87C2B15-3136-4891-BE33-5AB8D070D0E5}"/>
+              </a:ext>
+            </a:extLst>
+          </p:cNvPr>
+          <p:cNvSpPr txBox="1"/>
+          <p:nvPr/>
+        </p:nvSpPr>
+        <p:spPr>
+          <a:xfrm>
+            <a:off x="3327958" y="4434667"/>
+            <a:ext cx="470000" cy="276999"/>
+          </a:xfrm>
+          <a:prstGeom prst="rect">
+            <a:avLst/>
+          </a:prstGeom>
+          <a:noFill/>
+        </p:spPr>
+        <p:txBody>
+          <a:bodyPr wrap="none" rtlCol="0">
+            <a:spAutoFit/>
+          </a:bodyPr>
+          <a:lstStyle/>
+          <a:p>
+            <a:r>
+              <a:rPr lang="en-GB" sz="1200" b="1" dirty="0"/>
+              <a:t>type</a:t>
+            </a:r>
+          </a:p>
+        </p:txBody>
+      </p:sp>
+      <p:sp>
+        <p:nvSpPr>
+          <p:cNvPr id="32" name="ZoneTexte 31">
+            <a:extLst>
+              <a:ext uri="{FF2B5EF4-FFF2-40B4-BE49-F238E27FC236}">
+                <a16:creationId xmlns:a16="http://schemas.microsoft.com/office/drawing/2014/main" id="{F1D0F04C-48B0-43EC-A45C-BE677121F885}"/>
+              </a:ext>
+            </a:extLst>
+          </p:cNvPr>
+          <p:cNvSpPr txBox="1"/>
+          <p:nvPr/>
+        </p:nvSpPr>
+        <p:spPr>
+          <a:xfrm>
+            <a:off x="2625846" y="4597068"/>
+            <a:ext cx="1444883" cy="646331"/>
+          </a:xfrm>
+          <a:prstGeom prst="rect">
+            <a:avLst/>
+          </a:prstGeom>
+          <a:noFill/>
+        </p:spPr>
+        <p:txBody>
+          <a:bodyPr wrap="none" rtlCol="0">
+            <a:spAutoFit/>
+          </a:bodyPr>
+          <a:lstStyle/>
+          <a:p>
+            <a:r>
+              <a:rPr lang="en-GB" dirty="0"/>
+              <a:t>__</a:t>
+            </a:r>
+            <a:r>
+              <a:rPr lang="en-GB" dirty="0" err="1"/>
+              <a:t>init</a:t>
+            </a:r>
+            <a:r>
+              <a:rPr lang="en-GB" dirty="0"/>
+              <a:t>(self, …)</a:t>
+            </a:r>
+          </a:p>
+          <a:p>
+            <a:r>
+              <a:rPr lang="en-GB" dirty="0"/>
+              <a:t>f(self, …)</a:t>
+            </a:r>
+          </a:p>
+        </p:txBody>
+      </p:sp>
+      <p:cxnSp>
+        <p:nvCxnSpPr>
+          <p:cNvPr id="33" name="Connecteur droit avec flèche 32">
+            <a:extLst>
+              <a:ext uri="{FF2B5EF4-FFF2-40B4-BE49-F238E27FC236}">
+                <a16:creationId xmlns:a16="http://schemas.microsoft.com/office/drawing/2014/main" id="{4412F7B0-A625-4815-8306-24A996F5B810}"/>
+              </a:ext>
+            </a:extLst>
+          </p:cNvPr>
+          <p:cNvCxnSpPr>
+            <a:cxnSpLocks/>
+          </p:cNvCxnSpPr>
+          <p:nvPr/>
+        </p:nvCxnSpPr>
+        <p:spPr>
+          <a:xfrm flipH="1">
+            <a:off x="3656947" y="3990864"/>
+            <a:ext cx="141011" cy="442552"/>
+          </a:xfrm>
+          <a:prstGeom prst="straightConnector1">
+            <a:avLst/>
+          </a:prstGeom>
+          <a:ln>
+            <a:solidFill>
+              <a:schemeClr val="tx1"/>
+            </a:solidFill>
+            <a:tailEnd type="triangle"/>
+          </a:ln>
+        </p:spPr>
+        <p:style>
+          <a:lnRef idx="1">
+            <a:schemeClr val="accent1"/>
+          </a:lnRef>
+          <a:fillRef idx="0">
+            <a:schemeClr val="accent1"/>
+          </a:fillRef>
+          <a:effectRef idx="0">
+            <a:schemeClr val="accent1"/>
+          </a:effectRef>
+          <a:fontRef idx="minor">
+            <a:schemeClr val="tx1"/>
+          </a:fontRef>
+        </p:style>
+      </p:cxnSp>
+      <p:sp>
+        <p:nvSpPr>
+          <p:cNvPr id="17" name="Flèche : droite 16">
+            <a:extLst>
+              <a:ext uri="{FF2B5EF4-FFF2-40B4-BE49-F238E27FC236}">
+                <a16:creationId xmlns:a16="http://schemas.microsoft.com/office/drawing/2014/main" id="{24A17235-B279-4D36-A126-E8CD42B4C31C}"/>
+              </a:ext>
+            </a:extLst>
+          </p:cNvPr>
+          <p:cNvSpPr/>
+          <p:nvPr/>
+        </p:nvSpPr>
+        <p:spPr>
+          <a:xfrm rot="10800000">
+            <a:off x="3557070" y="4936505"/>
+            <a:ext cx="980012" cy="247728"/>
+          </a:xfrm>
+          <a:prstGeom prst="rightArrow">
+            <a:avLst/>
+          </a:prstGeom>
+        </p:spPr>
+        <p:style>
+          <a:lnRef idx="2">
+            <a:schemeClr val="accent1">
+              <a:shade val="50000"/>
+            </a:schemeClr>
+          </a:lnRef>
+          <a:fillRef idx="1">
+            <a:schemeClr val="accent1"/>
+          </a:fillRef>
+          <a:effectRef idx="0">
+            <a:schemeClr val="accent1"/>
+          </a:effectRef>
+          <a:fontRef idx="minor">
+            <a:schemeClr val="lt1"/>
+          </a:fontRef>
+        </p:style>
+        <p:txBody>
+          <a:bodyPr rtlCol="0" anchor="ctr"/>
+          <a:lstStyle/>
+          <a:p>
+            <a:pPr algn="ctr"/>
+            <a:endParaRPr lang="en-GB" dirty="0"/>
+          </a:p>
+        </p:txBody>
+      </p:sp>
+      <p:sp>
+        <p:nvSpPr>
+          <p:cNvPr id="34" name="ZoneTexte 33">
+            <a:extLst>
+              <a:ext uri="{FF2B5EF4-FFF2-40B4-BE49-F238E27FC236}">
+                <a16:creationId xmlns:a16="http://schemas.microsoft.com/office/drawing/2014/main" id="{7585A35A-FBCA-42E2-9483-5DD179DB141B}"/>
+              </a:ext>
+            </a:extLst>
+          </p:cNvPr>
+          <p:cNvSpPr txBox="1"/>
+          <p:nvPr/>
+        </p:nvSpPr>
+        <p:spPr>
+          <a:xfrm>
+            <a:off x="4539343" y="4550106"/>
+            <a:ext cx="1675715" cy="646331"/>
+          </a:xfrm>
+          <a:prstGeom prst="rect">
+            <a:avLst/>
+          </a:prstGeom>
+          <a:noFill/>
+        </p:spPr>
+        <p:txBody>
+          <a:bodyPr wrap="none" rtlCol="0">
+            <a:spAutoFit/>
+          </a:bodyPr>
+          <a:lstStyle/>
+          <a:p>
+            <a:r>
+              <a:rPr lang="en-GB" dirty="0"/>
+              <a:t>__</a:t>
+            </a:r>
+            <a:r>
+              <a:rPr lang="en-GB" dirty="0" err="1"/>
+              <a:t>init</a:t>
+            </a:r>
+            <a:r>
+              <a:rPr lang="en-GB" dirty="0"/>
+              <a:t>__(self, …)</a:t>
+            </a:r>
+          </a:p>
+          <a:p>
+            <a:r>
+              <a:rPr lang="en-GB" dirty="0"/>
+              <a:t>f(self, …)</a:t>
+            </a:r>
+          </a:p>
+        </p:txBody>
+      </p:sp>
+      <p:cxnSp>
+        <p:nvCxnSpPr>
+          <p:cNvPr id="40" name="Connecteur : en arc 39">
+            <a:extLst>
+              <a:ext uri="{FF2B5EF4-FFF2-40B4-BE49-F238E27FC236}">
+                <a16:creationId xmlns:a16="http://schemas.microsoft.com/office/drawing/2014/main" id="{AE448286-AA26-49F8-A02F-A49E9B9CBB9A}"/>
+              </a:ext>
+            </a:extLst>
+          </p:cNvPr>
+          <p:cNvCxnSpPr>
+            <a:endCxn id="15" idx="2"/>
+          </p:cNvCxnSpPr>
+          <p:nvPr/>
+        </p:nvCxnSpPr>
+        <p:spPr>
+          <a:xfrm rot="16200000" flipH="1">
+            <a:off x="4892981" y="5100972"/>
+            <a:ext cx="501011" cy="468266"/>
+          </a:xfrm>
+          <a:prstGeom prst="curvedConnector3">
+            <a:avLst>
+              <a:gd name="adj1" fmla="val 145628"/>
+            </a:avLst>
+          </a:prstGeom>
+          <a:ln>
+            <a:solidFill>
+              <a:schemeClr val="tx1"/>
+            </a:solidFill>
+            <a:tailEnd type="triangle"/>
+          </a:ln>
+        </p:spPr>
+        <p:style>
+          <a:lnRef idx="1">
+            <a:schemeClr val="accent1"/>
+          </a:lnRef>
+          <a:fillRef idx="0">
+            <a:schemeClr val="accent1"/>
+          </a:fillRef>
+          <a:effectRef idx="0">
+            <a:schemeClr val="accent1"/>
+          </a:effectRef>
+          <a:fontRef idx="minor">
+            <a:schemeClr val="tx1"/>
+          </a:fontRef>
+        </p:style>
+      </p:cxnSp>
+      <p:sp>
+        <p:nvSpPr>
+          <p:cNvPr id="41" name="ZoneTexte 40">
+            <a:extLst>
+              <a:ext uri="{FF2B5EF4-FFF2-40B4-BE49-F238E27FC236}">
+                <a16:creationId xmlns:a16="http://schemas.microsoft.com/office/drawing/2014/main" id="{92BE70E8-07EC-40E0-9A76-45CDCDC9EA62}"/>
+              </a:ext>
+            </a:extLst>
+          </p:cNvPr>
+          <p:cNvSpPr txBox="1"/>
+          <p:nvPr/>
+        </p:nvSpPr>
+        <p:spPr>
+          <a:xfrm>
+            <a:off x="3859481" y="4904026"/>
+            <a:ext cx="498983" cy="307777"/>
+          </a:xfrm>
+          <a:prstGeom prst="rect">
+            <a:avLst/>
+          </a:prstGeom>
+          <a:noFill/>
+        </p:spPr>
+        <p:txBody>
+          <a:bodyPr wrap="none" rtlCol="0">
+            <a:spAutoFit/>
+          </a:bodyPr>
+          <a:lstStyle/>
+          <a:p>
+            <a:r>
+              <a:rPr lang="en-GB" sz="1400" dirty="0"/>
+              <a:t>calls</a:t>
+            </a:r>
+          </a:p>
+        </p:txBody>
+      </p:sp>
+      <p:cxnSp>
+        <p:nvCxnSpPr>
+          <p:cNvPr id="43" name="Connecteur droit avec flèche 42">
+            <a:extLst>
+              <a:ext uri="{FF2B5EF4-FFF2-40B4-BE49-F238E27FC236}">
+                <a16:creationId xmlns:a16="http://schemas.microsoft.com/office/drawing/2014/main" id="{4035489D-4BCB-4748-907A-AD5BCFD7CE85}"/>
+              </a:ext>
+            </a:extLst>
+          </p:cNvPr>
+          <p:cNvCxnSpPr/>
+          <p:nvPr/>
+        </p:nvCxnSpPr>
+        <p:spPr>
+          <a:xfrm flipH="1">
+            <a:off x="5475683" y="4780939"/>
+            <a:ext cx="2129933" cy="303660"/>
+          </a:xfrm>
+          <a:prstGeom prst="straightConnector1">
+            <a:avLst/>
+          </a:prstGeom>
+          <a:ln>
+            <a:solidFill>
+              <a:schemeClr val="tx1"/>
+            </a:solidFill>
+            <a:tailEnd type="triangle"/>
+          </a:ln>
+        </p:spPr>
+        <p:style>
+          <a:lnRef idx="1">
+            <a:schemeClr val="accent1"/>
+          </a:lnRef>
+          <a:fillRef idx="0">
+            <a:schemeClr val="accent1"/>
+          </a:fillRef>
+          <a:effectRef idx="0">
+            <a:schemeClr val="accent1"/>
+          </a:effectRef>
+          <a:fontRef idx="minor">
+            <a:schemeClr val="tx1"/>
+          </a:fontRef>
+        </p:style>
+      </p:cxnSp>
+      <p:cxnSp>
+        <p:nvCxnSpPr>
+          <p:cNvPr id="44" name="Connecteur : en arc 43">
+            <a:extLst>
+              <a:ext uri="{FF2B5EF4-FFF2-40B4-BE49-F238E27FC236}">
+                <a16:creationId xmlns:a16="http://schemas.microsoft.com/office/drawing/2014/main" id="{96A2D309-5308-400D-B860-919C5F35FE45}"/>
+              </a:ext>
+            </a:extLst>
+          </p:cNvPr>
+          <p:cNvCxnSpPr>
+            <a:cxnSpLocks/>
+            <a:endCxn id="15" idx="2"/>
+          </p:cNvCxnSpPr>
+          <p:nvPr/>
+        </p:nvCxnSpPr>
+        <p:spPr>
+          <a:xfrm rot="5400000">
+            <a:off x="5051995" y="5180718"/>
+            <a:ext cx="730517" cy="79268"/>
+          </a:xfrm>
+          <a:prstGeom prst="curvedConnector3">
+            <a:avLst>
+              <a:gd name="adj1" fmla="val 130078"/>
+            </a:avLst>
+          </a:prstGeom>
+          <a:ln>
+            <a:solidFill>
+              <a:schemeClr val="tx1"/>
+            </a:solidFill>
+            <a:tailEnd type="triangle"/>
+          </a:ln>
+        </p:spPr>
+        <p:style>
+          <a:lnRef idx="1">
+            <a:schemeClr val="accent1"/>
+          </a:lnRef>
+          <a:fillRef idx="0">
+            <a:schemeClr val="accent1"/>
+          </a:fillRef>
+          <a:effectRef idx="0">
+            <a:schemeClr val="accent1"/>
+          </a:effectRef>
+          <a:fontRef idx="minor">
+            <a:schemeClr val="tx1"/>
+          </a:fontRef>
+        </p:style>
+      </p:cxnSp>
+      <p:sp>
+        <p:nvSpPr>
+          <p:cNvPr id="48" name="Flèche : droite 47">
+            <a:extLst>
+              <a:ext uri="{FF2B5EF4-FFF2-40B4-BE49-F238E27FC236}">
+                <a16:creationId xmlns:a16="http://schemas.microsoft.com/office/drawing/2014/main" id="{CB6E0AE8-B5D4-45A5-A9EA-EDF15BBB3144}"/>
+              </a:ext>
+            </a:extLst>
+          </p:cNvPr>
+          <p:cNvSpPr/>
+          <p:nvPr/>
+        </p:nvSpPr>
+        <p:spPr>
+          <a:xfrm rot="10800000">
+            <a:off x="3975217" y="4644509"/>
+            <a:ext cx="624933" cy="247728"/>
+          </a:xfrm>
+          <a:prstGeom prst="rightArrow">
+            <a:avLst/>
+          </a:prstGeom>
+        </p:spPr>
+        <p:style>
+          <a:lnRef idx="2">
+            <a:schemeClr val="accent1">
+              <a:shade val="50000"/>
+            </a:schemeClr>
+          </a:lnRef>
+          <a:fillRef idx="1">
+            <a:schemeClr val="accent1"/>
+          </a:fillRef>
+          <a:effectRef idx="0">
+            <a:schemeClr val="accent1"/>
+          </a:effectRef>
+          <a:fontRef idx="minor">
+            <a:schemeClr val="lt1"/>
+          </a:fontRef>
+        </p:style>
+        <p:txBody>
+          <a:bodyPr rtlCol="0" anchor="ctr"/>
+          <a:lstStyle/>
+          <a:p>
+            <a:pPr algn="ctr"/>
+            <a:endParaRPr lang="en-GB" dirty="0"/>
+          </a:p>
+        </p:txBody>
+      </p:sp>
+      <p:sp>
+        <p:nvSpPr>
+          <p:cNvPr id="49" name="ZoneTexte 48">
+            <a:extLst>
+              <a:ext uri="{FF2B5EF4-FFF2-40B4-BE49-F238E27FC236}">
+                <a16:creationId xmlns:a16="http://schemas.microsoft.com/office/drawing/2014/main" id="{D108B719-E221-4045-BDD8-077ABB7B12F9}"/>
+              </a:ext>
+            </a:extLst>
+          </p:cNvPr>
+          <p:cNvSpPr txBox="1"/>
+          <p:nvPr/>
+        </p:nvSpPr>
+        <p:spPr>
+          <a:xfrm>
+            <a:off x="4108972" y="4594838"/>
+            <a:ext cx="498983" cy="307777"/>
+          </a:xfrm>
+          <a:prstGeom prst="rect">
+            <a:avLst/>
+          </a:prstGeom>
+          <a:noFill/>
+        </p:spPr>
+        <p:txBody>
+          <a:bodyPr wrap="square" rtlCol="0">
+            <a:spAutoFit/>
+          </a:bodyPr>
+          <a:lstStyle/>
+          <a:p>
+            <a:r>
+              <a:rPr lang="en-GB" sz="1400" dirty="0"/>
+              <a:t>calls</a:t>
+            </a:r>
+          </a:p>
+        </p:txBody>
+      </p:sp>
+      <p:cxnSp>
+        <p:nvCxnSpPr>
+          <p:cNvPr id="50" name="Connecteur droit avec flèche 49">
+            <a:extLst>
+              <a:ext uri="{FF2B5EF4-FFF2-40B4-BE49-F238E27FC236}">
+                <a16:creationId xmlns:a16="http://schemas.microsoft.com/office/drawing/2014/main" id="{73A3B2E5-F397-4048-94A7-B258E6B5A354}"/>
+              </a:ext>
+            </a:extLst>
+          </p:cNvPr>
+          <p:cNvCxnSpPr>
+            <a:cxnSpLocks/>
+          </p:cNvCxnSpPr>
+          <p:nvPr/>
+        </p:nvCxnSpPr>
+        <p:spPr>
+          <a:xfrm flipH="1">
+            <a:off x="6096000" y="4370537"/>
+            <a:ext cx="1791908" cy="351469"/>
+          </a:xfrm>
+          <a:prstGeom prst="straightConnector1">
+            <a:avLst/>
+          </a:prstGeom>
+          <a:ln>
+            <a:solidFill>
+              <a:schemeClr val="tx1"/>
+            </a:solidFill>
+            <a:tailEnd type="triangle"/>
+          </a:ln>
+        </p:spPr>
+        <p:style>
+          <a:lnRef idx="1">
+            <a:schemeClr val="accent1"/>
+          </a:lnRef>
+          <a:fillRef idx="0">
+            <a:schemeClr val="accent1"/>
+          </a:fillRef>
+          <a:effectRef idx="0">
+            <a:schemeClr val="accent1"/>
+          </a:effectRef>
+          <a:fontRef idx="minor">
+            <a:schemeClr val="tx1"/>
+          </a:fontRef>
+        </p:style>
+      </p:cxnSp>
+      <p:cxnSp>
+        <p:nvCxnSpPr>
+          <p:cNvPr id="57" name="Connecteur : en angle 56">
+            <a:extLst>
+              <a:ext uri="{FF2B5EF4-FFF2-40B4-BE49-F238E27FC236}">
+                <a16:creationId xmlns:a16="http://schemas.microsoft.com/office/drawing/2014/main" id="{572209D7-C971-4E30-8952-13381F988CFA}"/>
+              </a:ext>
+            </a:extLst>
+          </p:cNvPr>
+          <p:cNvCxnSpPr>
+            <a:endCxn id="32" idx="2"/>
+          </p:cNvCxnSpPr>
+          <p:nvPr/>
+        </p:nvCxnSpPr>
+        <p:spPr>
+          <a:xfrm rot="10800000" flipV="1">
+            <a:off x="3348289" y="4573165"/>
+            <a:ext cx="4322019" cy="670233"/>
+          </a:xfrm>
+          <a:prstGeom prst="bentConnector4">
+            <a:avLst>
+              <a:gd name="adj1" fmla="val 11242"/>
+              <a:gd name="adj2" fmla="val 134108"/>
+            </a:avLst>
+          </a:prstGeom>
+          <a:ln>
+            <a:solidFill>
+              <a:schemeClr val="tx1"/>
+            </a:solidFill>
+            <a:tailEnd type="triangle"/>
+          </a:ln>
+        </p:spPr>
+        <p:style>
+          <a:lnRef idx="1">
+            <a:schemeClr val="accent1"/>
+          </a:lnRef>
+          <a:fillRef idx="0">
+            <a:schemeClr val="accent1"/>
+          </a:fillRef>
+          <a:effectRef idx="0">
+            <a:schemeClr val="accent1"/>
+          </a:effectRef>
+          <a:fontRef idx="minor">
+            <a:schemeClr val="tx1"/>
+          </a:fontRef>
+        </p:style>
+      </p:cxnSp>
+      <p:sp>
+        <p:nvSpPr>
+          <p:cNvPr id="59" name="ZoneTexte 58">
+            <a:extLst>
+              <a:ext uri="{FF2B5EF4-FFF2-40B4-BE49-F238E27FC236}">
+                <a16:creationId xmlns:a16="http://schemas.microsoft.com/office/drawing/2014/main" id="{E0519838-A85B-4246-8E91-354ACF8269D1}"/>
+              </a:ext>
+            </a:extLst>
+          </p:cNvPr>
+          <p:cNvSpPr txBox="1"/>
+          <p:nvPr/>
+        </p:nvSpPr>
+        <p:spPr>
+          <a:xfrm>
+            <a:off x="7941421" y="4367184"/>
+            <a:ext cx="743986" cy="338554"/>
+          </a:xfrm>
+          <a:prstGeom prst="rect">
+            <a:avLst/>
+          </a:prstGeom>
+          <a:noFill/>
+        </p:spPr>
+        <p:txBody>
+          <a:bodyPr wrap="none" rtlCol="0">
+            <a:spAutoFit/>
+          </a:bodyPr>
+          <a:lstStyle/>
+          <a:p>
+            <a:r>
+              <a:rPr lang="en-GB" sz="1600" b="1" dirty="0"/>
+              <a:t>error!!</a:t>
+            </a:r>
+          </a:p>
+        </p:txBody>
+      </p:sp>
+    </p:spTree>
+    <p:extLst>
+      <p:ext uri="{BB962C8B-B14F-4D97-AF65-F5344CB8AC3E}">
+        <p14:creationId xmlns:p14="http://schemas.microsoft.com/office/powerpoint/2010/main" val="977163298"/>
+      </p:ext>
+    </p:extLst>
+  </p:cSld>
+  <p:clrMapOvr>
+    <a:masterClrMapping/>
+  </p:clrMapOvr>
+</p:sld>
+</file>
+
+<file path=ppt/slides/slide32.xml><?xml version="1.0" encoding="utf-8"?>
+<p:sld xmlns:a="http://schemas.openxmlformats.org/drawingml/2006/main" xmlns:r="http://schemas.openxmlformats.org/officeDocument/2006/relationships" xmlns:p="http://schemas.openxmlformats.org/presentationml/2006/main">
+  <p:cSld>
+    <p:spTree>
+      <p:nvGrpSpPr>
+        <p:cNvPr id="1" name=""/>
+        <p:cNvGrpSpPr/>
+        <p:nvPr/>
+      </p:nvGrpSpPr>
+      <p:grpSpPr>
+        <a:xfrm>
+          <a:off x="0" y="0"/>
+          <a:ext cx="0" cy="0"/>
+          <a:chOff x="0" y="0"/>
+          <a:chExt cx="0" cy="0"/>
+        </a:xfrm>
+      </p:grpSpPr>
+      <p:sp>
+        <p:nvSpPr>
           <p:cNvPr id="2" name="ZoneTexte 1">
             <a:extLst>
               <a:ext uri="{FF2B5EF4-FFF2-40B4-BE49-F238E27FC236}">
@@ -27430,7 +28842,7 @@
 </p:sld>
 </file>
 
-<file path=ppt/slides/slide32.xml><?xml version="1.0" encoding="utf-8"?>
+<file path=ppt/slides/slide33.xml><?xml version="1.0" encoding="utf-8"?>
 <p:sld xmlns:a="http://schemas.openxmlformats.org/drawingml/2006/main" xmlns:r="http://schemas.openxmlformats.org/officeDocument/2006/relationships" xmlns:p="http://schemas.openxmlformats.org/presentationml/2006/main">
   <p:cSld>
     <p:spTree>
